--- a/SQLSat Pensacola 2019/DBA Best Practices with DMVs.pptx
+++ b/SQLSat Pensacola 2019/DBA Best Practices with DMVs.pptx
@@ -32,19 +32,19 @@
     <p:sldId id="342" r:id="rId20"/>
     <p:sldId id="362" r:id="rId21"/>
     <p:sldId id="363" r:id="rId22"/>
-    <p:sldId id="297" r:id="rId23"/>
-    <p:sldId id="389" r:id="rId24"/>
-    <p:sldId id="298" r:id="rId25"/>
-    <p:sldId id="268" r:id="rId26"/>
-    <p:sldId id="269" r:id="rId27"/>
+    <p:sldId id="419" r:id="rId23"/>
+    <p:sldId id="420" r:id="rId24"/>
+    <p:sldId id="297" r:id="rId25"/>
+    <p:sldId id="389" r:id="rId26"/>
+    <p:sldId id="268" r:id="rId27"/>
     <p:sldId id="270" r:id="rId28"/>
     <p:sldId id="366" r:id="rId29"/>
     <p:sldId id="279" r:id="rId30"/>
     <p:sldId id="271" r:id="rId31"/>
     <p:sldId id="328" r:id="rId32"/>
     <p:sldId id="272" r:id="rId33"/>
-    <p:sldId id="326" r:id="rId34"/>
-    <p:sldId id="327" r:id="rId35"/>
+    <p:sldId id="327" r:id="rId34"/>
+    <p:sldId id="326" r:id="rId35"/>
     <p:sldId id="390" r:id="rId36"/>
     <p:sldId id="391" r:id="rId37"/>
     <p:sldId id="392" r:id="rId38"/>
@@ -247,7 +247,7 @@
 <file path=ppt/revisionInfo.xml><?xml version="1.0" encoding="utf-8"?>
 <p1510:revInfo xmlns:a="http://schemas.openxmlformats.org/drawingml/2006/main" xmlns:r="http://schemas.openxmlformats.org/officeDocument/2006/relationships" xmlns:p1510="http://schemas.microsoft.com/office/powerpoint/2015/10/main">
   <p1510:revLst>
-    <p1510:client id="{E43EA3F4-5CFF-4A8A-9561-5E0414B33ACD}" v="516" dt="2019-06-24T20:21:12.465"/>
+    <p1510:client id="{E43EA3F4-5CFF-4A8A-9561-5E0414B33ACD}" v="996" dt="2019-06-29T03:38:10.258"/>
   </p1510:revLst>
 </p1510:revInfo>
 </file>
@@ -257,10 +257,25 @@
   <pc:docChgLst>
     <pc:chgData name="william a" userId="c66c7249b60d4ab2" providerId="LiveId" clId="{E43EA3F4-5CFF-4A8A-9561-5E0414B33ACD}"/>
     <pc:docChg chg="undo custSel addSld delSld modSld sldOrd">
-      <pc:chgData name="william a" userId="c66c7249b60d4ab2" providerId="LiveId" clId="{E43EA3F4-5CFF-4A8A-9561-5E0414B33ACD}" dt="2019-06-24T20:21:18.290" v="1691" actId="20577"/>
+      <pc:chgData name="william a" userId="c66c7249b60d4ab2" providerId="LiveId" clId="{E43EA3F4-5CFF-4A8A-9561-5E0414B33ACD}" dt="2019-06-29T03:38:26.350" v="4505" actId="27636"/>
       <pc:docMkLst>
         <pc:docMk/>
       </pc:docMkLst>
+      <pc:sldChg chg="modSp">
+        <pc:chgData name="william a" userId="c66c7249b60d4ab2" providerId="LiveId" clId="{E43EA3F4-5CFF-4A8A-9561-5E0414B33ACD}" dt="2019-06-29T02:37:30.903" v="1692" actId="20577"/>
+        <pc:sldMkLst>
+          <pc:docMk/>
+          <pc:sldMk cId="0" sldId="259"/>
+        </pc:sldMkLst>
+        <pc:spChg chg="mod">
+          <ac:chgData name="william a" userId="c66c7249b60d4ab2" providerId="LiveId" clId="{E43EA3F4-5CFF-4A8A-9561-5E0414B33ACD}" dt="2019-06-29T02:37:30.903" v="1692" actId="20577"/>
+          <ac:spMkLst>
+            <pc:docMk/>
+            <pc:sldMk cId="0" sldId="259"/>
+            <ac:spMk id="5" creationId="{00000000-0000-0000-0000-000000000000}"/>
+          </ac:spMkLst>
+        </pc:spChg>
+      </pc:sldChg>
       <pc:sldChg chg="modSp">
         <pc:chgData name="william a" userId="c66c7249b60d4ab2" providerId="LiveId" clId="{E43EA3F4-5CFF-4A8A-9561-5E0414B33ACD}" dt="2019-06-24T19:42:54.234" v="408" actId="20577"/>
         <pc:sldMkLst>
@@ -277,13 +292,13 @@
         </pc:spChg>
       </pc:sldChg>
       <pc:sldChg chg="modSp">
-        <pc:chgData name="william a" userId="c66c7249b60d4ab2" providerId="LiveId" clId="{E43EA3F4-5CFF-4A8A-9561-5E0414B33ACD}" dt="2019-06-24T20:21:18.290" v="1691" actId="20577"/>
+        <pc:chgData name="william a" userId="c66c7249b60d4ab2" providerId="LiveId" clId="{E43EA3F4-5CFF-4A8A-9561-5E0414B33ACD}" dt="2019-06-29T03:38:26.350" v="4505" actId="27636"/>
         <pc:sldMkLst>
           <pc:docMk/>
           <pc:sldMk cId="0" sldId="266"/>
         </pc:sldMkLst>
         <pc:spChg chg="mod">
-          <ac:chgData name="william a" userId="c66c7249b60d4ab2" providerId="LiveId" clId="{E43EA3F4-5CFF-4A8A-9561-5E0414B33ACD}" dt="2019-06-24T20:21:18.290" v="1691" actId="20577"/>
+          <ac:chgData name="william a" userId="c66c7249b60d4ab2" providerId="LiveId" clId="{E43EA3F4-5CFF-4A8A-9561-5E0414B33ACD}" dt="2019-06-29T03:38:26.350" v="4505" actId="27636"/>
           <ac:spMkLst>
             <pc:docMk/>
             <pc:sldMk cId="0" sldId="266"/>
@@ -291,12 +306,80 @@
           </ac:spMkLst>
         </pc:spChg>
       </pc:sldChg>
-      <pc:sldChg chg="del">
-        <pc:chgData name="william a" userId="c66c7249b60d4ab2" providerId="LiveId" clId="{E43EA3F4-5CFF-4A8A-9561-5E0414B33ACD}" dt="2019-06-24T19:50:21.233" v="526" actId="2696"/>
+      <pc:sldChg chg="modSp">
+        <pc:chgData name="william a" userId="c66c7249b60d4ab2" providerId="LiveId" clId="{E43EA3F4-5CFF-4A8A-9561-5E0414B33ACD}" dt="2019-06-29T03:21:06.142" v="3969" actId="20577"/>
         <pc:sldMkLst>
           <pc:docMk/>
-          <pc:sldMk cId="0" sldId="274"/>
+          <pc:sldMk cId="0" sldId="268"/>
         </pc:sldMkLst>
+        <pc:spChg chg="mod">
+          <ac:chgData name="william a" userId="c66c7249b60d4ab2" providerId="LiveId" clId="{E43EA3F4-5CFF-4A8A-9561-5E0414B33ACD}" dt="2019-06-29T03:21:06.142" v="3969" actId="20577"/>
+          <ac:spMkLst>
+            <pc:docMk/>
+            <pc:sldMk cId="0" sldId="268"/>
+            <ac:spMk id="3" creationId="{00000000-0000-0000-0000-000000000000}"/>
+          </ac:spMkLst>
+        </pc:spChg>
+      </pc:sldChg>
+      <pc:sldChg chg="modSp del">
+        <pc:chgData name="william a" userId="c66c7249b60d4ab2" providerId="LiveId" clId="{E43EA3F4-5CFF-4A8A-9561-5E0414B33ACD}" dt="2019-06-29T02:52:01.794" v="2564" actId="2696"/>
+        <pc:sldMkLst>
+          <pc:docMk/>
+          <pc:sldMk cId="0" sldId="269"/>
+        </pc:sldMkLst>
+        <pc:spChg chg="mod">
+          <ac:chgData name="william a" userId="c66c7249b60d4ab2" providerId="LiveId" clId="{E43EA3F4-5CFF-4A8A-9561-5E0414B33ACD}" dt="2019-06-29T02:51:32.343" v="2541"/>
+          <ac:spMkLst>
+            <pc:docMk/>
+            <pc:sldMk cId="0" sldId="269"/>
+            <ac:spMk id="3" creationId="{00000000-0000-0000-0000-000000000000}"/>
+          </ac:spMkLst>
+        </pc:spChg>
+      </pc:sldChg>
+      <pc:sldChg chg="modSp">
+        <pc:chgData name="william a" userId="c66c7249b60d4ab2" providerId="LiveId" clId="{E43EA3F4-5CFF-4A8A-9561-5E0414B33ACD}" dt="2019-06-29T03:21:46.757" v="4037" actId="20577"/>
+        <pc:sldMkLst>
+          <pc:docMk/>
+          <pc:sldMk cId="0" sldId="270"/>
+        </pc:sldMkLst>
+        <pc:spChg chg="mod">
+          <ac:chgData name="william a" userId="c66c7249b60d4ab2" providerId="LiveId" clId="{E43EA3F4-5CFF-4A8A-9561-5E0414B33ACD}" dt="2019-06-29T03:21:46.757" v="4037" actId="20577"/>
+          <ac:spMkLst>
+            <pc:docMk/>
+            <pc:sldMk cId="0" sldId="270"/>
+            <ac:spMk id="3" creationId="{00000000-0000-0000-0000-000000000000}"/>
+          </ac:spMkLst>
+        </pc:spChg>
+      </pc:sldChg>
+      <pc:sldChg chg="modSp">
+        <pc:chgData name="william a" userId="c66c7249b60d4ab2" providerId="LiveId" clId="{E43EA3F4-5CFF-4A8A-9561-5E0414B33ACD}" dt="2019-06-29T03:22:16.749" v="4066" actId="20577"/>
+        <pc:sldMkLst>
+          <pc:docMk/>
+          <pc:sldMk cId="0" sldId="271"/>
+        </pc:sldMkLst>
+        <pc:spChg chg="mod">
+          <ac:chgData name="william a" userId="c66c7249b60d4ab2" providerId="LiveId" clId="{E43EA3F4-5CFF-4A8A-9561-5E0414B33ACD}" dt="2019-06-29T03:22:16.749" v="4066" actId="20577"/>
+          <ac:spMkLst>
+            <pc:docMk/>
+            <pc:sldMk cId="0" sldId="271"/>
+            <ac:spMk id="3" creationId="{00000000-0000-0000-0000-000000000000}"/>
+          </ac:spMkLst>
+        </pc:spChg>
+      </pc:sldChg>
+      <pc:sldChg chg="modSp">
+        <pc:chgData name="william a" userId="c66c7249b60d4ab2" providerId="LiveId" clId="{E43EA3F4-5CFF-4A8A-9561-5E0414B33ACD}" dt="2019-06-29T03:23:32.499" v="4181" actId="20577"/>
+        <pc:sldMkLst>
+          <pc:docMk/>
+          <pc:sldMk cId="0" sldId="272"/>
+        </pc:sldMkLst>
+        <pc:spChg chg="mod">
+          <ac:chgData name="william a" userId="c66c7249b60d4ab2" providerId="LiveId" clId="{E43EA3F4-5CFF-4A8A-9561-5E0414B33ACD}" dt="2019-06-29T03:23:32.499" v="4181" actId="20577"/>
+          <ac:spMkLst>
+            <pc:docMk/>
+            <pc:sldMk cId="0" sldId="272"/>
+            <ac:spMk id="3" creationId="{00000000-0000-0000-0000-000000000000}"/>
+          </ac:spMkLst>
+        </pc:spChg>
       </pc:sldChg>
       <pc:sldChg chg="modSp">
         <pc:chgData name="william a" userId="c66c7249b60d4ab2" providerId="LiveId" clId="{E43EA3F4-5CFF-4A8A-9561-5E0414B33ACD}" dt="2019-06-24T19:06:32.463" v="0" actId="20577"/>
@@ -324,6 +407,21 @@
           <ac:spMkLst>
             <pc:docMk/>
             <pc:sldMk cId="0" sldId="278"/>
+            <ac:spMk id="3" creationId="{00000000-0000-0000-0000-000000000000}"/>
+          </ac:spMkLst>
+        </pc:spChg>
+      </pc:sldChg>
+      <pc:sldChg chg="modSp">
+        <pc:chgData name="william a" userId="c66c7249b60d4ab2" providerId="LiveId" clId="{E43EA3F4-5CFF-4A8A-9561-5E0414B33ACD}" dt="2019-06-29T02:54:33.919" v="2731" actId="20577"/>
+        <pc:sldMkLst>
+          <pc:docMk/>
+          <pc:sldMk cId="0" sldId="279"/>
+        </pc:sldMkLst>
+        <pc:spChg chg="mod">
+          <ac:chgData name="william a" userId="c66c7249b60d4ab2" providerId="LiveId" clId="{E43EA3F4-5CFF-4A8A-9561-5E0414B33ACD}" dt="2019-06-29T02:54:33.919" v="2731" actId="20577"/>
+          <ac:spMkLst>
+            <pc:docMk/>
+            <pc:sldMk cId="0" sldId="279"/>
             <ac:spMk id="3" creationId="{00000000-0000-0000-0000-000000000000}"/>
           </ac:spMkLst>
         </pc:spChg>
@@ -413,21 +511,29 @@
           <pc:sldMk cId="0" sldId="289"/>
         </pc:sldMkLst>
       </pc:sldChg>
-      <pc:sldChg chg="ord">
-        <pc:chgData name="william a" userId="c66c7249b60d4ab2" providerId="LiveId" clId="{E43EA3F4-5CFF-4A8A-9561-5E0414B33ACD}" dt="2019-06-24T19:07:25.410" v="3"/>
+      <pc:sldChg chg="modSp ord">
+        <pc:chgData name="william a" userId="c66c7249b60d4ab2" providerId="LiveId" clId="{E43EA3F4-5CFF-4A8A-9561-5E0414B33ACD}" dt="2019-06-29T03:31:39.088" v="4349" actId="27636"/>
         <pc:sldMkLst>
           <pc:docMk/>
           <pc:sldMk cId="0" sldId="291"/>
         </pc:sldMkLst>
+        <pc:spChg chg="mod">
+          <ac:chgData name="william a" userId="c66c7249b60d4ab2" providerId="LiveId" clId="{E43EA3F4-5CFF-4A8A-9561-5E0414B33ACD}" dt="2019-06-29T03:31:39.088" v="4349" actId="27636"/>
+          <ac:spMkLst>
+            <pc:docMk/>
+            <pc:sldMk cId="0" sldId="291"/>
+            <ac:spMk id="3" creationId="{00000000-0000-0000-0000-000000000000}"/>
+          </ac:spMkLst>
+        </pc:spChg>
       </pc:sldChg>
       <pc:sldChg chg="delSp modSp">
-        <pc:chgData name="william a" userId="c66c7249b60d4ab2" providerId="LiveId" clId="{E43EA3F4-5CFF-4A8A-9561-5E0414B33ACD}" dt="2019-06-24T20:13:04.700" v="1117" actId="113"/>
+        <pc:chgData name="william a" userId="c66c7249b60d4ab2" providerId="LiveId" clId="{E43EA3F4-5CFF-4A8A-9561-5E0414B33ACD}" dt="2019-06-29T03:29:35.800" v="4263" actId="6549"/>
         <pc:sldMkLst>
           <pc:docMk/>
           <pc:sldMk cId="0" sldId="292"/>
         </pc:sldMkLst>
         <pc:spChg chg="mod">
-          <ac:chgData name="william a" userId="c66c7249b60d4ab2" providerId="LiveId" clId="{E43EA3F4-5CFF-4A8A-9561-5E0414B33ACD}" dt="2019-06-24T20:13:04.700" v="1117" actId="113"/>
+          <ac:chgData name="william a" userId="c66c7249b60d4ab2" providerId="LiveId" clId="{E43EA3F4-5CFF-4A8A-9561-5E0414B33ACD}" dt="2019-06-29T03:29:35.800" v="4263" actId="6549"/>
           <ac:spMkLst>
             <pc:docMk/>
             <pc:sldMk cId="0" sldId="292"/>
@@ -466,6 +572,13 @@
           </ac:spMkLst>
         </pc:spChg>
       </pc:sldChg>
+      <pc:sldChg chg="modTransition">
+        <pc:chgData name="william a" userId="c66c7249b60d4ab2" providerId="LiveId" clId="{E43EA3F4-5CFF-4A8A-9561-5E0414B33ACD}" dt="2019-06-29T03:29:58.440" v="4264"/>
+        <pc:sldMkLst>
+          <pc:docMk/>
+          <pc:sldMk cId="0" sldId="294"/>
+        </pc:sldMkLst>
+      </pc:sldChg>
       <pc:sldChg chg="modSp">
         <pc:chgData name="william a" userId="c66c7249b60d4ab2" providerId="LiveId" clId="{E43EA3F4-5CFF-4A8A-9561-5E0414B33ACD}" dt="2019-06-24T19:43:06.712" v="417" actId="20577"/>
         <pc:sldMkLst>
@@ -481,14 +594,74 @@
           </ac:spMkLst>
         </pc:spChg>
       </pc:sldChg>
+      <pc:sldChg chg="modSp modAnim">
+        <pc:chgData name="william a" userId="c66c7249b60d4ab2" providerId="LiveId" clId="{E43EA3F4-5CFF-4A8A-9561-5E0414B33ACD}" dt="2019-06-29T03:38:10.258" v="4501" actId="6549"/>
+        <pc:sldMkLst>
+          <pc:docMk/>
+          <pc:sldMk cId="0" sldId="296"/>
+        </pc:sldMkLst>
+        <pc:spChg chg="mod">
+          <ac:chgData name="william a" userId="c66c7249b60d4ab2" providerId="LiveId" clId="{E43EA3F4-5CFF-4A8A-9561-5E0414B33ACD}" dt="2019-06-29T03:38:10.258" v="4501" actId="6549"/>
+          <ac:spMkLst>
+            <pc:docMk/>
+            <pc:sldMk cId="0" sldId="296"/>
+            <ac:spMk id="3" creationId="{00000000-0000-0000-0000-000000000000}"/>
+          </ac:spMkLst>
+        </pc:spChg>
+      </pc:sldChg>
       <pc:sldChg chg="modSp">
-        <pc:chgData name="william a" userId="c66c7249b60d4ab2" providerId="LiveId" clId="{E43EA3F4-5CFF-4A8A-9561-5E0414B33ACD}" dt="2019-06-24T20:15:12.550" v="1381" actId="20577"/>
+        <pc:chgData name="william a" userId="c66c7249b60d4ab2" providerId="LiveId" clId="{E43EA3F4-5CFF-4A8A-9561-5E0414B33ACD}" dt="2019-06-29T02:50:01.504" v="2508" actId="20577"/>
+        <pc:sldMkLst>
+          <pc:docMk/>
+          <pc:sldMk cId="0" sldId="297"/>
+        </pc:sldMkLst>
+        <pc:spChg chg="mod">
+          <ac:chgData name="william a" userId="c66c7249b60d4ab2" providerId="LiveId" clId="{E43EA3F4-5CFF-4A8A-9561-5E0414B33ACD}" dt="2019-06-29T02:50:01.504" v="2508" actId="20577"/>
+          <ac:spMkLst>
+            <pc:docMk/>
+            <pc:sldMk cId="0" sldId="297"/>
+            <ac:spMk id="3" creationId="{00000000-0000-0000-0000-000000000000}"/>
+          </ac:spMkLst>
+        </pc:spChg>
+      </pc:sldChg>
+      <pc:sldChg chg="delSp del modAnim">
+        <pc:chgData name="william a" userId="c66c7249b60d4ab2" providerId="LiveId" clId="{E43EA3F4-5CFF-4A8A-9561-5E0414B33ACD}" dt="2019-06-29T03:12:41.379" v="3313" actId="2696"/>
+        <pc:sldMkLst>
+          <pc:docMk/>
+          <pc:sldMk cId="0" sldId="298"/>
+        </pc:sldMkLst>
+        <pc:picChg chg="del">
+          <ac:chgData name="william a" userId="c66c7249b60d4ab2" providerId="LiveId" clId="{E43EA3F4-5CFF-4A8A-9561-5E0414B33ACD}" dt="2019-06-29T03:12:37.773" v="3312"/>
+          <ac:picMkLst>
+            <pc:docMk/>
+            <pc:sldMk cId="0" sldId="298"/>
+            <ac:picMk id="1030" creationId="{00000000-0000-0000-0000-000000000000}"/>
+          </ac:picMkLst>
+        </pc:picChg>
+      </pc:sldChg>
+      <pc:sldChg chg="modSp">
+        <pc:chgData name="william a" userId="c66c7249b60d4ab2" providerId="LiveId" clId="{E43EA3F4-5CFF-4A8A-9561-5E0414B33ACD}" dt="2019-06-29T03:36:40.126" v="4492" actId="403"/>
+        <pc:sldMkLst>
+          <pc:docMk/>
+          <pc:sldMk cId="2095978093" sldId="307"/>
+        </pc:sldMkLst>
+        <pc:spChg chg="mod">
+          <ac:chgData name="william a" userId="c66c7249b60d4ab2" providerId="LiveId" clId="{E43EA3F4-5CFF-4A8A-9561-5E0414B33ACD}" dt="2019-06-29T03:36:40.126" v="4492" actId="403"/>
+          <ac:spMkLst>
+            <pc:docMk/>
+            <pc:sldMk cId="2095978093" sldId="307"/>
+            <ac:spMk id="3" creationId="{00000000-0000-0000-0000-000000000000}"/>
+          </ac:spMkLst>
+        </pc:spChg>
+      </pc:sldChg>
+      <pc:sldChg chg="modSp">
+        <pc:chgData name="william a" userId="c66c7249b60d4ab2" providerId="LiveId" clId="{E43EA3F4-5CFF-4A8A-9561-5E0414B33ACD}" dt="2019-06-29T03:28:05.824" v="4205" actId="20577"/>
         <pc:sldMkLst>
           <pc:docMk/>
           <pc:sldMk cId="4142047571" sldId="317"/>
         </pc:sldMkLst>
         <pc:spChg chg="mod">
-          <ac:chgData name="william a" userId="c66c7249b60d4ab2" providerId="LiveId" clId="{E43EA3F4-5CFF-4A8A-9561-5E0414B33ACD}" dt="2019-06-24T20:15:12.550" v="1381" actId="20577"/>
+          <ac:chgData name="william a" userId="c66c7249b60d4ab2" providerId="LiveId" clId="{E43EA3F4-5CFF-4A8A-9561-5E0414B33ACD}" dt="2019-06-29T03:28:05.824" v="4205" actId="20577"/>
           <ac:spMkLst>
             <pc:docMk/>
             <pc:sldMk cId="4142047571" sldId="317"/>
@@ -549,6 +722,67 @@
           </ac:spMkLst>
         </pc:spChg>
       </pc:sldChg>
+      <pc:sldChg chg="modSp ord">
+        <pc:chgData name="william a" userId="c66c7249b60d4ab2" providerId="LiveId" clId="{E43EA3F4-5CFF-4A8A-9561-5E0414B33ACD}" dt="2019-06-29T03:17:09.250" v="3611"/>
+        <pc:sldMkLst>
+          <pc:docMk/>
+          <pc:sldMk cId="3647655776" sldId="326"/>
+        </pc:sldMkLst>
+        <pc:spChg chg="mod">
+          <ac:chgData name="william a" userId="c66c7249b60d4ab2" providerId="LiveId" clId="{E43EA3F4-5CFF-4A8A-9561-5E0414B33ACD}" dt="2019-06-29T03:16:55.869" v="3608" actId="20577"/>
+          <ac:spMkLst>
+            <pc:docMk/>
+            <pc:sldMk cId="3647655776" sldId="326"/>
+            <ac:spMk id="2" creationId="{3A456A49-D9F1-4953-8152-0834928543C1}"/>
+          </ac:spMkLst>
+        </pc:spChg>
+      </pc:sldChg>
+      <pc:sldChg chg="addSp delSp modSp ord">
+        <pc:chgData name="william a" userId="c66c7249b60d4ab2" providerId="LiveId" clId="{E43EA3F4-5CFF-4A8A-9561-5E0414B33ACD}" dt="2019-06-29T03:25:36.873" v="4195" actId="14100"/>
+        <pc:sldMkLst>
+          <pc:docMk/>
+          <pc:sldMk cId="2539014857" sldId="327"/>
+        </pc:sldMkLst>
+        <pc:spChg chg="mod">
+          <ac:chgData name="william a" userId="c66c7249b60d4ab2" providerId="LiveId" clId="{E43EA3F4-5CFF-4A8A-9561-5E0414B33ACD}" dt="2019-06-29T03:24:00.293" v="4191" actId="20577"/>
+          <ac:spMkLst>
+            <pc:docMk/>
+            <pc:sldMk cId="2539014857" sldId="327"/>
+            <ac:spMk id="2" creationId="{3A456A49-D9F1-4953-8152-0834928543C1}"/>
+          </ac:spMkLst>
+        </pc:spChg>
+        <pc:picChg chg="del">
+          <ac:chgData name="william a" userId="c66c7249b60d4ab2" providerId="LiveId" clId="{E43EA3F4-5CFF-4A8A-9561-5E0414B33ACD}" dt="2019-06-29T03:25:28.197" v="4192" actId="478"/>
+          <ac:picMkLst>
+            <pc:docMk/>
+            <pc:sldMk cId="2539014857" sldId="327"/>
+            <ac:picMk id="3" creationId="{3E554B8E-F21B-4143-BA9B-C2C52E093A35}"/>
+          </ac:picMkLst>
+        </pc:picChg>
+        <pc:picChg chg="add mod">
+          <ac:chgData name="william a" userId="c66c7249b60d4ab2" providerId="LiveId" clId="{E43EA3F4-5CFF-4A8A-9561-5E0414B33ACD}" dt="2019-06-29T03:25:36.873" v="4195" actId="14100"/>
+          <ac:picMkLst>
+            <pc:docMk/>
+            <pc:sldMk cId="2539014857" sldId="327"/>
+            <ac:picMk id="5" creationId="{75201CCD-63FE-4213-A177-424B54419BC3}"/>
+          </ac:picMkLst>
+        </pc:picChg>
+      </pc:sldChg>
+      <pc:sldChg chg="modSp">
+        <pc:chgData name="william a" userId="c66c7249b60d4ab2" providerId="LiveId" clId="{E43EA3F4-5CFF-4A8A-9561-5E0414B33ACD}" dt="2019-06-29T03:23:04.357" v="4141" actId="27636"/>
+        <pc:sldMkLst>
+          <pc:docMk/>
+          <pc:sldMk cId="2243704929" sldId="328"/>
+        </pc:sldMkLst>
+        <pc:spChg chg="mod">
+          <ac:chgData name="william a" userId="c66c7249b60d4ab2" providerId="LiveId" clId="{E43EA3F4-5CFF-4A8A-9561-5E0414B33ACD}" dt="2019-06-29T03:23:04.357" v="4141" actId="27636"/>
+          <ac:spMkLst>
+            <pc:docMk/>
+            <pc:sldMk cId="2243704929" sldId="328"/>
+            <ac:spMk id="3" creationId="{00000000-0000-0000-0000-000000000000}"/>
+          </ac:spMkLst>
+        </pc:spChg>
+      </pc:sldChg>
       <pc:sldChg chg="modSp">
         <pc:chgData name="william a" userId="c66c7249b60d4ab2" providerId="LiveId" clId="{E43EA3F4-5CFF-4A8A-9561-5E0414B33ACD}" dt="2019-06-24T19:41:20.210" v="386" actId="1076"/>
         <pc:sldMkLst>
@@ -572,27 +806,42 @@
           </ac:picMkLst>
         </pc:picChg>
       </pc:sldChg>
-      <pc:sldChg chg="modSp del">
-        <pc:chgData name="william a" userId="c66c7249b60d4ab2" providerId="LiveId" clId="{E43EA3F4-5CFF-4A8A-9561-5E0414B33ACD}" dt="2019-06-24T19:41:22.545" v="387" actId="2696"/>
-        <pc:sldMkLst>
-          <pc:docMk/>
-          <pc:sldMk cId="3504555638" sldId="330"/>
-        </pc:sldMkLst>
-        <pc:spChg chg="mod">
-          <ac:chgData name="william a" userId="c66c7249b60d4ab2" providerId="LiveId" clId="{E43EA3F4-5CFF-4A8A-9561-5E0414B33ACD}" dt="2019-06-24T19:41:04.079" v="376"/>
-          <ac:spMkLst>
-            <pc:docMk/>
-            <pc:sldMk cId="3504555638" sldId="330"/>
-            <ac:spMk id="3" creationId="{00000000-0000-0000-0000-000000000000}"/>
-          </ac:spMkLst>
-        </pc:spChg>
-      </pc:sldChg>
       <pc:sldChg chg="add del modTransition">
         <pc:chgData name="william a" userId="c66c7249b60d4ab2" providerId="LiveId" clId="{E43EA3F4-5CFF-4A8A-9561-5E0414B33ACD}" dt="2019-06-24T19:41:41.814" v="390"/>
         <pc:sldMkLst>
           <pc:docMk/>
           <pc:sldMk cId="4135181844" sldId="333"/>
         </pc:sldMkLst>
+      </pc:sldChg>
+      <pc:sldChg chg="modSp">
+        <pc:chgData name="william a" userId="c66c7249b60d4ab2" providerId="LiveId" clId="{E43EA3F4-5CFF-4A8A-9561-5E0414B33ACD}" dt="2019-06-29T03:26:39.640" v="4200" actId="6549"/>
+        <pc:sldMkLst>
+          <pc:docMk/>
+          <pc:sldMk cId="2906491736" sldId="336"/>
+        </pc:sldMkLst>
+        <pc:spChg chg="mod">
+          <ac:chgData name="william a" userId="c66c7249b60d4ab2" providerId="LiveId" clId="{E43EA3F4-5CFF-4A8A-9561-5E0414B33ACD}" dt="2019-06-29T03:26:39.640" v="4200" actId="6549"/>
+          <ac:spMkLst>
+            <pc:docMk/>
+            <pc:sldMk cId="2906491736" sldId="336"/>
+            <ac:spMk id="9" creationId="{D909863E-BC8D-42CC-B70A-1CA3DE56567F}"/>
+          </ac:spMkLst>
+        </pc:spChg>
+      </pc:sldChg>
+      <pc:sldChg chg="modSp modAnim">
+        <pc:chgData name="william a" userId="c66c7249b60d4ab2" providerId="LiveId" clId="{E43EA3F4-5CFF-4A8A-9561-5E0414B33ACD}" dt="2019-06-29T03:36:01.821" v="4488" actId="20577"/>
+        <pc:sldMkLst>
+          <pc:docMk/>
+          <pc:sldMk cId="2254391894" sldId="338"/>
+        </pc:sldMkLst>
+        <pc:spChg chg="mod">
+          <ac:chgData name="william a" userId="c66c7249b60d4ab2" providerId="LiveId" clId="{E43EA3F4-5CFF-4A8A-9561-5E0414B33ACD}" dt="2019-06-29T03:36:01.821" v="4488" actId="20577"/>
+          <ac:spMkLst>
+            <pc:docMk/>
+            <pc:sldMk cId="2254391894" sldId="338"/>
+            <ac:spMk id="2" creationId="{00000000-0000-0000-0000-000000000000}"/>
+          </ac:spMkLst>
+        </pc:spChg>
       </pc:sldChg>
       <pc:sldChg chg="modSp">
         <pc:chgData name="william a" userId="c66c7249b60d4ab2" providerId="LiveId" clId="{E43EA3F4-5CFF-4A8A-9561-5E0414B33ACD}" dt="2019-06-24T19:54:31.049" v="545" actId="27636"/>
@@ -605,21 +854,6 @@
           <ac:spMkLst>
             <pc:docMk/>
             <pc:sldMk cId="3917590187" sldId="343"/>
-            <ac:spMk id="3" creationId="{00000000-0000-0000-0000-000000000000}"/>
-          </ac:spMkLst>
-        </pc:spChg>
-      </pc:sldChg>
-      <pc:sldChg chg="modSp del">
-        <pc:chgData name="william a" userId="c66c7249b60d4ab2" providerId="LiveId" clId="{E43EA3F4-5CFF-4A8A-9561-5E0414B33ACD}" dt="2019-06-24T19:42:33.849" v="406" actId="2696"/>
-        <pc:sldMkLst>
-          <pc:docMk/>
-          <pc:sldMk cId="3067373746" sldId="344"/>
-        </pc:sldMkLst>
-        <pc:spChg chg="mod">
-          <ac:chgData name="william a" userId="c66c7249b60d4ab2" providerId="LiveId" clId="{E43EA3F4-5CFF-4A8A-9561-5E0414B33ACD}" dt="2019-06-24T19:42:24.924" v="399"/>
-          <ac:spMkLst>
-            <pc:docMk/>
-            <pc:sldMk cId="3067373746" sldId="344"/>
             <ac:spMk id="3" creationId="{00000000-0000-0000-0000-000000000000}"/>
           </ac:spMkLst>
         </pc:spChg>
@@ -710,11 +944,56 @@
         </pc:spChg>
       </pc:sldChg>
       <pc:sldChg chg="modTransition">
-        <pc:chgData name="william a" userId="c66c7249b60d4ab2" providerId="LiveId" clId="{E43EA3F4-5CFF-4A8A-9561-5E0414B33ACD}" dt="2019-06-24T20:19:56.395" v="1679"/>
+        <pc:chgData name="william a" userId="c66c7249b60d4ab2" providerId="LiveId" clId="{E43EA3F4-5CFF-4A8A-9561-5E0414B33ACD}" dt="2019-06-29T02:46:55.968" v="2352"/>
         <pc:sldMkLst>
           <pc:docMk/>
           <pc:sldMk cId="1985756114" sldId="362"/>
         </pc:sldMkLst>
+      </pc:sldChg>
+      <pc:sldChg chg="modSp">
+        <pc:chgData name="william a" userId="c66c7249b60d4ab2" providerId="LiveId" clId="{E43EA3F4-5CFF-4A8A-9561-5E0414B33ACD}" dt="2019-06-29T02:47:46.781" v="2360" actId="1035"/>
+        <pc:sldMkLst>
+          <pc:docMk/>
+          <pc:sldMk cId="361452273" sldId="363"/>
+        </pc:sldMkLst>
+        <pc:spChg chg="mod">
+          <ac:chgData name="william a" userId="c66c7249b60d4ab2" providerId="LiveId" clId="{E43EA3F4-5CFF-4A8A-9561-5E0414B33ACD}" dt="2019-06-29T02:47:46.781" v="2360" actId="1035"/>
+          <ac:spMkLst>
+            <pc:docMk/>
+            <pc:sldMk cId="361452273" sldId="363"/>
+            <ac:spMk id="3" creationId="{00000000-0000-0000-0000-000000000000}"/>
+          </ac:spMkLst>
+        </pc:spChg>
+      </pc:sldChg>
+      <pc:sldChg chg="modSp">
+        <pc:chgData name="william a" userId="c66c7249b60d4ab2" providerId="LiveId" clId="{E43EA3F4-5CFF-4A8A-9561-5E0414B33ACD}" dt="2019-06-29T02:54:15.802" v="2716" actId="20577"/>
+        <pc:sldMkLst>
+          <pc:docMk/>
+          <pc:sldMk cId="1952350759" sldId="366"/>
+        </pc:sldMkLst>
+        <pc:spChg chg="mod">
+          <ac:chgData name="william a" userId="c66c7249b60d4ab2" providerId="LiveId" clId="{E43EA3F4-5CFF-4A8A-9561-5E0414B33ACD}" dt="2019-06-29T02:54:15.802" v="2716" actId="20577"/>
+          <ac:spMkLst>
+            <pc:docMk/>
+            <pc:sldMk cId="1952350759" sldId="366"/>
+            <ac:spMk id="3" creationId="{00000000-0000-0000-0000-000000000000}"/>
+          </ac:spMkLst>
+        </pc:spChg>
+      </pc:sldChg>
+      <pc:sldChg chg="modSp">
+        <pc:chgData name="william a" userId="c66c7249b60d4ab2" providerId="LiveId" clId="{E43EA3F4-5CFF-4A8A-9561-5E0414B33ACD}" dt="2019-06-29T02:37:38.001" v="1694" actId="403"/>
+        <pc:sldMkLst>
+          <pc:docMk/>
+          <pc:sldMk cId="140071778" sldId="368"/>
+        </pc:sldMkLst>
+        <pc:spChg chg="mod">
+          <ac:chgData name="william a" userId="c66c7249b60d4ab2" providerId="LiveId" clId="{E43EA3F4-5CFF-4A8A-9561-5E0414B33ACD}" dt="2019-06-29T02:37:38.001" v="1694" actId="403"/>
+          <ac:spMkLst>
+            <pc:docMk/>
+            <pc:sldMk cId="140071778" sldId="368"/>
+            <ac:spMk id="3" creationId="{00000000-0000-0000-0000-000000000000}"/>
+          </ac:spMkLst>
+        </pc:spChg>
       </pc:sldChg>
       <pc:sldChg chg="modSp">
         <pc:chgData name="william a" userId="c66c7249b60d4ab2" providerId="LiveId" clId="{E43EA3F4-5CFF-4A8A-9561-5E0414B33ACD}" dt="2019-06-24T19:27:09.979" v="154" actId="20577"/>
@@ -746,21 +1025,6 @@
           </ac:spMkLst>
         </pc:spChg>
       </pc:sldChg>
-      <pc:sldChg chg="modSp del">
-        <pc:chgData name="william a" userId="c66c7249b60d4ab2" providerId="LiveId" clId="{E43EA3F4-5CFF-4A8A-9561-5E0414B33ACD}" dt="2019-06-24T19:27:12.536" v="155" actId="2696"/>
-        <pc:sldMkLst>
-          <pc:docMk/>
-          <pc:sldMk cId="744171503" sldId="375"/>
-        </pc:sldMkLst>
-        <pc:spChg chg="mod">
-          <ac:chgData name="william a" userId="c66c7249b60d4ab2" providerId="LiveId" clId="{E43EA3F4-5CFF-4A8A-9561-5E0414B33ACD}" dt="2019-06-24T19:27:01.757" v="145"/>
-          <ac:spMkLst>
-            <pc:docMk/>
-            <pc:sldMk cId="744171503" sldId="375"/>
-            <ac:spMk id="3" creationId="{00000000-0000-0000-0000-000000000000}"/>
-          </ac:spMkLst>
-        </pc:spChg>
-      </pc:sldChg>
       <pc:sldChg chg="modSp">
         <pc:chgData name="william a" userId="c66c7249b60d4ab2" providerId="LiveId" clId="{E43EA3F4-5CFF-4A8A-9561-5E0414B33ACD}" dt="2019-06-24T19:29:47.433" v="375" actId="27636"/>
         <pc:sldMkLst>
@@ -773,6 +1037,21 @@
             <pc:docMk/>
             <pc:sldMk cId="847228155" sldId="380"/>
             <ac:spMk id="3" creationId="{00000000-0000-0000-0000-000000000000}"/>
+          </ac:spMkLst>
+        </pc:spChg>
+      </pc:sldChg>
+      <pc:sldChg chg="modSp">
+        <pc:chgData name="william a" userId="c66c7249b60d4ab2" providerId="LiveId" clId="{E43EA3F4-5CFF-4A8A-9561-5E0414B33ACD}" dt="2019-06-29T03:30:23.641" v="4266" actId="403"/>
+        <pc:sldMkLst>
+          <pc:docMk/>
+          <pc:sldMk cId="1794747222" sldId="384"/>
+        </pc:sldMkLst>
+        <pc:spChg chg="mod">
+          <ac:chgData name="william a" userId="c66c7249b60d4ab2" providerId="LiveId" clId="{E43EA3F4-5CFF-4A8A-9561-5E0414B33ACD}" dt="2019-06-29T03:30:23.641" v="4266" actId="403"/>
+          <ac:spMkLst>
+            <pc:docMk/>
+            <pc:sldMk cId="1794747222" sldId="384"/>
+            <ac:spMk id="3" creationId="{37511EB7-F0FB-452B-9183-F3E8CC5A75FB}"/>
           </ac:spMkLst>
         </pc:spChg>
       </pc:sldChg>
@@ -790,6 +1069,50 @@
             <ac:spMk id="3" creationId="{BF21EC9F-82A9-44A3-ACCC-354C0E5F24BF}"/>
           </ac:spMkLst>
         </pc:spChg>
+      </pc:sldChg>
+      <pc:sldChg chg="modSp">
+        <pc:chgData name="william a" userId="c66c7249b60d4ab2" providerId="LiveId" clId="{E43EA3F4-5CFF-4A8A-9561-5E0414B33ACD}" dt="2019-06-29T03:14:44.476" v="3460" actId="20577"/>
+        <pc:sldMkLst>
+          <pc:docMk/>
+          <pc:sldMk cId="2805776003" sldId="389"/>
+        </pc:sldMkLst>
+        <pc:spChg chg="mod">
+          <ac:chgData name="william a" userId="c66c7249b60d4ab2" providerId="LiveId" clId="{E43EA3F4-5CFF-4A8A-9561-5E0414B33ACD}" dt="2019-06-29T03:14:44.476" v="3460" actId="20577"/>
+          <ac:spMkLst>
+            <pc:docMk/>
+            <pc:sldMk cId="2805776003" sldId="389"/>
+            <ac:spMk id="3" creationId="{00000000-0000-0000-0000-000000000000}"/>
+          </ac:spMkLst>
+        </pc:spChg>
+      </pc:sldChg>
+      <pc:sldChg chg="modTransition">
+        <pc:chgData name="william a" userId="c66c7249b60d4ab2" providerId="LiveId" clId="{E43EA3F4-5CFF-4A8A-9561-5E0414B33ACD}" dt="2019-06-29T03:27:15.143" v="4201"/>
+        <pc:sldMkLst>
+          <pc:docMk/>
+          <pc:sldMk cId="2719412598" sldId="392"/>
+        </pc:sldMkLst>
+      </pc:sldChg>
+      <pc:sldChg chg="modSp">
+        <pc:chgData name="william a" userId="c66c7249b60d4ab2" providerId="LiveId" clId="{E43EA3F4-5CFF-4A8A-9561-5E0414B33ACD}" dt="2019-06-29T03:26:23.477" v="4197" actId="404"/>
+        <pc:sldMkLst>
+          <pc:docMk/>
+          <pc:sldMk cId="1686395800" sldId="395"/>
+        </pc:sldMkLst>
+        <pc:spChg chg="mod">
+          <ac:chgData name="william a" userId="c66c7249b60d4ab2" providerId="LiveId" clId="{E43EA3F4-5CFF-4A8A-9561-5E0414B33ACD}" dt="2019-06-29T03:26:23.477" v="4197" actId="404"/>
+          <ac:spMkLst>
+            <pc:docMk/>
+            <pc:sldMk cId="1686395800" sldId="395"/>
+            <ac:spMk id="9" creationId="{D909863E-BC8D-42CC-B70A-1CA3DE56567F}"/>
+          </ac:spMkLst>
+        </pc:spChg>
+      </pc:sldChg>
+      <pc:sldChg chg="ord">
+        <pc:chgData name="william a" userId="c66c7249b60d4ab2" providerId="LiveId" clId="{E43EA3F4-5CFF-4A8A-9561-5E0414B33ACD}" dt="2019-06-29T03:37:21.035" v="4493"/>
+        <pc:sldMkLst>
+          <pc:docMk/>
+          <pc:sldMk cId="3065506444" sldId="412"/>
+        </pc:sldMkLst>
       </pc:sldChg>
       <pc:sldChg chg="addSp delSp modSp add del modTransition">
         <pc:chgData name="william a" userId="c66c7249b60d4ab2" providerId="LiveId" clId="{E43EA3F4-5CFF-4A8A-9561-5E0414B33ACD}" dt="2019-06-24T20:12:52.384" v="1115" actId="20577"/>
@@ -863,19 +1186,57 @@
         </pc:picChg>
       </pc:sldChg>
       <pc:sldChg chg="modSp add">
-        <pc:chgData name="william a" userId="c66c7249b60d4ab2" providerId="LiveId" clId="{E43EA3F4-5CFF-4A8A-9561-5E0414B33ACD}" dt="2019-06-24T20:16:51.839" v="1678" actId="14100"/>
+        <pc:chgData name="william a" userId="c66c7249b60d4ab2" providerId="LiveId" clId="{E43EA3F4-5CFF-4A8A-9561-5E0414B33ACD}" dt="2019-06-29T03:28:58.757" v="4262" actId="20577"/>
         <pc:sldMkLst>
           <pc:docMk/>
           <pc:sldMk cId="1599106219" sldId="418"/>
         </pc:sldMkLst>
         <pc:spChg chg="mod">
-          <ac:chgData name="william a" userId="c66c7249b60d4ab2" providerId="LiveId" clId="{E43EA3F4-5CFF-4A8A-9561-5E0414B33ACD}" dt="2019-06-24T20:16:51.839" v="1678" actId="14100"/>
+          <ac:chgData name="william a" userId="c66c7249b60d4ab2" providerId="LiveId" clId="{E43EA3F4-5CFF-4A8A-9561-5E0414B33ACD}" dt="2019-06-29T03:28:58.757" v="4262" actId="20577"/>
           <ac:spMkLst>
             <pc:docMk/>
             <pc:sldMk cId="1599106219" sldId="418"/>
             <ac:spMk id="3" creationId="{00000000-0000-0000-0000-000000000000}"/>
           </ac:spMkLst>
         </pc:spChg>
+      </pc:sldChg>
+      <pc:sldChg chg="modSp add ord">
+        <pc:chgData name="william a" userId="c66c7249b60d4ab2" providerId="LiveId" clId="{E43EA3F4-5CFF-4A8A-9561-5E0414B33ACD}" dt="2019-06-29T03:20:25.733" v="3871"/>
+        <pc:sldMkLst>
+          <pc:docMk/>
+          <pc:sldMk cId="3140931035" sldId="419"/>
+        </pc:sldMkLst>
+        <pc:spChg chg="mod">
+          <ac:chgData name="william a" userId="c66c7249b60d4ab2" providerId="LiveId" clId="{E43EA3F4-5CFF-4A8A-9561-5E0414B33ACD}" dt="2019-06-29T02:49:12.300" v="2501" actId="27636"/>
+          <ac:spMkLst>
+            <pc:docMk/>
+            <pc:sldMk cId="3140931035" sldId="419"/>
+            <ac:spMk id="3" creationId="{00000000-0000-0000-0000-000000000000}"/>
+          </ac:spMkLst>
+        </pc:spChg>
+      </pc:sldChg>
+      <pc:sldChg chg="addSp modSp add modAnim">
+        <pc:chgData name="william a" userId="c66c7249b60d4ab2" providerId="LiveId" clId="{E43EA3F4-5CFF-4A8A-9561-5E0414B33ACD}" dt="2019-06-29T03:14:32.493" v="3457" actId="1076"/>
+        <pc:sldMkLst>
+          <pc:docMk/>
+          <pc:sldMk cId="1556883112" sldId="420"/>
+        </pc:sldMkLst>
+        <pc:spChg chg="mod">
+          <ac:chgData name="william a" userId="c66c7249b60d4ab2" providerId="LiveId" clId="{E43EA3F4-5CFF-4A8A-9561-5E0414B33ACD}" dt="2019-06-29T03:14:25.622" v="3456" actId="20577"/>
+          <ac:spMkLst>
+            <pc:docMk/>
+            <pc:sldMk cId="1556883112" sldId="420"/>
+            <ac:spMk id="3" creationId="{00000000-0000-0000-0000-000000000000}"/>
+          </ac:spMkLst>
+        </pc:spChg>
+        <pc:picChg chg="add mod">
+          <ac:chgData name="william a" userId="c66c7249b60d4ab2" providerId="LiveId" clId="{E43EA3F4-5CFF-4A8A-9561-5E0414B33ACD}" dt="2019-06-29T03:14:32.493" v="3457" actId="1076"/>
+          <ac:picMkLst>
+            <pc:docMk/>
+            <pc:sldMk cId="1556883112" sldId="420"/>
+            <ac:picMk id="5" creationId="{FF0E237D-5D34-4914-8F02-AAAC6CA41611}"/>
+          </ac:picMkLst>
+        </pc:picChg>
       </pc:sldChg>
     </pc:docChg>
   </pc:docChgLst>
@@ -2095,7 +2456,7 @@
           <a:p>
             <a:fld id="{7865AD6C-5B00-4F17-BE9F-19DCC670802B}" type="datetimeFigureOut">
               <a:rPr lang="en-US" smtClean="0"/>
-              <a:t>6/24/2019</a:t>
+              <a:t>6/28/2019</a:t>
             </a:fld>
             <a:endParaRPr lang="en-US"/>
           </a:p>
@@ -3187,7 +3548,7 @@
             <a:fld id="{18501692-B899-4C77-BF47-5D6E94D5293B}" type="datetimeFigureOut">
               <a:rPr lang="en-US" smtClean="0"/>
               <a:pPr/>
-              <a:t>6/24/2019</a:t>
+              <a:t>6/28/2019</a:t>
             </a:fld>
             <a:endParaRPr lang="en-US"/>
           </a:p>
@@ -5746,7 +6107,7 @@
           <a:p>
             <a:fld id="{3FAA6659-066F-4E7F-BD92-0981E5430CBE}" type="datetimeFigureOut">
               <a:rPr lang="en-US" smtClean="0"/>
-              <a:t>6/24/2019</a:t>
+              <a:t>6/28/2019</a:t>
             </a:fld>
             <a:endParaRPr lang="en-US"/>
           </a:p>
@@ -6110,7 +6471,7 @@
           <a:p>
             <a:fld id="{3FAA6659-066F-4E7F-BD92-0981E5430CBE}" type="datetimeFigureOut">
               <a:rPr lang="en-US" smtClean="0"/>
-              <a:t>6/24/2019</a:t>
+              <a:t>6/28/2019</a:t>
             </a:fld>
             <a:endParaRPr lang="en-US"/>
           </a:p>
@@ -6227,7 +6588,7 @@
           <a:p>
             <a:fld id="{3FAA6659-066F-4E7F-BD92-0981E5430CBE}" type="datetimeFigureOut">
               <a:rPr lang="en-US" smtClean="0"/>
-              <a:t>6/24/2019</a:t>
+              <a:t>6/28/2019</a:t>
             </a:fld>
             <a:endParaRPr lang="en-US"/>
           </a:p>
@@ -6322,7 +6683,7 @@
           <a:p>
             <a:fld id="{3FAA6659-066F-4E7F-BD92-0981E5430CBE}" type="datetimeFigureOut">
               <a:rPr lang="en-US" smtClean="0"/>
-              <a:t>6/24/2019</a:t>
+              <a:t>6/28/2019</a:t>
             </a:fld>
             <a:endParaRPr lang="en-US"/>
           </a:p>
@@ -6597,7 +6958,7 @@
           <a:p>
             <a:fld id="{3FAA6659-066F-4E7F-BD92-0981E5430CBE}" type="datetimeFigureOut">
               <a:rPr lang="en-US" smtClean="0"/>
-              <a:t>6/24/2019</a:t>
+              <a:t>6/28/2019</a:t>
             </a:fld>
             <a:endParaRPr lang="en-US"/>
           </a:p>
@@ -6849,7 +7210,7 @@
           <a:p>
             <a:fld id="{3FAA6659-066F-4E7F-BD92-0981E5430CBE}" type="datetimeFigureOut">
               <a:rPr lang="en-US" smtClean="0"/>
-              <a:t>6/24/2019</a:t>
+              <a:t>6/28/2019</a:t>
             </a:fld>
             <a:endParaRPr lang="en-US"/>
           </a:p>
@@ -7017,7 +7378,7 @@
           <a:p>
             <a:fld id="{3FAA6659-066F-4E7F-BD92-0981E5430CBE}" type="datetimeFigureOut">
               <a:rPr lang="en-US" smtClean="0"/>
-              <a:t>6/24/2019</a:t>
+              <a:t>6/28/2019</a:t>
             </a:fld>
             <a:endParaRPr lang="en-US"/>
           </a:p>
@@ -7195,7 +7556,7 @@
           <a:p>
             <a:fld id="{3FAA6659-066F-4E7F-BD92-0981E5430CBE}" type="datetimeFigureOut">
               <a:rPr lang="en-US" smtClean="0"/>
-              <a:t>6/24/2019</a:t>
+              <a:t>6/28/2019</a:t>
             </a:fld>
             <a:endParaRPr lang="en-US"/>
           </a:p>
@@ -7453,7 +7814,7 @@
           <a:p>
             <a:fld id="{DF1B7059-9994-452B-97D3-B9424BDCF679}" type="datetimeFigureOut">
               <a:rPr lang="en-US" smtClean="0"/>
-              <a:t>6/24/2019</a:t>
+              <a:t>6/28/2019</a:t>
             </a:fld>
             <a:endParaRPr lang="en-US" dirty="0"/>
           </a:p>
@@ -7767,7 +8128,7 @@
           <a:p>
             <a:fld id="{DF1B7059-9994-452B-97D3-B9424BDCF679}" type="datetimeFigureOut">
               <a:rPr lang="en-US" smtClean="0"/>
-              <a:t>6/24/2019</a:t>
+              <a:t>6/28/2019</a:t>
             </a:fld>
             <a:endParaRPr lang="en-US" dirty="0"/>
           </a:p>
@@ -8011,7 +8372,7 @@
           <a:p>
             <a:fld id="{DF1B7059-9994-452B-97D3-B9424BDCF679}" type="datetimeFigureOut">
               <a:rPr lang="en-US" smtClean="0"/>
-              <a:t>6/24/2019</a:t>
+              <a:t>6/28/2019</a:t>
             </a:fld>
             <a:endParaRPr lang="en-US" dirty="0"/>
           </a:p>
@@ -8243,7 +8604,7 @@
           <a:p>
             <a:fld id="{DF1B7059-9994-452B-97D3-B9424BDCF679}" type="datetimeFigureOut">
               <a:rPr lang="en-US" smtClean="0"/>
-              <a:t>6/24/2019</a:t>
+              <a:t>6/28/2019</a:t>
             </a:fld>
             <a:endParaRPr lang="en-US" dirty="0"/>
           </a:p>
@@ -8610,7 +8971,7 @@
           <a:p>
             <a:fld id="{DF1B7059-9994-452B-97D3-B9424BDCF679}" type="datetimeFigureOut">
               <a:rPr lang="en-US" smtClean="0"/>
-              <a:t>6/24/2019</a:t>
+              <a:t>6/28/2019</a:t>
             </a:fld>
             <a:endParaRPr lang="en-US" dirty="0"/>
           </a:p>
@@ -8728,7 +9089,7 @@
           <a:p>
             <a:fld id="{DF1B7059-9994-452B-97D3-B9424BDCF679}" type="datetimeFigureOut">
               <a:rPr lang="en-US" smtClean="0"/>
-              <a:t>6/24/2019</a:t>
+              <a:t>6/28/2019</a:t>
             </a:fld>
             <a:endParaRPr lang="en-US" dirty="0"/>
           </a:p>
@@ -8823,7 +9184,7 @@
           <a:p>
             <a:fld id="{DF1B7059-9994-452B-97D3-B9424BDCF679}" type="datetimeFigureOut">
               <a:rPr lang="en-US" smtClean="0"/>
-              <a:t>6/24/2019</a:t>
+              <a:t>6/28/2019</a:t>
             </a:fld>
             <a:endParaRPr lang="en-US" dirty="0"/>
           </a:p>
@@ -9100,7 +9461,7 @@
           <a:p>
             <a:fld id="{DF1B7059-9994-452B-97D3-B9424BDCF679}" type="datetimeFigureOut">
               <a:rPr lang="en-US" smtClean="0"/>
-              <a:t>6/24/2019</a:t>
+              <a:t>6/28/2019</a:t>
             </a:fld>
             <a:endParaRPr lang="en-US" dirty="0"/>
           </a:p>
@@ -9356,7 +9717,7 @@
           <a:p>
             <a:fld id="{DF1B7059-9994-452B-97D3-B9424BDCF679}" type="datetimeFigureOut">
               <a:rPr lang="en-US" smtClean="0"/>
-              <a:t>6/24/2019</a:t>
+              <a:t>6/28/2019</a:t>
             </a:fld>
             <a:endParaRPr lang="en-US" dirty="0"/>
           </a:p>
@@ -9526,7 +9887,7 @@
           <a:p>
             <a:fld id="{DF1B7059-9994-452B-97D3-B9424BDCF679}" type="datetimeFigureOut">
               <a:rPr lang="en-US" smtClean="0"/>
-              <a:t>6/24/2019</a:t>
+              <a:t>6/28/2019</a:t>
             </a:fld>
             <a:endParaRPr lang="en-US" dirty="0"/>
           </a:p>
@@ -9706,7 +10067,7 @@
           <a:p>
             <a:fld id="{DF1B7059-9994-452B-97D3-B9424BDCF679}" type="datetimeFigureOut">
               <a:rPr lang="en-US" smtClean="0"/>
-              <a:t>6/24/2019</a:t>
+              <a:t>6/28/2019</a:t>
             </a:fld>
             <a:endParaRPr lang="en-US" dirty="0"/>
           </a:p>
@@ -12087,7 +12448,7 @@
           <a:p>
             <a:fld id="{3FAA6659-066F-4E7F-BD92-0981E5430CBE}" type="datetimeFigureOut">
               <a:rPr lang="en-US" smtClean="0"/>
-              <a:t>6/24/2019</a:t>
+              <a:t>6/28/2019</a:t>
             </a:fld>
             <a:endParaRPr lang="en-US"/>
           </a:p>
@@ -12255,7 +12616,7 @@
           <a:p>
             <a:fld id="{3FAA6659-066F-4E7F-BD92-0981E5430CBE}" type="datetimeFigureOut">
               <a:rPr lang="en-US" smtClean="0"/>
-              <a:t>6/24/2019</a:t>
+              <a:t>6/28/2019</a:t>
             </a:fld>
             <a:endParaRPr lang="en-US"/>
           </a:p>
@@ -12500,7 +12861,7 @@
           <a:p>
             <a:fld id="{3FAA6659-066F-4E7F-BD92-0981E5430CBE}" type="datetimeFigureOut">
               <a:rPr lang="en-US" smtClean="0"/>
-              <a:t>6/24/2019</a:t>
+              <a:t>6/28/2019</a:t>
             </a:fld>
             <a:endParaRPr lang="en-US"/>
           </a:p>
@@ -13092,7 +13453,7 @@
           <a:p>
             <a:fld id="{3FAA6659-066F-4E7F-BD92-0981E5430CBE}" type="datetimeFigureOut">
               <a:rPr lang="en-US" smtClean="0"/>
-              <a:t>6/24/2019</a:t>
+              <a:t>6/28/2019</a:t>
             </a:fld>
             <a:endParaRPr lang="en-US"/>
           </a:p>
@@ -13633,7 +13994,7 @@
           <a:p>
             <a:fld id="{DF1B7059-9994-452B-97D3-B9424BDCF679}" type="datetimeFigureOut">
               <a:rPr lang="en-US" smtClean="0"/>
-              <a:t>6/24/2019</a:t>
+              <a:t>6/28/2019</a:t>
             </a:fld>
             <a:endParaRPr lang="en-US" dirty="0"/>
           </a:p>
@@ -14526,7 +14887,34 @@
                 </a:solidFill>
                 <a:latin typeface="Panton Black" panose="00000A00000000000000" pitchFamily="50" charset="0"/>
               </a:rPr>
-              <a:t>SQL Server Admin Best Practices with DMV's</a:t>
+              <a:t>SQL Server Admin Best Practices </a:t>
+            </a:r>
+            <a:br>
+              <a:rPr lang="en-US" sz="8000" dirty="0">
+                <a:ln>
+                  <a:solidFill>
+                    <a:srgbClr val="92D050"/>
+                  </a:solidFill>
+                </a:ln>
+                <a:solidFill>
+                  <a:schemeClr val="bg1"/>
+                </a:solidFill>
+                <a:latin typeface="Panton Black" panose="00000A00000000000000" pitchFamily="50" charset="0"/>
+              </a:rPr>
+            </a:br>
+            <a:r>
+              <a:rPr lang="en-US" sz="8000" dirty="0">
+                <a:ln>
+                  <a:solidFill>
+                    <a:srgbClr val="92D050"/>
+                  </a:solidFill>
+                </a:ln>
+                <a:solidFill>
+                  <a:schemeClr val="bg1"/>
+                </a:solidFill>
+                <a:latin typeface="Panton Black" panose="00000A00000000000000" pitchFamily="50" charset="0"/>
+              </a:rPr>
+              <a:t>with DMV's</a:t>
             </a:r>
           </a:p>
         </p:txBody>
@@ -14695,26 +15083,26 @@
         <p:spPr/>
         <p:txBody>
           <a:bodyPr>
-            <a:normAutofit fontScale="92500"/>
+            <a:normAutofit fontScale="92500" lnSpcReduction="20000"/>
           </a:bodyPr>
           <a:lstStyle/>
           <a:p>
             <a:r>
-              <a:rPr lang="en-US" sz="3600" dirty="0"/>
+              <a:rPr lang="en-US" sz="4300" dirty="0"/>
               <a:t>Aggregated </a:t>
             </a:r>
             <a:r>
-              <a:rPr lang="en-US" sz="3600" b="0" dirty="0"/>
+              <a:rPr lang="en-US" sz="4300" b="0" dirty="0"/>
               <a:t>wait times – records when something has to wait and retains it.  </a:t>
             </a:r>
             <a:br>
-              <a:rPr lang="en-US" sz="3600" dirty="0"/>
+              <a:rPr lang="en-US" sz="4300" dirty="0"/>
             </a:br>
-            <a:endParaRPr lang="en-US" sz="3600" dirty="0"/>
-          </a:p>
-          <a:p>
-            <a:r>
-              <a:rPr lang="en-US" sz="3600" b="0" dirty="0"/>
+            <a:endParaRPr lang="en-US" sz="4300" dirty="0"/>
+          </a:p>
+          <a:p>
+            <a:r>
+              <a:rPr lang="en-US" sz="4300" b="0" dirty="0"/>
               <a:t>Records count of tasks experiencing the wait type, sum of time and max time waiting.  </a:t>
             </a:r>
           </a:p>
@@ -14730,11 +15118,7 @@
           <a:p>
             <a:r>
               <a:rPr lang="en-US" sz="4400" dirty="0"/>
-              <a:t>	wait types in </a:t>
-            </a:r>
-            <a:r>
-              <a:rPr lang="en-US" sz="4400"/>
-              <a:t>SQL 2019 CTP 3.0.</a:t>
+              <a:t>	wait types in SQL 2019 CTP 3.0.</a:t>
             </a:r>
             <a:endParaRPr lang="en-US" sz="3600" dirty="0"/>
           </a:p>
@@ -15565,7 +15949,7 @@
 </file>
 
 <file path=ppt/slides/slide17.xml><?xml version="1.0" encoding="utf-8"?>
-<p:sld xmlns:a="http://schemas.openxmlformats.org/drawingml/2006/main" xmlns:r="http://schemas.openxmlformats.org/officeDocument/2006/relationships" xmlns:p="http://schemas.openxmlformats.org/presentationml/2006/main" show="0">
+<p:sld xmlns:a="http://schemas.openxmlformats.org/drawingml/2006/main" xmlns:r="http://schemas.openxmlformats.org/officeDocument/2006/relationships" xmlns:p="http://schemas.openxmlformats.org/presentationml/2006/main">
   <p:cSld>
     <p:spTree>
       <p:nvGrpSpPr>
@@ -15752,13 +16136,13 @@
         </p:nvSpPr>
         <p:spPr>
           <a:xfrm>
-            <a:off x="609600" y="990599"/>
+            <a:off x="609600" y="914400"/>
             <a:ext cx="10972800" cy="5410201"/>
           </a:xfrm>
         </p:spPr>
         <p:txBody>
           <a:bodyPr>
-            <a:normAutofit fontScale="92500"/>
+            <a:normAutofit lnSpcReduction="10000"/>
           </a:bodyPr>
           <a:lstStyle/>
           <a:p>
@@ -15792,8 +16176,6 @@
               <a:rPr lang="en-US" sz="2800" dirty="0"/>
               <a:t>	Could be an INSERT statement hotspot on a table.</a:t>
             </a:r>
-          </a:p>
-          <a:p>
             <a:endParaRPr lang="en-US" sz="3200" dirty="0"/>
           </a:p>
           <a:p>
@@ -15920,32 +16302,107 @@
             <p:ph idx="1"/>
           </p:nvPr>
         </p:nvSpPr>
-        <p:spPr/>
+        <p:spPr>
+          <a:xfrm>
+            <a:off x="609600" y="990599"/>
+            <a:ext cx="10972800" cy="5410201"/>
+          </a:xfrm>
+        </p:spPr>
         <p:txBody>
           <a:bodyPr>
-            <a:normAutofit/>
+            <a:normAutofit fontScale="85000" lnSpcReduction="20000"/>
           </a:bodyPr>
           <a:lstStyle/>
           <a:p>
-            <a:pPr>
-              <a:buNone/>
-            </a:pPr>
-            <a:r>
-              <a:rPr lang="en-US" sz="4000" dirty="0"/>
-              <a:t>When to use?</a:t>
-            </a:r>
-          </a:p>
-          <a:p>
-            <a:r>
-              <a:rPr lang="en-US" sz="4000" b="0" dirty="0"/>
-              <a:t>Use on healthy or troubled systems, look for trending from a baseline.</a:t>
-            </a:r>
-          </a:p>
-          <a:p>
-            <a:r>
-              <a:rPr lang="en-US" sz="4000" b="0" dirty="0"/>
-              <a:t>Determine which waits are impacting performance server-wide.  It is one of the best DMV’s for server-wide performance. </a:t>
-            </a:r>
+            <a:pPr lvl="1" indent="-742950"/>
+            <a:r>
+              <a:rPr lang="en-US" sz="3500" b="1" dirty="0" err="1">
+                <a:solidFill>
+                  <a:schemeClr val="tx1">
+                    <a:lumMod val="95000"/>
+                    <a:lumOff val="5000"/>
+                  </a:schemeClr>
+                </a:solidFill>
+              </a:rPr>
+              <a:t>PAGELATCH_xx</a:t>
+            </a:r>
+            <a:r>
+              <a:rPr lang="en-US" sz="3500" b="1" dirty="0">
+                <a:solidFill>
+                  <a:schemeClr val="tx1">
+                    <a:lumMod val="95000"/>
+                    <a:lumOff val="5000"/>
+                  </a:schemeClr>
+                </a:solidFill>
+              </a:rPr>
+              <a:t> </a:t>
+            </a:r>
+            <a:r>
+              <a:rPr lang="en-US" sz="3200" dirty="0"/>
+              <a:t>- </a:t>
+            </a:r>
+            <a:r>
+              <a:rPr lang="en-US" sz="3900" i="1" dirty="0"/>
+              <a:t>New in SQL 2019 - </a:t>
+            </a:r>
+            <a:r>
+              <a:rPr lang="en-US" sz="3900" dirty="0"/>
+              <a:t>A new index option </a:t>
+            </a:r>
+            <a:r>
+              <a:rPr lang="en-US" sz="3900" b="1" dirty="0"/>
+              <a:t>OPTIMIZE_FOR_SEQUENTIAL_KEY</a:t>
+            </a:r>
+            <a:r>
+              <a:rPr lang="en-US" sz="3900" dirty="0"/>
+              <a:t> specifically for tables with clustered keys on IDENTITY and SEQUENCE that have high write volumes, creating </a:t>
+            </a:r>
+            <a:br>
+              <a:rPr lang="en-US" sz="3900" dirty="0"/>
+            </a:br>
+            <a:r>
+              <a:rPr lang="en-US" sz="3900" b="1" dirty="0"/>
+              <a:t>“hot spots” for sequential inserts</a:t>
+            </a:r>
+            <a:r>
+              <a:rPr lang="en-US" sz="3900" dirty="0"/>
+              <a:t>. </a:t>
+            </a:r>
+          </a:p>
+          <a:p>
+            <a:pPr lvl="1"/>
+            <a:r>
+              <a:rPr lang="en-US" sz="3900" dirty="0"/>
+              <a:t>If you observe high amounts of </a:t>
+            </a:r>
+            <a:r>
+              <a:rPr lang="en-US" sz="3900" b="1" dirty="0"/>
+              <a:t>PAGELATCH_EX</a:t>
+            </a:r>
+            <a:r>
+              <a:rPr lang="en-US" sz="3900" dirty="0"/>
+              <a:t>, it may be because of contention for individual pages in memory due to sequential inserts. </a:t>
+            </a:r>
+          </a:p>
+          <a:p>
+            <a:pPr lvl="1"/>
+            <a:r>
+              <a:rPr lang="en-US" sz="3900" dirty="0"/>
+              <a:t>This new index option improves performance for tables that have a sequential key. </a:t>
+            </a:r>
+            <a:br>
+              <a:rPr lang="en-US" sz="3900" dirty="0"/>
+            </a:br>
+            <a:r>
+              <a:rPr lang="en-US" sz="3000" dirty="0">
+                <a:hlinkClick r:id="rId2"/>
+              </a:rPr>
+              <a:t>https://docs.microsoft.com/en-us/sql/t-sql/statements/create-index-transact-sql?view=sqlallproducts-allversions#sequential-keys</a:t>
+            </a:r>
+            <a:endParaRPr lang="en-US" sz="3000" dirty="0"/>
+          </a:p>
+          <a:p>
+            <a:endParaRPr lang="en-US" sz="3200" dirty="0"/>
           </a:p>
         </p:txBody>
       </p:sp>
@@ -15977,11 +16434,16 @@
               <a:pPr/>
               <a:t>19</a:t>
             </a:fld>
-            <a:endParaRPr lang="en-US"/>
+            <a:endParaRPr lang="en-US" dirty="0"/>
           </a:p>
         </p:txBody>
       </p:sp>
     </p:spTree>
+    <p:extLst>
+      <p:ext uri="{BB962C8B-B14F-4D97-AF65-F5344CB8AC3E}">
+        <p14:creationId xmlns:p14="http://schemas.microsoft.com/office/powerpoint/2010/main" val="3140931035"/>
+      </p:ext>
+    </p:extLst>
   </p:cSld>
   <p:clrMapOvr>
     <a:masterClrMapping/>
@@ -16059,7 +16521,7 @@
           <a:p>
             <a:pPr marL="0" indent="0" algn="ctr"/>
             <a:r>
-              <a:rPr lang="en-US" sz="3200" dirty="0"/>
+              <a:rPr lang="en-US" sz="4000" dirty="0"/>
               <a:t>An incomplete tour of SQL Server DMV’s, covering the most important topics and getting you started on getting the most you can out of these crucial performance indicators.</a:t>
             </a:r>
           </a:p>
@@ -16095,251 +16557,15 @@
           <a:chExt cx="0" cy="0"/>
         </a:xfrm>
       </p:grpSpPr>
-      <p:sp>
-        <p:nvSpPr>
-          <p:cNvPr id="2" name="Title 1"/>
-          <p:cNvSpPr>
-            <a:spLocks noGrp="1"/>
-          </p:cNvSpPr>
-          <p:nvPr>
-            <p:ph type="title"/>
-          </p:nvPr>
-        </p:nvSpPr>
-        <p:spPr/>
-        <p:txBody>
-          <a:bodyPr/>
-          <a:lstStyle/>
-          <a:p>
-            <a:r>
-              <a:rPr lang="en-US" b="1" dirty="0" err="1"/>
-              <a:t>sys.dm_os_wait_stats</a:t>
-            </a:r>
-            <a:endParaRPr lang="en-US" dirty="0"/>
-          </a:p>
-        </p:txBody>
-      </p:sp>
-      <p:sp>
-        <p:nvSpPr>
-          <p:cNvPr id="3" name="Content Placeholder 2"/>
-          <p:cNvSpPr>
-            <a:spLocks noGrp="1"/>
-          </p:cNvSpPr>
-          <p:nvPr>
-            <p:ph idx="1"/>
-          </p:nvPr>
-        </p:nvSpPr>
-        <p:spPr/>
-        <p:txBody>
-          <a:bodyPr>
-            <a:normAutofit/>
-          </a:bodyPr>
-          <a:lstStyle/>
-          <a:p>
-            <a:pPr>
-              <a:buNone/>
-            </a:pPr>
-            <a:r>
-              <a:rPr lang="en-US" sz="4000" dirty="0"/>
-              <a:t>This number is a forever-growing aggregate. </a:t>
-            </a:r>
-          </a:p>
-          <a:p>
-            <a:pPr>
-              <a:buNone/>
-            </a:pPr>
-            <a:r>
-              <a:rPr lang="en-US" sz="4000" dirty="0"/>
-              <a:t>Which means over time, recent changes will not affect the large aggregate numbers well.</a:t>
-            </a:r>
-          </a:p>
-          <a:p>
-            <a:pPr>
-              <a:buNone/>
-            </a:pPr>
-            <a:r>
-              <a:rPr lang="en-US" sz="4000" dirty="0"/>
-              <a:t>For your performance-sensitive servers, consider a regimen of collection and manual wiping the stats weekly or daily. </a:t>
-            </a:r>
-          </a:p>
-          <a:p>
-            <a:pPr>
-              <a:buNone/>
-            </a:pPr>
-            <a:r>
-              <a:rPr lang="en-US" sz="4000" dirty="0"/>
-              <a:t>Demo of this in Lab: </a:t>
-            </a:r>
-            <a:r>
-              <a:rPr lang="en-US" sz="4000" dirty="0" err="1"/>
-              <a:t>dm_os_wait_stats.sql</a:t>
-            </a:r>
-            <a:r>
-              <a:rPr lang="en-US" sz="4000" dirty="0"/>
-              <a:t>.</a:t>
-            </a:r>
-          </a:p>
-          <a:p>
-            <a:pPr>
-              <a:buNone/>
-            </a:pPr>
-            <a:endParaRPr lang="en-US" sz="4000" dirty="0"/>
-          </a:p>
-        </p:txBody>
-      </p:sp>
-      <p:sp>
-        <p:nvSpPr>
-          <p:cNvPr id="4" name="Slide Number Placeholder 3"/>
-          <p:cNvSpPr>
-            <a:spLocks noGrp="1"/>
-          </p:cNvSpPr>
-          <p:nvPr>
-            <p:ph type="sldNum" sz="quarter" idx="4294967295"/>
-          </p:nvPr>
-        </p:nvSpPr>
-        <p:spPr>
-          <a:xfrm>
-            <a:off x="1524000" y="6286501"/>
-            <a:ext cx="527050" cy="365125"/>
-          </a:xfrm>
-          <a:prstGeom prst="rect">
-            <a:avLst/>
-          </a:prstGeom>
-        </p:spPr>
-        <p:txBody>
-          <a:bodyPr/>
-          <a:lstStyle/>
-          <a:p>
-            <a:fld id="{B33938D9-6682-4BB5-AE7E-A07F086A6D58}" type="slidenum">
-              <a:rPr lang="en-US" smtClean="0"/>
-              <a:pPr/>
-              <a:t>20</a:t>
-            </a:fld>
-            <a:endParaRPr lang="en-US"/>
-          </a:p>
-        </p:txBody>
-      </p:sp>
-    </p:spTree>
-    <p:extLst>
-      <p:ext uri="{BB962C8B-B14F-4D97-AF65-F5344CB8AC3E}">
-        <p14:creationId xmlns:p14="http://schemas.microsoft.com/office/powerpoint/2010/main" val="2805776003"/>
-      </p:ext>
-    </p:extLst>
-  </p:cSld>
-  <p:clrMapOvr>
-    <a:masterClrMapping/>
-  </p:clrMapOvr>
-</p:sld>
-</file>
-
-<file path=ppt/slides/slide21.xml><?xml version="1.0" encoding="utf-8"?>
-<p:sld xmlns:a="http://schemas.openxmlformats.org/drawingml/2006/main" xmlns:r="http://schemas.openxmlformats.org/officeDocument/2006/relationships" xmlns:p="http://schemas.openxmlformats.org/presentationml/2006/main">
-  <p:cSld>
-    <p:spTree>
-      <p:nvGrpSpPr>
-        <p:cNvPr id="1" name=""/>
-        <p:cNvGrpSpPr/>
-        <p:nvPr/>
-      </p:nvGrpSpPr>
-      <p:grpSpPr>
-        <a:xfrm>
-          <a:off x="0" y="0"/>
-          <a:ext cx="0" cy="0"/>
-          <a:chOff x="0" y="0"/>
-          <a:chExt cx="0" cy="0"/>
-        </a:xfrm>
-      </p:grpSpPr>
-      <p:sp>
-        <p:nvSpPr>
-          <p:cNvPr id="2" name="Title 1"/>
-          <p:cNvSpPr>
-            <a:spLocks noGrp="1"/>
-          </p:cNvSpPr>
-          <p:nvPr>
-            <p:ph type="title"/>
-          </p:nvPr>
-        </p:nvSpPr>
-        <p:spPr/>
-        <p:txBody>
-          <a:bodyPr/>
-          <a:lstStyle/>
-          <a:p>
-            <a:r>
-              <a:rPr lang="en-US" b="1" dirty="0" err="1"/>
-              <a:t>sys.dm_os_wait_stats</a:t>
-            </a:r>
-            <a:endParaRPr lang="en-US" dirty="0"/>
-          </a:p>
-        </p:txBody>
-      </p:sp>
-      <p:sp>
-        <p:nvSpPr>
-          <p:cNvPr id="6" name="TextBox 5"/>
-          <p:cNvSpPr txBox="1"/>
-          <p:nvPr/>
-        </p:nvSpPr>
-        <p:spPr>
-          <a:xfrm>
-            <a:off x="6477000" y="1981201"/>
-            <a:ext cx="3657600" cy="2062103"/>
-          </a:xfrm>
-          <a:prstGeom prst="rect">
-            <a:avLst/>
-          </a:prstGeom>
-          <a:noFill/>
-        </p:spPr>
-        <p:txBody>
-          <a:bodyPr wrap="square" rtlCol="0">
-            <a:spAutoFit/>
-          </a:bodyPr>
-          <a:lstStyle/>
-          <a:p>
-            <a:r>
-              <a:rPr lang="en-US" sz="3600" dirty="0"/>
-              <a:t>Great for pointing the finger at </a:t>
-            </a:r>
-          </a:p>
-          <a:p>
-            <a:r>
-              <a:rPr lang="en-US" sz="3600" dirty="0"/>
-              <a:t>Network Admins!</a:t>
-            </a:r>
-          </a:p>
-          <a:p>
-            <a:endParaRPr lang="en-US" sz="2000" dirty="0"/>
-          </a:p>
-        </p:txBody>
-      </p:sp>
-      <p:sp>
-        <p:nvSpPr>
-          <p:cNvPr id="5" name="Rectangle 4"/>
-          <p:cNvSpPr/>
-          <p:nvPr/>
-        </p:nvSpPr>
-        <p:spPr>
-          <a:xfrm>
-            <a:off x="6781801" y="4843223"/>
-            <a:ext cx="1410707" cy="369332"/>
-          </a:xfrm>
-          <a:prstGeom prst="rect">
-            <a:avLst/>
-          </a:prstGeom>
-        </p:spPr>
-        <p:txBody>
-          <a:bodyPr wrap="none">
-            <a:spAutoFit/>
-          </a:bodyPr>
-          <a:lstStyle/>
-          <a:p>
-            <a:r>
-              <a:rPr lang="en-US" dirty="0"/>
-              <a:t>(just kidding)</a:t>
-            </a:r>
-          </a:p>
-        </p:txBody>
-      </p:sp>
       <p:pic>
         <p:nvPicPr>
-          <p:cNvPr id="3" name="Picture 2" descr="http://blog.anuesystems.com/wp-content/uploads/2012/06/blame_blame_img.jpg"/>
+          <p:cNvPr id="5" name="Picture 6" descr="http://ecx.images-amazon.com/images/I/513T87SVA9L._SS500_.jpg">
+            <a:extLst>
+              <a:ext uri="{FF2B5EF4-FFF2-40B4-BE49-F238E27FC236}">
+                <a16:creationId xmlns:a16="http://schemas.microsoft.com/office/drawing/2014/main" id="{FF0E237D-5D34-4914-8F02-AAAC6CA41611}"/>
+              </a:ext>
+            </a:extLst>
+          </p:cNvPr>
           <p:cNvPicPr>
             <a:picLocks noChangeAspect="1" noChangeArrowheads="1"/>
           </p:cNvPicPr>
@@ -16360,48 +16586,7 @@
         </p:blipFill>
         <p:spPr bwMode="auto">
           <a:xfrm>
-            <a:off x="2057401" y="1981201"/>
-            <a:ext cx="3895725" cy="2800351"/>
-          </a:xfrm>
-          <a:prstGeom prst="rect">
-            <a:avLst/>
-          </a:prstGeom>
-          <a:noFill/>
-          <a:extLst>
-            <a:ext uri="{909E8E84-426E-40DD-AFC4-6F175D3DCCD1}">
-              <a14:hiddenFill xmlns:a14="http://schemas.microsoft.com/office/drawing/2010/main">
-                <a:solidFill>
-                  <a:srgbClr val="FFFFFF"/>
-                </a:solidFill>
-              </a14:hiddenFill>
-            </a:ext>
-          </a:extLst>
-        </p:spPr>
-      </p:pic>
-      <p:pic>
-        <p:nvPicPr>
-          <p:cNvPr id="1030" name="Picture 6" descr="http://ecx.images-amazon.com/images/I/513T87SVA9L._SS500_.jpg"/>
-          <p:cNvPicPr>
-            <a:picLocks noChangeAspect="1" noChangeArrowheads="1"/>
-          </p:cNvPicPr>
-          <p:nvPr/>
-        </p:nvPicPr>
-        <p:blipFill>
-          <a:blip r:embed="rId3">
-            <a:extLst>
-              <a:ext uri="{28A0092B-C50C-407E-A947-70E740481C1C}">
-                <a14:useLocalDpi xmlns:a14="http://schemas.microsoft.com/office/drawing/2010/main" val="0"/>
-              </a:ext>
-            </a:extLst>
-          </a:blip>
-          <a:srcRect/>
-          <a:stretch>
-            <a:fillRect/>
-          </a:stretch>
-        </p:blipFill>
-        <p:spPr bwMode="auto">
-          <a:xfrm>
-            <a:off x="2025650" y="1524001"/>
+            <a:off x="8153400" y="2590800"/>
             <a:ext cx="4189413" cy="4189413"/>
           </a:xfrm>
           <a:prstGeom prst="rect">
@@ -16419,7 +16604,175 @@
           </a:extLst>
         </p:spPr>
       </p:pic>
+      <p:sp>
+        <p:nvSpPr>
+          <p:cNvPr id="2" name="Title 1"/>
+          <p:cNvSpPr>
+            <a:spLocks noGrp="1"/>
+          </p:cNvSpPr>
+          <p:nvPr>
+            <p:ph type="title"/>
+          </p:nvPr>
+        </p:nvSpPr>
+        <p:spPr/>
+        <p:txBody>
+          <a:bodyPr/>
+          <a:lstStyle/>
+          <a:p>
+            <a:r>
+              <a:rPr lang="en-US" b="1" dirty="0" err="1"/>
+              <a:t>sys.dm_os_wait_stats</a:t>
+            </a:r>
+            <a:endParaRPr lang="en-US" dirty="0"/>
+          </a:p>
+        </p:txBody>
+      </p:sp>
+      <p:sp>
+        <p:nvSpPr>
+          <p:cNvPr id="3" name="Content Placeholder 2"/>
+          <p:cNvSpPr>
+            <a:spLocks noGrp="1"/>
+          </p:cNvSpPr>
+          <p:nvPr>
+            <p:ph idx="1"/>
+          </p:nvPr>
+        </p:nvSpPr>
+        <p:spPr>
+          <a:xfrm>
+            <a:off x="609600" y="914400"/>
+            <a:ext cx="10972800" cy="5410201"/>
+          </a:xfrm>
+        </p:spPr>
+        <p:txBody>
+          <a:bodyPr>
+            <a:normAutofit/>
+          </a:bodyPr>
+          <a:lstStyle/>
+          <a:p>
+            <a:r>
+              <a:rPr lang="en-US" sz="3200" dirty="0"/>
+              <a:t>ASYNC_NETWORK_IO – Common, caused by waits involving the reception of data by the remote clients.</a:t>
+            </a:r>
+          </a:p>
+          <a:p>
+            <a:pPr marL="457200" indent="-457200">
+              <a:buFont typeface="Arial" panose="020B0604020202020204" pitchFamily="34" charset="0"/>
+              <a:buChar char="•"/>
+            </a:pPr>
+            <a:r>
+              <a:rPr lang="en-US" sz="3200" dirty="0"/>
+              <a:t>Almost certainly </a:t>
+            </a:r>
+            <a:r>
+              <a:rPr lang="en-US" sz="3200" i="1" dirty="0"/>
+              <a:t>not </a:t>
+            </a:r>
+            <a:r>
+              <a:rPr lang="en-US" sz="3200" dirty="0"/>
+              <a:t>caused by the network.</a:t>
+            </a:r>
+          </a:p>
+          <a:p>
+            <a:pPr marL="457200" indent="-457200">
+              <a:buFont typeface="Arial" panose="020B0604020202020204" pitchFamily="34" charset="0"/>
+              <a:buChar char="•"/>
+            </a:pPr>
+            <a:r>
+              <a:rPr lang="en-US" sz="3200" dirty="0"/>
+              <a:t>Almost certainly caused by poor </a:t>
+            </a:r>
+            <a:br>
+              <a:rPr lang="en-US" sz="3200" dirty="0"/>
+            </a:br>
+            <a:r>
+              <a:rPr lang="en-US" sz="3200" dirty="0"/>
+              <a:t>queries, such as SELECT *’s</a:t>
+            </a:r>
+            <a:br>
+              <a:rPr lang="en-US" sz="3200" dirty="0"/>
+            </a:br>
+            <a:r>
+              <a:rPr lang="en-US" sz="3200" dirty="0"/>
+              <a:t>with no WHERE clause</a:t>
+            </a:r>
+          </a:p>
+          <a:p>
+            <a:pPr marL="457200" indent="-457200">
+              <a:buFont typeface="Arial" panose="020B0604020202020204" pitchFamily="34" charset="0"/>
+              <a:buChar char="•"/>
+            </a:pPr>
+            <a:r>
+              <a:rPr lang="en-US" sz="3200" dirty="0"/>
+              <a:t>Look for queries with high row counts</a:t>
+            </a:r>
+          </a:p>
+          <a:p>
+            <a:pPr marL="457200" indent="-457200">
+              <a:buFont typeface="Arial" panose="020B0604020202020204" pitchFamily="34" charset="0"/>
+              <a:buChar char="•"/>
+            </a:pPr>
+            <a:r>
+              <a:rPr lang="en-US" sz="3200" dirty="0"/>
+              <a:t>Will be caused by Office apps </a:t>
+            </a:r>
+            <a:br>
+              <a:rPr lang="en-US" sz="3200" dirty="0"/>
+            </a:br>
+            <a:r>
+              <a:rPr lang="en-US" sz="3200" dirty="0"/>
+              <a:t>that query entire tables </a:t>
+            </a:r>
+            <a:r>
+              <a:rPr lang="en-US" sz="3200" dirty="0">
+                <a:sym typeface="Wingdings" panose="05000000000000000000" pitchFamily="2" charset="2"/>
+              </a:rPr>
+              <a:t></a:t>
+            </a:r>
+            <a:br>
+              <a:rPr lang="en-US" sz="3200" dirty="0"/>
+            </a:br>
+            <a:endParaRPr lang="en-US" sz="3200" dirty="0"/>
+          </a:p>
+        </p:txBody>
+      </p:sp>
+      <p:sp>
+        <p:nvSpPr>
+          <p:cNvPr id="4" name="Slide Number Placeholder 3"/>
+          <p:cNvSpPr>
+            <a:spLocks noGrp="1"/>
+          </p:cNvSpPr>
+          <p:nvPr>
+            <p:ph type="sldNum" sz="quarter" idx="4294967295"/>
+          </p:nvPr>
+        </p:nvSpPr>
+        <p:spPr>
+          <a:xfrm>
+            <a:off x="1524000" y="6286501"/>
+            <a:ext cx="527050" cy="365125"/>
+          </a:xfrm>
+          <a:prstGeom prst="rect">
+            <a:avLst/>
+          </a:prstGeom>
+        </p:spPr>
+        <p:txBody>
+          <a:bodyPr/>
+          <a:lstStyle/>
+          <a:p>
+            <a:fld id="{B33938D9-6682-4BB5-AE7E-A07F086A6D58}" type="slidenum">
+              <a:rPr lang="en-US" smtClean="0"/>
+              <a:pPr/>
+              <a:t>20</a:t>
+            </a:fld>
+            <a:endParaRPr lang="en-US" dirty="0"/>
+          </a:p>
+        </p:txBody>
+      </p:sp>
     </p:spTree>
+    <p:extLst>
+      <p:ext uri="{BB962C8B-B14F-4D97-AF65-F5344CB8AC3E}">
+        <p14:creationId xmlns:p14="http://schemas.microsoft.com/office/powerpoint/2010/main" val="1556883112"/>
+      </p:ext>
+    </p:extLst>
   </p:cSld>
   <p:clrMapOvr>
     <a:masterClrMapping/>
@@ -16458,7 +16811,7 @@
                                           </p:stCondLst>
                                         </p:cTn>
                                         <p:tgtEl>
-                                          <p:spTgt spid="1030"/>
+                                          <p:spTgt spid="5"/>
                                         </p:tgtEl>
                                         <p:attrNameLst>
                                           <p:attrName>style.visibility</p:attrName>
@@ -16472,7 +16825,7 @@
                                       <p:cBhvr additive="base">
                                         <p:cTn id="7" dur="500" fill="hold"/>
                                         <p:tgtEl>
-                                          <p:spTgt spid="1030"/>
+                                          <p:spTgt spid="5"/>
                                         </p:tgtEl>
                                         <p:attrNameLst>
                                           <p:attrName>ppt_x</p:attrName>
@@ -16495,7 +16848,7 @@
                                       <p:cBhvr additive="base">
                                         <p:cTn id="8" dur="500" fill="hold"/>
                                         <p:tgtEl>
-                                          <p:spTgt spid="1030"/>
+                                          <p:spTgt spid="5"/>
                                         </p:tgtEl>
                                         <p:attrNameLst>
                                           <p:attrName>ppt_y</p:attrName>
@@ -16548,6 +16901,125 @@
 </p:sld>
 </file>
 
+<file path=ppt/slides/slide21.xml><?xml version="1.0" encoding="utf-8"?>
+<p:sld xmlns:a="http://schemas.openxmlformats.org/drawingml/2006/main" xmlns:r="http://schemas.openxmlformats.org/officeDocument/2006/relationships" xmlns:p="http://schemas.openxmlformats.org/presentationml/2006/main">
+  <p:cSld>
+    <p:spTree>
+      <p:nvGrpSpPr>
+        <p:cNvPr id="1" name=""/>
+        <p:cNvGrpSpPr/>
+        <p:nvPr/>
+      </p:nvGrpSpPr>
+      <p:grpSpPr>
+        <a:xfrm>
+          <a:off x="0" y="0"/>
+          <a:ext cx="0" cy="0"/>
+          <a:chOff x="0" y="0"/>
+          <a:chExt cx="0" cy="0"/>
+        </a:xfrm>
+      </p:grpSpPr>
+      <p:sp>
+        <p:nvSpPr>
+          <p:cNvPr id="2" name="Title 1"/>
+          <p:cNvSpPr>
+            <a:spLocks noGrp="1"/>
+          </p:cNvSpPr>
+          <p:nvPr>
+            <p:ph type="title"/>
+          </p:nvPr>
+        </p:nvSpPr>
+        <p:spPr/>
+        <p:txBody>
+          <a:bodyPr/>
+          <a:lstStyle/>
+          <a:p>
+            <a:r>
+              <a:rPr lang="en-US" b="1" dirty="0" err="1"/>
+              <a:t>sys.dm_os_wait_stats</a:t>
+            </a:r>
+            <a:endParaRPr lang="en-US" dirty="0"/>
+          </a:p>
+        </p:txBody>
+      </p:sp>
+      <p:sp>
+        <p:nvSpPr>
+          <p:cNvPr id="3" name="Content Placeholder 2"/>
+          <p:cNvSpPr>
+            <a:spLocks noGrp="1"/>
+          </p:cNvSpPr>
+          <p:nvPr>
+            <p:ph idx="1"/>
+          </p:nvPr>
+        </p:nvSpPr>
+        <p:spPr/>
+        <p:txBody>
+          <a:bodyPr>
+            <a:normAutofit/>
+          </a:bodyPr>
+          <a:lstStyle/>
+          <a:p>
+            <a:pPr>
+              <a:buNone/>
+            </a:pPr>
+            <a:r>
+              <a:rPr lang="en-US" sz="4000" dirty="0"/>
+              <a:t>When to analyze?</a:t>
+            </a:r>
+          </a:p>
+          <a:p>
+            <a:r>
+              <a:rPr lang="en-US" sz="4000" b="0" dirty="0"/>
+              <a:t>Use on healthy or troubled systems, look for trending from a baseline.</a:t>
+            </a:r>
+          </a:p>
+          <a:p>
+            <a:r>
+              <a:rPr lang="en-US" sz="4000" b="0" dirty="0"/>
+              <a:t>Determine which waits are impacting performance server-wide.  It is one of the best DMV’s for server-wide performance. </a:t>
+            </a:r>
+          </a:p>
+        </p:txBody>
+      </p:sp>
+      <p:sp>
+        <p:nvSpPr>
+          <p:cNvPr id="4" name="Slide Number Placeholder 3"/>
+          <p:cNvSpPr>
+            <a:spLocks noGrp="1"/>
+          </p:cNvSpPr>
+          <p:nvPr>
+            <p:ph type="sldNum" sz="quarter" idx="4294967295"/>
+          </p:nvPr>
+        </p:nvSpPr>
+        <p:spPr>
+          <a:xfrm>
+            <a:off x="1524000" y="6286501"/>
+            <a:ext cx="527050" cy="365125"/>
+          </a:xfrm>
+          <a:prstGeom prst="rect">
+            <a:avLst/>
+          </a:prstGeom>
+        </p:spPr>
+        <p:txBody>
+          <a:bodyPr/>
+          <a:lstStyle/>
+          <a:p>
+            <a:fld id="{B33938D9-6682-4BB5-AE7E-A07F086A6D58}" type="slidenum">
+              <a:rPr lang="en-US" smtClean="0"/>
+              <a:pPr/>
+              <a:t>21</a:t>
+            </a:fld>
+            <a:endParaRPr lang="en-US"/>
+          </a:p>
+        </p:txBody>
+      </p:sp>
+    </p:spTree>
+  </p:cSld>
+  <p:clrMapOvr>
+    <a:masterClrMapping/>
+  </p:clrMapOvr>
+</p:sld>
+</file>
+
 <file path=ppt/slides/slide22.xml><?xml version="1.0" encoding="utf-8"?>
 <p:sld xmlns:a="http://schemas.openxmlformats.org/drawingml/2006/main" xmlns:r="http://schemas.openxmlformats.org/officeDocument/2006/relationships" xmlns:p="http://schemas.openxmlformats.org/presentationml/2006/main">
   <p:cSld>
@@ -16577,96 +17049,79 @@
         </p:nvSpPr>
         <p:spPr/>
         <p:txBody>
+          <a:bodyPr/>
+          <a:lstStyle/>
+          <a:p>
+            <a:r>
+              <a:rPr lang="en-US" b="1" dirty="0" err="1"/>
+              <a:t>sys.dm_os_wait_stats</a:t>
+            </a:r>
+            <a:endParaRPr lang="en-US" dirty="0"/>
+          </a:p>
+        </p:txBody>
+      </p:sp>
+      <p:sp>
+        <p:nvSpPr>
+          <p:cNvPr id="3" name="Content Placeholder 2"/>
+          <p:cNvSpPr>
+            <a:spLocks noGrp="1"/>
+          </p:cNvSpPr>
+          <p:nvPr>
+            <p:ph idx="1"/>
+          </p:nvPr>
+        </p:nvSpPr>
+        <p:spPr/>
+        <p:txBody>
           <a:bodyPr>
             <a:normAutofit/>
           </a:bodyPr>
           <a:lstStyle/>
           <a:p>
-            <a:pPr lvl="0"/>
-            <a:r>
-              <a:rPr lang="en-US" b="1" dirty="0" err="1"/>
-              <a:t>sys.dm_os_wait_stats</a:t>
-            </a:r>
-            <a:endParaRPr lang="en-US" dirty="0"/>
-          </a:p>
-        </p:txBody>
-      </p:sp>
-      <p:sp>
-        <p:nvSpPr>
-          <p:cNvPr id="3" name="Content Placeholder 2"/>
-          <p:cNvSpPr>
-            <a:spLocks noGrp="1"/>
-          </p:cNvSpPr>
-          <p:nvPr>
-            <p:ph idx="1"/>
-          </p:nvPr>
-        </p:nvSpPr>
-        <p:spPr>
-          <a:xfrm>
-            <a:off x="1676400" y="1481140"/>
-            <a:ext cx="10058400" cy="3929060"/>
-          </a:xfrm>
-        </p:spPr>
-        <p:txBody>
-          <a:bodyPr>
-            <a:normAutofit/>
-          </a:bodyPr>
-          <a:lstStyle/>
-          <a:p>
-            <a:pPr marL="514350" indent="-514350">
-              <a:spcBef>
-                <a:spcPts val="0"/>
-              </a:spcBef>
-              <a:defRPr/>
+            <a:pPr>
+              <a:buNone/>
             </a:pPr>
             <a:r>
+              <a:rPr lang="en-US" sz="4000" dirty="0"/>
+              <a:t>This number is a forever-growing aggregate. </a:t>
+            </a:r>
+          </a:p>
+          <a:p>
+            <a:pPr>
+              <a:buNone/>
+            </a:pPr>
+            <a:r>
+              <a:rPr lang="en-US" sz="4000" dirty="0"/>
+              <a:t>Which means over time, recent changes will not affect the large aggregate numbers well.</a:t>
+            </a:r>
+          </a:p>
+          <a:p>
+            <a:pPr>
+              <a:buNone/>
+            </a:pPr>
+            <a:r>
+              <a:rPr lang="en-US" sz="4000" dirty="0"/>
+              <a:t>For your performance-sensitive servers, consider a regimen of collection and manual wiping the stats weekly or daily. </a:t>
+            </a:r>
+          </a:p>
+          <a:p>
+            <a:pPr>
+              <a:buNone/>
+            </a:pPr>
+            <a:r>
               <a:rPr lang="en-US" sz="3600" dirty="0"/>
-              <a:t>Again, </a:t>
+              <a:t>Demo of this in Lab: </a:t>
             </a:r>
             <a:r>
               <a:rPr lang="en-US" sz="3600" dirty="0" err="1"/>
-              <a:t>sys.dm_os_wait_stats</a:t>
-            </a:r>
-            <a:r>
-              <a:rPr lang="en-US" sz="3600" dirty="0"/>
-              <a:t> is </a:t>
-            </a:r>
-            <a:r>
-              <a:rPr lang="en-US" sz="3600" b="1" dirty="0"/>
-              <a:t>aggregated</a:t>
-            </a:r>
-          </a:p>
-          <a:p>
-            <a:pPr marL="514350" indent="-514350">
-              <a:spcBef>
-                <a:spcPts val="0"/>
-              </a:spcBef>
-              <a:defRPr/>
+              <a:t>dm_os_wait_stats.sql</a:t>
+            </a:r>
+            <a:endParaRPr lang="en-US" sz="3600" dirty="0"/>
+          </a:p>
+          <a:p>
+            <a:pPr>
+              <a:buNone/>
             </a:pPr>
-            <a:r>
-              <a:rPr lang="en-US" sz="3600" dirty="0"/>
-              <a:t>Doesn’t include live data, </a:t>
-            </a:r>
-            <a:br>
-              <a:rPr lang="en-US" sz="3600" dirty="0"/>
-            </a:br>
-            <a:r>
-              <a:rPr lang="en-US" sz="3600" dirty="0"/>
-              <a:t>for that you’ll need the next DMV…</a:t>
-            </a:r>
-          </a:p>
-          <a:p>
-            <a:pPr marL="514350" indent="-514350">
-              <a:spcBef>
-                <a:spcPts val="0"/>
-              </a:spcBef>
-              <a:defRPr/>
-            </a:pPr>
-            <a:endParaRPr lang="en-US" sz="3600" dirty="0"/>
-          </a:p>
-          <a:p>
-            <a:pPr marL="392113" lvl="1" indent="0"/>
-            <a:endParaRPr lang="en-US" sz="3200" dirty="0"/>
+            <a:endParaRPr lang="en-US" sz="4000" dirty="0"/>
           </a:p>
         </p:txBody>
       </p:sp>
@@ -16697,6 +17152,190 @@
               <a:rPr lang="en-US" smtClean="0"/>
               <a:pPr/>
               <a:t>22</a:t>
+            </a:fld>
+            <a:endParaRPr lang="en-US"/>
+          </a:p>
+        </p:txBody>
+      </p:sp>
+    </p:spTree>
+    <p:extLst>
+      <p:ext uri="{BB962C8B-B14F-4D97-AF65-F5344CB8AC3E}">
+        <p14:creationId xmlns:p14="http://schemas.microsoft.com/office/powerpoint/2010/main" val="2805776003"/>
+      </p:ext>
+    </p:extLst>
+  </p:cSld>
+  <p:clrMapOvr>
+    <a:masterClrMapping/>
+  </p:clrMapOvr>
+</p:sld>
+</file>
+
+<file path=ppt/slides/slide23.xml><?xml version="1.0" encoding="utf-8"?>
+<p:sld xmlns:a="http://schemas.openxmlformats.org/drawingml/2006/main" xmlns:r="http://schemas.openxmlformats.org/officeDocument/2006/relationships" xmlns:p="http://schemas.openxmlformats.org/presentationml/2006/main">
+  <p:cSld>
+    <p:spTree>
+      <p:nvGrpSpPr>
+        <p:cNvPr id="1" name=""/>
+        <p:cNvGrpSpPr/>
+        <p:nvPr/>
+      </p:nvGrpSpPr>
+      <p:grpSpPr>
+        <a:xfrm>
+          <a:off x="0" y="0"/>
+          <a:ext cx="0" cy="0"/>
+          <a:chOff x="0" y="0"/>
+          <a:chExt cx="0" cy="0"/>
+        </a:xfrm>
+      </p:grpSpPr>
+      <p:sp>
+        <p:nvSpPr>
+          <p:cNvPr id="2" name="Title 1"/>
+          <p:cNvSpPr>
+            <a:spLocks noGrp="1"/>
+          </p:cNvSpPr>
+          <p:nvPr>
+            <p:ph type="title"/>
+          </p:nvPr>
+        </p:nvSpPr>
+        <p:spPr/>
+        <p:txBody>
+          <a:bodyPr>
+            <a:normAutofit/>
+          </a:bodyPr>
+          <a:lstStyle/>
+          <a:p>
+            <a:pPr lvl="0"/>
+            <a:r>
+              <a:rPr lang="en-US" b="1" dirty="0" err="1"/>
+              <a:t>sys.dm_os_wait_stats</a:t>
+            </a:r>
+            <a:endParaRPr lang="en-US" dirty="0"/>
+          </a:p>
+        </p:txBody>
+      </p:sp>
+      <p:sp>
+        <p:nvSpPr>
+          <p:cNvPr id="3" name="Content Placeholder 2"/>
+          <p:cNvSpPr>
+            <a:spLocks noGrp="1"/>
+          </p:cNvSpPr>
+          <p:nvPr>
+            <p:ph idx="1"/>
+          </p:nvPr>
+        </p:nvSpPr>
+        <p:spPr>
+          <a:xfrm>
+            <a:off x="1676400" y="1481140"/>
+            <a:ext cx="10058400" cy="3929060"/>
+          </a:xfrm>
+        </p:spPr>
+        <p:txBody>
+          <a:bodyPr>
+            <a:normAutofit/>
+          </a:bodyPr>
+          <a:lstStyle/>
+          <a:p>
+            <a:pPr marL="514350" indent="-514350">
+              <a:spcBef>
+                <a:spcPts val="0"/>
+              </a:spcBef>
+              <a:defRPr/>
+            </a:pPr>
+            <a:r>
+              <a:rPr lang="en-US" sz="3600" dirty="0"/>
+              <a:t>Again, </a:t>
+            </a:r>
+            <a:r>
+              <a:rPr lang="en-US" sz="3600" dirty="0" err="1"/>
+              <a:t>sys.dm_os_wait_stats</a:t>
+            </a:r>
+            <a:r>
+              <a:rPr lang="en-US" sz="3600" dirty="0"/>
+              <a:t> is </a:t>
+            </a:r>
+            <a:r>
+              <a:rPr lang="en-US" sz="3600" b="1" dirty="0"/>
+              <a:t>aggregated at the instance level.</a:t>
+            </a:r>
+          </a:p>
+          <a:p>
+            <a:pPr marL="514350" indent="-514350">
+              <a:spcBef>
+                <a:spcPts val="0"/>
+              </a:spcBef>
+              <a:defRPr/>
+            </a:pPr>
+            <a:r>
+              <a:rPr lang="en-US" sz="3600" dirty="0"/>
+              <a:t>Doesn’t include live data.</a:t>
+            </a:r>
+          </a:p>
+          <a:p>
+            <a:pPr marL="514350" indent="-514350">
+              <a:spcBef>
+                <a:spcPts val="0"/>
+              </a:spcBef>
+              <a:defRPr/>
+            </a:pPr>
+            <a:r>
+              <a:rPr lang="en-US" sz="3600" dirty="0"/>
+              <a:t>Doesn’t include request- or session-level data.</a:t>
+            </a:r>
+          </a:p>
+          <a:p>
+            <a:pPr marL="514350" indent="-514350">
+              <a:spcBef>
+                <a:spcPts val="0"/>
+              </a:spcBef>
+              <a:defRPr/>
+            </a:pPr>
+            <a:r>
+              <a:rPr lang="en-US" sz="3600" dirty="0"/>
+              <a:t>For that you’ll need the next DMV…</a:t>
+            </a:r>
+          </a:p>
+          <a:p>
+            <a:pPr marL="514350" indent="-514350">
+              <a:spcBef>
+                <a:spcPts val="0"/>
+              </a:spcBef>
+              <a:defRPr/>
+            </a:pPr>
+            <a:endParaRPr lang="en-US" sz="3600" dirty="0"/>
+          </a:p>
+          <a:p>
+            <a:pPr marL="392113" lvl="1" indent="0"/>
+            <a:endParaRPr lang="en-US" sz="3200" dirty="0"/>
+          </a:p>
+        </p:txBody>
+      </p:sp>
+      <p:sp>
+        <p:nvSpPr>
+          <p:cNvPr id="4" name="Slide Number Placeholder 3"/>
+          <p:cNvSpPr>
+            <a:spLocks noGrp="1"/>
+          </p:cNvSpPr>
+          <p:nvPr>
+            <p:ph type="sldNum" sz="quarter" idx="4294967295"/>
+          </p:nvPr>
+        </p:nvSpPr>
+        <p:spPr>
+          <a:xfrm>
+            <a:off x="1524000" y="6286501"/>
+            <a:ext cx="527050" cy="365125"/>
+          </a:xfrm>
+          <a:prstGeom prst="rect">
+            <a:avLst/>
+          </a:prstGeom>
+        </p:spPr>
+        <p:txBody>
+          <a:bodyPr/>
+          <a:lstStyle/>
+          <a:p>
+            <a:fld id="{B33938D9-6682-4BB5-AE7E-A07F086A6D58}" type="slidenum">
+              <a:rPr lang="en-US" smtClean="0"/>
+              <a:pPr/>
+              <a:t>23</a:t>
             </a:fld>
             <a:endParaRPr lang="en-US"/>
           </a:p>
@@ -16872,147 +17511,6 @@
 </p:sld>
 </file>
 
-<file path=ppt/slides/slide23.xml><?xml version="1.0" encoding="utf-8"?>
-<p:sld xmlns:a="http://schemas.openxmlformats.org/drawingml/2006/main" xmlns:r="http://schemas.openxmlformats.org/officeDocument/2006/relationships" xmlns:p="http://schemas.openxmlformats.org/presentationml/2006/main">
-  <p:cSld>
-    <p:spTree>
-      <p:nvGrpSpPr>
-        <p:cNvPr id="1" name=""/>
-        <p:cNvGrpSpPr/>
-        <p:nvPr/>
-      </p:nvGrpSpPr>
-      <p:grpSpPr>
-        <a:xfrm>
-          <a:off x="0" y="0"/>
-          <a:ext cx="0" cy="0"/>
-          <a:chOff x="0" y="0"/>
-          <a:chExt cx="0" cy="0"/>
-        </a:xfrm>
-      </p:grpSpPr>
-      <p:sp>
-        <p:nvSpPr>
-          <p:cNvPr id="2" name="Title 1"/>
-          <p:cNvSpPr>
-            <a:spLocks noGrp="1"/>
-          </p:cNvSpPr>
-          <p:nvPr>
-            <p:ph type="title"/>
-          </p:nvPr>
-        </p:nvSpPr>
-        <p:spPr/>
-        <p:txBody>
-          <a:bodyPr>
-            <a:normAutofit/>
-          </a:bodyPr>
-          <a:lstStyle/>
-          <a:p>
-            <a:pPr lvl="0"/>
-            <a:r>
-              <a:rPr lang="en-US" b="1" dirty="0" err="1"/>
-              <a:t>sys.dm_os_waiting_tasks</a:t>
-            </a:r>
-            <a:endParaRPr lang="en-US" dirty="0"/>
-          </a:p>
-        </p:txBody>
-      </p:sp>
-      <p:sp>
-        <p:nvSpPr>
-          <p:cNvPr id="3" name="Content Placeholder 2"/>
-          <p:cNvSpPr>
-            <a:spLocks noGrp="1"/>
-          </p:cNvSpPr>
-          <p:nvPr>
-            <p:ph idx="1"/>
-          </p:nvPr>
-        </p:nvSpPr>
-        <p:spPr/>
-        <p:txBody>
-          <a:bodyPr>
-            <a:normAutofit/>
-          </a:bodyPr>
-          <a:lstStyle/>
-          <a:p>
-            <a:r>
-              <a:rPr lang="en-US" sz="3200" dirty="0" err="1"/>
-              <a:t>sys.dm_os_waiting_tasks</a:t>
-            </a:r>
-            <a:r>
-              <a:rPr lang="en-US" sz="3200" dirty="0"/>
-              <a:t> shows all tasks </a:t>
-            </a:r>
-            <a:r>
-              <a:rPr lang="en-US" sz="3200" b="1" dirty="0"/>
-              <a:t>currently </a:t>
-            </a:r>
-            <a:r>
-              <a:rPr lang="en-US" sz="3200" dirty="0"/>
-              <a:t>waiting, not aggregated over time.  </a:t>
-            </a:r>
-          </a:p>
-          <a:p>
-            <a:endParaRPr lang="en-US" sz="3200" dirty="0"/>
-          </a:p>
-          <a:p>
-            <a:r>
-              <a:rPr lang="en-US" sz="3200" dirty="0"/>
-              <a:t>Use to troubleshoot sudden performance problems, and trace it down to the query. </a:t>
-            </a:r>
-          </a:p>
-          <a:p>
-            <a:endParaRPr lang="en-US" sz="3200" dirty="0"/>
-          </a:p>
-          <a:p>
-            <a:r>
-              <a:rPr lang="en-US" sz="3200" dirty="0"/>
-              <a:t>Use to identify all wait types (including blocking and locking) down to the statement level</a:t>
-            </a:r>
-          </a:p>
-          <a:p>
-            <a:pPr lvl="1"/>
-            <a:endParaRPr lang="en-US" sz="3200" dirty="0"/>
-          </a:p>
-        </p:txBody>
-      </p:sp>
-      <p:sp>
-        <p:nvSpPr>
-          <p:cNvPr id="4" name="Slide Number Placeholder 3"/>
-          <p:cNvSpPr>
-            <a:spLocks noGrp="1"/>
-          </p:cNvSpPr>
-          <p:nvPr>
-            <p:ph type="sldNum" sz="quarter" idx="4294967295"/>
-          </p:nvPr>
-        </p:nvSpPr>
-        <p:spPr>
-          <a:xfrm>
-            <a:off x="1524000" y="6286501"/>
-            <a:ext cx="527050" cy="365125"/>
-          </a:xfrm>
-          <a:prstGeom prst="rect">
-            <a:avLst/>
-          </a:prstGeom>
-        </p:spPr>
-        <p:txBody>
-          <a:bodyPr/>
-          <a:lstStyle/>
-          <a:p>
-            <a:fld id="{B33938D9-6682-4BB5-AE7E-A07F086A6D58}" type="slidenum">
-              <a:rPr lang="en-US" smtClean="0"/>
-              <a:pPr/>
-              <a:t>23</a:t>
-            </a:fld>
-            <a:endParaRPr lang="en-US"/>
-          </a:p>
-        </p:txBody>
-      </p:sp>
-    </p:spTree>
-  </p:cSld>
-  <p:clrMapOvr>
-    <a:masterClrMapping/>
-  </p:clrMapOvr>
-</p:sld>
-</file>
-
 <file path=ppt/slides/slide24.xml><?xml version="1.0" encoding="utf-8"?>
 <p:sld xmlns:a="http://schemas.openxmlformats.org/drawingml/2006/main" xmlns:r="http://schemas.openxmlformats.org/officeDocument/2006/relationships" xmlns:p="http://schemas.openxmlformats.org/presentationml/2006/main">
   <p:cSld>
@@ -17066,7 +17564,12 @@
             <p:ph idx="1"/>
           </p:nvPr>
         </p:nvSpPr>
-        <p:spPr/>
+        <p:spPr>
+          <a:xfrm>
+            <a:off x="609600" y="838201"/>
+            <a:ext cx="10972800" cy="5448300"/>
+          </a:xfrm>
+        </p:spPr>
         <p:txBody>
           <a:bodyPr>
             <a:normAutofit/>
@@ -17074,58 +17577,48 @@
           <a:lstStyle/>
           <a:p>
             <a:r>
-              <a:rPr lang="en-US" sz="3600" dirty="0"/>
-              <a:t>Join it to </a:t>
-            </a:r>
-            <a:r>
-              <a:rPr lang="en-US" sz="3600" b="1" dirty="0" err="1"/>
+              <a:rPr lang="en-US" sz="4000" dirty="0"/>
+              <a:t>Shows waits for current </a:t>
+            </a:r>
+            <a:r>
+              <a:rPr lang="en-US" sz="4000" u="sng" dirty="0"/>
+              <a:t>requests</a:t>
+            </a:r>
+            <a:r>
+              <a:rPr lang="en-US" sz="4000" dirty="0"/>
+              <a:t>, </a:t>
+            </a:r>
+            <a:br>
+              <a:rPr lang="en-US" sz="4000" dirty="0"/>
+            </a:br>
+            <a:r>
+              <a:rPr lang="en-US" sz="4000" dirty="0"/>
+              <a:t>not aggregated.</a:t>
+            </a:r>
+          </a:p>
+          <a:p>
+            <a:endParaRPr lang="en-US" sz="4000" dirty="0"/>
+          </a:p>
+          <a:p>
+            <a:r>
+              <a:rPr lang="en-US" sz="4000" dirty="0"/>
+              <a:t>Not much different from the current wait information in </a:t>
+            </a:r>
+            <a:r>
+              <a:rPr lang="en-US" sz="4000" dirty="0" err="1"/>
               <a:t>sys.dm_exec_requests</a:t>
             </a:r>
             <a:r>
-              <a:rPr lang="en-US" sz="3600" dirty="0"/>
-              <a:t> (we’ll talk about that one later) on the </a:t>
-            </a:r>
-            <a:r>
-              <a:rPr lang="en-US" sz="3600" dirty="0" err="1"/>
-              <a:t>waiting_task_address</a:t>
-            </a:r>
-            <a:r>
-              <a:rPr lang="en-US" sz="3600" dirty="0"/>
-              <a:t>, then to </a:t>
-            </a:r>
-            <a:r>
-              <a:rPr lang="en-US" sz="3600" b="1" dirty="0" err="1"/>
-              <a:t>dm_exec_sql_text</a:t>
-            </a:r>
-            <a:r>
-              <a:rPr lang="en-US" sz="3600" dirty="0"/>
-              <a:t> on the </a:t>
-            </a:r>
-            <a:r>
-              <a:rPr lang="en-US" sz="3600" dirty="0" err="1"/>
-              <a:t>sql_handle</a:t>
-            </a:r>
-            <a:r>
-              <a:rPr lang="en-US" sz="3600" dirty="0"/>
-              <a:t> to get the query text.  Use offsets to determine the statement inside a batch that is waiting.</a:t>
-            </a:r>
-          </a:p>
-          <a:p>
-            <a:endParaRPr lang="en-US" sz="3600" dirty="0"/>
-          </a:p>
-          <a:p>
-            <a:r>
-              <a:rPr lang="en-US" sz="3600" dirty="0"/>
-              <a:t>Sessions &gt; 50 are user sessions, so include that in your WHERE clause when accessing this DMV.</a:t>
-            </a:r>
-          </a:p>
-          <a:p>
-            <a:pPr lvl="1"/>
-            <a:endParaRPr lang="en-US" sz="3200" dirty="0"/>
-          </a:p>
-          <a:p>
-            <a:pPr lvl="1"/>
-            <a:endParaRPr lang="en-US" sz="3600" dirty="0"/>
+              <a:rPr lang="en-US" sz="4000" dirty="0"/>
+              <a:t> </a:t>
+            </a:r>
+            <a:br>
+              <a:rPr lang="en-US" sz="4000" dirty="0"/>
+            </a:br>
+            <a:r>
+              <a:rPr lang="en-US" sz="4000" dirty="0"/>
+              <a:t>(more on that important DMV later)</a:t>
+            </a:r>
           </a:p>
         </p:txBody>
       </p:sp>
@@ -17230,62 +17723,54 @@
         </p:spPr>
         <p:txBody>
           <a:bodyPr>
-            <a:normAutofit fontScale="92500"/>
+            <a:normAutofit/>
           </a:bodyPr>
           <a:lstStyle/>
           <a:p>
             <a:r>
               <a:rPr lang="en-US" sz="3200" dirty="0"/>
-              <a:t>New in SQL 2016 - </a:t>
-            </a:r>
-            <a:r>
-              <a:rPr lang="en-US" sz="3200" b="0" dirty="0"/>
-              <a:t>A hybrid of the previous two, </a:t>
+              <a:t>New in SQL 2016 – Shows waits for the current </a:t>
+            </a:r>
+            <a:r>
+              <a:rPr lang="en-US" sz="3200" u="sng" dirty="0"/>
+              <a:t>session</a:t>
+            </a:r>
+            <a:r>
+              <a:rPr lang="en-US" sz="3200" dirty="0"/>
+              <a:t>.</a:t>
+            </a:r>
+          </a:p>
+          <a:p>
+            <a:endParaRPr lang="en-US" sz="3200" dirty="0"/>
+          </a:p>
+          <a:p>
+            <a:r>
+              <a:rPr lang="en-US" sz="3200" dirty="0"/>
+              <a:t>Instead of server-wide waits or current waits, we can drill into specific query waits aggregated with the session so far, since it connected.</a:t>
+            </a:r>
+          </a:p>
+          <a:p>
+            <a:endParaRPr lang="en-US" sz="3200" dirty="0"/>
+          </a:p>
+          <a:p>
+            <a:r>
+              <a:rPr lang="en-US" sz="3200" dirty="0"/>
+              <a:t>The syntax is the same as the aggregated </a:t>
             </a:r>
             <a:r>
               <a:rPr lang="en-US" sz="3200" dirty="0" err="1"/>
-              <a:t>sys.dm_exec_session_wait_stats</a:t>
+              <a:t>sys.dm_os_wait_stats</a:t>
             </a:r>
             <a:r>
               <a:rPr lang="en-US" sz="3200" dirty="0"/>
-              <a:t> </a:t>
-            </a:r>
-            <a:r>
-              <a:rPr lang="en-US" sz="3200" b="0" dirty="0"/>
-              <a:t>provides waits for the current session – so that you can troubleshoot what a specific query or application is incurring. </a:t>
-            </a:r>
-          </a:p>
-          <a:p>
-            <a:endParaRPr lang="en-US" sz="3200" b="0" dirty="0"/>
-          </a:p>
-          <a:p>
-            <a:r>
-              <a:rPr lang="en-US" sz="3200" b="0" dirty="0"/>
-              <a:t>Instead of server-wide waits or current waits, we can drill into specific query waits aggregated with the session connection.</a:t>
-            </a:r>
-          </a:p>
-          <a:p>
-            <a:endParaRPr lang="en-US" sz="3200" b="0" dirty="0"/>
-          </a:p>
-          <a:p>
-            <a:r>
-              <a:rPr lang="en-US" sz="3200" b="0" dirty="0"/>
-              <a:t>The syntax is the same as the aggregated </a:t>
-            </a:r>
-            <a:r>
-              <a:rPr lang="en-US" sz="3200" b="0" dirty="0" err="1"/>
-              <a:t>sys.dm_os_wait_stats</a:t>
-            </a:r>
-            <a:r>
-              <a:rPr lang="en-US" sz="3200" b="0" dirty="0"/>
               <a:t>, but includes an extra column for </a:t>
             </a:r>
             <a:r>
-              <a:rPr lang="en-US" sz="3200" b="0" dirty="0" err="1"/>
+              <a:rPr lang="en-US" sz="3200" dirty="0" err="1"/>
               <a:t>session_id</a:t>
             </a:r>
             <a:r>
-              <a:rPr lang="en-US" sz="3200" b="0" dirty="0"/>
+              <a:rPr lang="en-US" sz="3200" dirty="0"/>
               <a:t>.</a:t>
             </a:r>
           </a:p>
@@ -17412,7 +17897,7 @@
             </a:r>
             <a:r>
               <a:rPr lang="en-US" sz="2800" dirty="0"/>
-              <a:t>  - Aggregate Wait Data</a:t>
+              <a:t>  - Aggregate Waits</a:t>
             </a:r>
           </a:p>
           <a:p>
@@ -17422,7 +17907,7 @@
             </a:r>
             <a:r>
               <a:rPr lang="en-US" sz="2800" dirty="0"/>
-              <a:t> – Live Session-level Wait Data</a:t>
+              <a:t> – Live Session-level Waits</a:t>
             </a:r>
             <a:endParaRPr lang="en-US" dirty="0"/>
           </a:p>
@@ -17433,7 +17918,7 @@
             </a:r>
             <a:r>
               <a:rPr lang="en-US" sz="2800" dirty="0"/>
-              <a:t> – Aggregate Session-level Wait Data</a:t>
+              <a:t> – Aggregate Session-level Waits</a:t>
             </a:r>
           </a:p>
         </p:txBody>
@@ -17549,7 +18034,7 @@
             </a:pPr>
             <a:r>
               <a:rPr lang="en-US" sz="3600" b="0" dirty="0"/>
-              <a:t>Stores performance information about the cached query plans in memory, but rows do not persist after a plan is removed from the cache.</a:t>
+              <a:t>Stores performance information about the cached query plans in memory, but rows do not persist after a plan is removed from the cache (or an instance restart).</a:t>
             </a:r>
           </a:p>
           <a:p>
@@ -17712,7 +18197,7 @@
               <a:buChar char="•"/>
             </a:pPr>
             <a:r>
-              <a:rPr lang="en-US" sz="4000" b="0" dirty="0"/>
+              <a:rPr lang="en-US" sz="4400" b="0" dirty="0"/>
               <a:t>Used for in-depth performance tuning</a:t>
             </a:r>
           </a:p>
@@ -17722,12 +18207,16 @@
               <a:buChar char="•"/>
             </a:pPr>
             <a:r>
-              <a:rPr lang="en-US" sz="4000" b="0" dirty="0" err="1"/>
-              <a:t>Total_worker_time</a:t>
-            </a:r>
-            <a:r>
-              <a:rPr lang="en-US" sz="4000" b="0" dirty="0"/>
-              <a:t> is CPU time</a:t>
+              <a:rPr lang="en-US" sz="4400" b="0" dirty="0"/>
+              <a:t>Find the “worst” queries in terms of </a:t>
+            </a:r>
+            <a:r>
+              <a:rPr lang="en-US" sz="4400" b="0" dirty="0" err="1"/>
+              <a:t>total_worker_time</a:t>
+            </a:r>
+            <a:r>
+              <a:rPr lang="en-US" sz="4400" b="0" dirty="0"/>
+              <a:t> (CPU), rows and duration</a:t>
             </a:r>
           </a:p>
           <a:p>
@@ -17736,8 +18225,8 @@
               <a:buChar char="•"/>
             </a:pPr>
             <a:r>
-              <a:rPr lang="en-US" sz="4000" b="0" dirty="0"/>
-              <a:t>Records total writes, total reads and can be used in summary to measure database activity.</a:t>
+              <a:rPr lang="en-US" sz="4400" b="0" dirty="0"/>
+              <a:t>Records total writes, total reads and can be used in summary to measure activity.</a:t>
             </a:r>
           </a:p>
         </p:txBody>
@@ -17845,17 +18334,18 @@
         </p:spPr>
         <p:txBody>
           <a:bodyPr>
-            <a:normAutofit fontScale="92500" lnSpcReduction="10000"/>
+            <a:normAutofit lnSpcReduction="10000"/>
           </a:bodyPr>
           <a:lstStyle/>
           <a:p>
             <a:pPr marL="0" indent="0"/>
             <a:r>
               <a:rPr lang="en-US" sz="3200" dirty="0"/>
-              <a:t>Lab</a:t>
-            </a:r>
-          </a:p>
-          <a:p>
+              <a:t>Lab: </a:t>
+            </a:r>
+          </a:p>
+          <a:p>
+            <a:pPr marL="0" indent="0"/>
             <a:r>
               <a:rPr lang="en-US" sz="3200" dirty="0"/>
               <a:t>Worst query </a:t>
@@ -17864,6 +18354,9 @@
               <a:rPr lang="en-US" sz="3200" dirty="0" err="1"/>
               <a:t>plans.sql</a:t>
             </a:r>
+            <a:endParaRPr lang="en-US" sz="3200" dirty="0"/>
+          </a:p>
+          <a:p>
             <a:endParaRPr lang="en-US" sz="3200" dirty="0"/>
           </a:p>
           <a:p>
@@ -17876,45 +18369,72 @@
                   <a:srgbClr val="FF0000"/>
                 </a:solidFill>
               </a:rPr>
-              <a:t>But wait!</a:t>
-            </a:r>
-            <a:endParaRPr lang="en-US" sz="3200" dirty="0">
-              <a:solidFill>
-                <a:schemeClr val="tx1"/>
-              </a:solidFill>
-            </a:endParaRPr>
-          </a:p>
-          <a:p>
+              <a:t>But wait! </a:t>
+            </a:r>
             <a:r>
               <a:rPr lang="en-US" sz="3200" dirty="0">
                 <a:solidFill>
                   <a:schemeClr val="tx1"/>
                 </a:solidFill>
               </a:rPr>
-              <a:t>SQL 2016+’s Query Store feature actually contains even more useful information, best categorized as “Worst Queries”. </a:t>
-            </a:r>
-          </a:p>
-          <a:p>
-            <a:r>
+              <a:t>SQL 2016+’s Query Store feature contains </a:t>
+            </a:r>
+            <a:br>
               <a:rPr lang="en-US" sz="3200" dirty="0">
                 <a:solidFill>
                   <a:schemeClr val="tx1"/>
                 </a:solidFill>
               </a:rPr>
-              <a:t>	Lots more info about Query Store out there, look into it!</a:t>
-            </a:r>
-          </a:p>
-          <a:p>
+            </a:br>
             <a:r>
               <a:rPr lang="en-US" sz="3200" dirty="0">
                 <a:solidFill>
                   <a:schemeClr val="tx1"/>
                 </a:solidFill>
               </a:rPr>
-              <a:t>Query Store is SO GOOD, that I no longer recommend using the “Worst Query Plans” script. Enable it today! It is NOT enabled by default. More on Query Store…</a:t>
-            </a:r>
-          </a:p>
-          <a:p>
+              <a:t>more and better information and functionality.	</a:t>
+            </a:r>
+          </a:p>
+          <a:p>
+            <a:r>
+              <a:rPr lang="en-US" sz="3200" dirty="0">
+                <a:solidFill>
+                  <a:schemeClr val="tx1"/>
+                </a:solidFill>
+              </a:rPr>
+              <a:t>Query Store is SO GOOD, that I no longer recommend using a “Worst Query Plans” script based on </a:t>
+            </a:r>
+            <a:r>
+              <a:rPr lang="en-US" sz="3200" dirty="0" err="1">
+                <a:solidFill>
+                  <a:schemeClr val="tx1"/>
+                </a:solidFill>
+              </a:rPr>
+              <a:t>sys.dm_exec_query_stats</a:t>
+            </a:r>
+            <a:r>
+              <a:rPr lang="en-US" sz="3200" dirty="0">
+                <a:solidFill>
+                  <a:schemeClr val="tx1"/>
+                </a:solidFill>
+              </a:rPr>
+              <a:t> in SQL 2016+. </a:t>
+            </a:r>
+            <a:br>
+              <a:rPr lang="en-US" sz="3200" dirty="0">
+                <a:solidFill>
+                  <a:schemeClr val="tx1"/>
+                </a:solidFill>
+              </a:rPr>
+            </a:br>
+            <a:r>
+              <a:rPr lang="en-US" sz="3200" dirty="0">
+                <a:solidFill>
+                  <a:schemeClr val="tx1"/>
+                </a:solidFill>
+              </a:rPr>
+              <a:t>Enable Query Store today! It is NOT enabled by default. </a:t>
+            </a:r>
             <a:endParaRPr lang="en-US" sz="3200" dirty="0"/>
           </a:p>
           <a:p>
@@ -18250,9 +18770,10 @@
           <a:lstStyle/>
           <a:p>
             <a:r>
-              <a:rPr lang="en-US" dirty="0"/>
+              <a:rPr lang="en-US"/>
               <a:t>Query Store</a:t>
             </a:r>
+            <a:endParaRPr lang="en-US" dirty="0"/>
           </a:p>
         </p:txBody>
       </p:sp>
@@ -18270,146 +18791,6 @@
         </p:nvSpPr>
         <p:spPr>
           <a:xfrm>
-            <a:off x="223900" y="1463608"/>
-            <a:ext cx="11968099" cy="4782848"/>
-          </a:xfrm>
-          <a:prstGeom prst="rect">
-            <a:avLst/>
-          </a:prstGeom>
-        </p:spPr>
-        <p:txBody>
-          <a:bodyPr wrap="square">
-            <a:spAutoFit/>
-          </a:bodyPr>
-          <a:lstStyle/>
-          <a:p>
-            <a:pPr marL="483855" indent="-483855">
-              <a:buFont typeface="Arial" panose="020B0604020202020204" pitchFamily="34" charset="0"/>
-              <a:buChar char="•"/>
-            </a:pPr>
-            <a:r>
-              <a:rPr lang="en-US" sz="3810" dirty="0">
-                <a:latin typeface="Panton" panose="00000500000000000000" pitchFamily="50" charset="0"/>
-              </a:rPr>
-              <a:t>New in SQL 2016, even better in SQL 2017.</a:t>
-            </a:r>
-          </a:p>
-          <a:p>
-            <a:pPr marL="483855" indent="-483855">
-              <a:buFont typeface="Arial" panose="020B0604020202020204" pitchFamily="34" charset="0"/>
-              <a:buChar char="•"/>
-            </a:pPr>
-            <a:r>
-              <a:rPr lang="en-US" sz="3810" dirty="0">
-                <a:latin typeface="Panton" panose="00000500000000000000" pitchFamily="50" charset="0"/>
-              </a:rPr>
-              <a:t>Starting with SQL 2017, Query Store tracks </a:t>
-            </a:r>
-            <a:br>
-              <a:rPr lang="en-US" sz="3810" dirty="0">
-                <a:latin typeface="Panton" panose="00000500000000000000" pitchFamily="50" charset="0"/>
-              </a:rPr>
-            </a:br>
-            <a:r>
-              <a:rPr lang="en-US" sz="3810" dirty="0">
-                <a:latin typeface="Panton" panose="00000500000000000000" pitchFamily="50" charset="0"/>
-              </a:rPr>
-              <a:t>Wait Stats too!</a:t>
-            </a:r>
-          </a:p>
-          <a:p>
-            <a:pPr marL="483855" indent="-483855">
-              <a:buFont typeface="Arial" panose="020B0604020202020204" pitchFamily="34" charset="0"/>
-              <a:buChar char="•"/>
-            </a:pPr>
-            <a:r>
-              <a:rPr lang="en-US" sz="3810" dirty="0">
-                <a:latin typeface="Panton" panose="00000500000000000000" pitchFamily="50" charset="0"/>
-              </a:rPr>
-              <a:t>A feature that was developed for Azure SQL first.</a:t>
-            </a:r>
-          </a:p>
-          <a:p>
-            <a:pPr marL="483855" indent="-483855">
-              <a:buFont typeface="Arial" panose="020B0604020202020204" pitchFamily="34" charset="0"/>
-              <a:buChar char="•"/>
-            </a:pPr>
-            <a:r>
-              <a:rPr lang="en-US" sz="3810" dirty="0">
-                <a:latin typeface="Panton" panose="00000500000000000000" pitchFamily="50" charset="0"/>
-              </a:rPr>
-              <a:t>Tracks the performance of queries – not of execution plans – a distinct difference. Can detect when a query has suffered a degradation in performance because its query plan has changed.</a:t>
-            </a:r>
-          </a:p>
-        </p:txBody>
-      </p:sp>
-    </p:spTree>
-    <p:extLst>
-      <p:ext uri="{BB962C8B-B14F-4D97-AF65-F5344CB8AC3E}">
-        <p14:creationId xmlns:p14="http://schemas.microsoft.com/office/powerpoint/2010/main" val="3647655776"/>
-      </p:ext>
-    </p:extLst>
-  </p:cSld>
-  <p:clrMapOvr>
-    <a:masterClrMapping/>
-  </p:clrMapOvr>
-</p:sld>
-</file>
-
-<file path=ppt/slides/slide31.xml><?xml version="1.0" encoding="utf-8"?>
-<p:sld xmlns:a="http://schemas.openxmlformats.org/drawingml/2006/main" xmlns:r="http://schemas.openxmlformats.org/officeDocument/2006/relationships" xmlns:p="http://schemas.openxmlformats.org/presentationml/2006/main">
-  <p:cSld>
-    <p:spTree>
-      <p:nvGrpSpPr>
-        <p:cNvPr id="1" name=""/>
-        <p:cNvGrpSpPr/>
-        <p:nvPr/>
-      </p:nvGrpSpPr>
-      <p:grpSpPr>
-        <a:xfrm>
-          <a:off x="0" y="0"/>
-          <a:ext cx="0" cy="0"/>
-          <a:chOff x="0" y="0"/>
-          <a:chExt cx="0" cy="0"/>
-        </a:xfrm>
-      </p:grpSpPr>
-      <p:sp>
-        <p:nvSpPr>
-          <p:cNvPr id="4" name="Title 3"/>
-          <p:cNvSpPr>
-            <a:spLocks noGrp="1"/>
-          </p:cNvSpPr>
-          <p:nvPr>
-            <p:ph type="title"/>
-          </p:nvPr>
-        </p:nvSpPr>
-        <p:spPr/>
-        <p:txBody>
-          <a:bodyPr/>
-          <a:lstStyle/>
-          <a:p>
-            <a:r>
-              <a:rPr lang="en-US"/>
-              <a:t>Query Store</a:t>
-            </a:r>
-            <a:endParaRPr lang="en-US" dirty="0"/>
-          </a:p>
-        </p:txBody>
-      </p:sp>
-      <p:sp>
-        <p:nvSpPr>
-          <p:cNvPr id="2" name="Rectangle 1">
-            <a:extLst>
-              <a:ext uri="{FF2B5EF4-FFF2-40B4-BE49-F238E27FC236}">
-                <a16:creationId xmlns:a16="http://schemas.microsoft.com/office/drawing/2014/main" id="{3A456A49-D9F1-4953-8152-0834928543C1}"/>
-              </a:ext>
-            </a:extLst>
-          </p:cNvPr>
-          <p:cNvSpPr/>
-          <p:nvPr/>
-        </p:nvSpPr>
-        <p:spPr>
-          <a:xfrm>
             <a:off x="223902" y="1463607"/>
             <a:ext cx="7440275" cy="4262192"/>
           </a:xfrm>
@@ -18452,7 +18833,19 @@
               <a:rPr lang="en-US" sz="3387" dirty="0">
                 <a:latin typeface="Panton" panose="00000500000000000000" pitchFamily="50" charset="0"/>
               </a:rPr>
-              <a:t>For SQL Server instances, this isn’t enabled by default. Go enable it. </a:t>
+              <a:t>This isn’t enabled by default. </a:t>
+            </a:r>
+          </a:p>
+          <a:p>
+            <a:pPr marL="483855" indent="-483855">
+              <a:buFont typeface="Arial" panose="020B0604020202020204" pitchFamily="34" charset="0"/>
+              <a:buChar char="•"/>
+            </a:pPr>
+            <a:r>
+              <a:rPr lang="en-US" sz="3387" dirty="0">
+                <a:latin typeface="Panton" panose="00000500000000000000" pitchFamily="50" charset="0"/>
+              </a:rPr>
+              <a:t>Go enable it. </a:t>
             </a:r>
           </a:p>
           <a:p>
@@ -18478,38 +18871,9 @@
           </a:p>
         </p:txBody>
       </p:sp>
-      <p:pic>
-        <p:nvPicPr>
-          <p:cNvPr id="3" name="Picture 2">
-            <a:extLst>
-              <a:ext uri="{FF2B5EF4-FFF2-40B4-BE49-F238E27FC236}">
-                <a16:creationId xmlns:a16="http://schemas.microsoft.com/office/drawing/2014/main" id="{3E554B8E-F21B-4143-BA9B-C2C52E093A35}"/>
-              </a:ext>
-            </a:extLst>
-          </p:cNvPr>
-          <p:cNvPicPr>
-            <a:picLocks noChangeAspect="1"/>
-          </p:cNvPicPr>
-          <p:nvPr/>
-        </p:nvPicPr>
-        <p:blipFill rotWithShape="1">
-          <a:blip r:embed="rId2"/>
-          <a:srcRect t="1344"/>
-          <a:stretch/>
-        </p:blipFill>
-        <p:spPr>
-          <a:xfrm>
-            <a:off x="7569489" y="880247"/>
-            <a:ext cx="4551368" cy="5075895"/>
-          </a:xfrm>
-          <a:prstGeom prst="rect">
-            <a:avLst/>
-          </a:prstGeom>
-        </p:spPr>
-      </p:pic>
       <mc:AlternateContent xmlns:mc="http://schemas.openxmlformats.org/markup-compatibility/2006" xmlns:p14="http://schemas.microsoft.com/office/powerpoint/2010/main">
         <mc:Choice Requires="p14">
-          <p:contentPart p14:bwMode="auto" r:id="rId3">
+          <p:contentPart p14:bwMode="auto" r:id="rId2">
             <p14:nvContentPartPr>
               <p14:cNvPr id="6" name="Ink 5">
                 <a:extLst>
@@ -18660,10 +19024,179 @@
           </p:pic>
         </mc:Fallback>
       </mc:AlternateContent>
+      <p:pic>
+        <p:nvPicPr>
+          <p:cNvPr id="5" name="Picture 4">
+            <a:extLst>
+              <a:ext uri="{FF2B5EF4-FFF2-40B4-BE49-F238E27FC236}">
+                <a16:creationId xmlns:a16="http://schemas.microsoft.com/office/drawing/2014/main" id="{75201CCD-63FE-4213-A177-424B54419BC3}"/>
+              </a:ext>
+            </a:extLst>
+          </p:cNvPr>
+          <p:cNvPicPr>
+            <a:picLocks noChangeAspect="1"/>
+          </p:cNvPicPr>
+          <p:nvPr/>
+        </p:nvPicPr>
+        <p:blipFill>
+          <a:blip r:embed="rId7"/>
+          <a:stretch>
+            <a:fillRect/>
+          </a:stretch>
+        </p:blipFill>
+        <p:spPr>
+          <a:xfrm>
+            <a:off x="7664177" y="685800"/>
+            <a:ext cx="4559300" cy="6019800"/>
+          </a:xfrm>
+          <a:prstGeom prst="rect">
+            <a:avLst/>
+          </a:prstGeom>
+        </p:spPr>
+      </p:pic>
     </p:spTree>
     <p:extLst>
       <p:ext uri="{BB962C8B-B14F-4D97-AF65-F5344CB8AC3E}">
         <p14:creationId xmlns:p14="http://schemas.microsoft.com/office/powerpoint/2010/main" val="2539014857"/>
+      </p:ext>
+    </p:extLst>
+  </p:cSld>
+  <p:clrMapOvr>
+    <a:masterClrMapping/>
+  </p:clrMapOvr>
+</p:sld>
+</file>
+
+<file path=ppt/slides/slide31.xml><?xml version="1.0" encoding="utf-8"?>
+<p:sld xmlns:a="http://schemas.openxmlformats.org/drawingml/2006/main" xmlns:r="http://schemas.openxmlformats.org/officeDocument/2006/relationships" xmlns:p="http://schemas.openxmlformats.org/presentationml/2006/main">
+  <p:cSld>
+    <p:spTree>
+      <p:nvGrpSpPr>
+        <p:cNvPr id="1" name=""/>
+        <p:cNvGrpSpPr/>
+        <p:nvPr/>
+      </p:nvGrpSpPr>
+      <p:grpSpPr>
+        <a:xfrm>
+          <a:off x="0" y="0"/>
+          <a:ext cx="0" cy="0"/>
+          <a:chOff x="0" y="0"/>
+          <a:chExt cx="0" cy="0"/>
+        </a:xfrm>
+      </p:grpSpPr>
+      <p:sp>
+        <p:nvSpPr>
+          <p:cNvPr id="4" name="Title 3"/>
+          <p:cNvSpPr>
+            <a:spLocks noGrp="1"/>
+          </p:cNvSpPr>
+          <p:nvPr>
+            <p:ph type="title"/>
+          </p:nvPr>
+        </p:nvSpPr>
+        <p:spPr/>
+        <p:txBody>
+          <a:bodyPr/>
+          <a:lstStyle/>
+          <a:p>
+            <a:r>
+              <a:rPr lang="en-US" dirty="0"/>
+              <a:t>Query Store</a:t>
+            </a:r>
+          </a:p>
+        </p:txBody>
+      </p:sp>
+      <p:sp>
+        <p:nvSpPr>
+          <p:cNvPr id="2" name="Rectangle 1">
+            <a:extLst>
+              <a:ext uri="{FF2B5EF4-FFF2-40B4-BE49-F238E27FC236}">
+                <a16:creationId xmlns:a16="http://schemas.microsoft.com/office/drawing/2014/main" id="{3A456A49-D9F1-4953-8152-0834928543C1}"/>
+              </a:ext>
+            </a:extLst>
+          </p:cNvPr>
+          <p:cNvSpPr/>
+          <p:nvPr/>
+        </p:nvSpPr>
+        <p:spPr>
+          <a:xfrm>
+            <a:off x="223900" y="1463608"/>
+            <a:ext cx="11968099" cy="4782848"/>
+          </a:xfrm>
+          <a:prstGeom prst="rect">
+            <a:avLst/>
+          </a:prstGeom>
+        </p:spPr>
+        <p:txBody>
+          <a:bodyPr wrap="square">
+            <a:spAutoFit/>
+          </a:bodyPr>
+          <a:lstStyle/>
+          <a:p>
+            <a:pPr marL="483855" indent="-483855">
+              <a:buFont typeface="Arial" panose="020B0604020202020204" pitchFamily="34" charset="0"/>
+              <a:buChar char="•"/>
+            </a:pPr>
+            <a:r>
+              <a:rPr lang="en-US" sz="3810" dirty="0">
+                <a:latin typeface="Panton" panose="00000500000000000000" pitchFamily="50" charset="0"/>
+              </a:rPr>
+              <a:t>New in SQL 2016, even better in SQL 2017.</a:t>
+            </a:r>
+          </a:p>
+          <a:p>
+            <a:pPr marL="483855" indent="-483855">
+              <a:buFont typeface="Arial" panose="020B0604020202020204" pitchFamily="34" charset="0"/>
+              <a:buChar char="•"/>
+            </a:pPr>
+            <a:r>
+              <a:rPr lang="en-US" sz="3810" dirty="0">
+                <a:latin typeface="Panton" panose="00000500000000000000" pitchFamily="50" charset="0"/>
+              </a:rPr>
+              <a:t>Starting with SQL 2017, Query Store tracks </a:t>
+            </a:r>
+            <a:br>
+              <a:rPr lang="en-US" sz="3810" dirty="0">
+                <a:latin typeface="Panton" panose="00000500000000000000" pitchFamily="50" charset="0"/>
+              </a:rPr>
+            </a:br>
+            <a:r>
+              <a:rPr lang="en-US" sz="3810" dirty="0">
+                <a:latin typeface="Panton" panose="00000500000000000000" pitchFamily="50" charset="0"/>
+              </a:rPr>
+              <a:t>Wait Stats too!</a:t>
+            </a:r>
+          </a:p>
+          <a:p>
+            <a:pPr marL="483855" indent="-483855">
+              <a:buFont typeface="Arial" panose="020B0604020202020204" pitchFamily="34" charset="0"/>
+              <a:buChar char="•"/>
+            </a:pPr>
+            <a:r>
+              <a:rPr lang="en-US" sz="3810" dirty="0">
+                <a:latin typeface="Panton" panose="00000500000000000000" pitchFamily="50" charset="0"/>
+              </a:rPr>
+              <a:t>A feature that was developed for Azure SQL first.</a:t>
+            </a:r>
+          </a:p>
+          <a:p>
+            <a:pPr marL="483855" indent="-483855">
+              <a:buFont typeface="Arial" panose="020B0604020202020204" pitchFamily="34" charset="0"/>
+              <a:buChar char="•"/>
+            </a:pPr>
+            <a:r>
+              <a:rPr lang="en-US" sz="3810" dirty="0">
+                <a:latin typeface="Panton" panose="00000500000000000000" pitchFamily="50" charset="0"/>
+              </a:rPr>
+              <a:t>Tracks the performance of queries – not of execution plans – a distinct difference. Can detect when a query has suffered a degradation in performance because its query plan has changed.</a:t>
+            </a:r>
+          </a:p>
+        </p:txBody>
+      </p:sp>
+    </p:spTree>
+    <p:extLst>
+      <p:ext uri="{BB962C8B-B14F-4D97-AF65-F5344CB8AC3E}">
+        <p14:creationId xmlns:p14="http://schemas.microsoft.com/office/powerpoint/2010/main" val="3647655776"/>
       </p:ext>
     </p:extLst>
   </p:cSld>
@@ -19464,7 +19997,7 @@
 </file>
 
 <file path=ppt/slides/slide34.xml><?xml version="1.0" encoding="utf-8"?>
-<p:sld xmlns:a="http://schemas.openxmlformats.org/drawingml/2006/main" xmlns:r="http://schemas.openxmlformats.org/officeDocument/2006/relationships" xmlns:p="http://schemas.openxmlformats.org/presentationml/2006/main">
+<p:sld xmlns:a="http://schemas.openxmlformats.org/drawingml/2006/main" xmlns:r="http://schemas.openxmlformats.org/officeDocument/2006/relationships" xmlns:p="http://schemas.openxmlformats.org/presentationml/2006/main" show="0">
   <p:cSld>
     <p:spTree>
       <p:nvGrpSpPr>
@@ -21078,7 +21611,7 @@
         <p:spPr>
           <a:xfrm>
             <a:off x="223900" y="1604710"/>
-            <a:ext cx="11564913" cy="4524315"/>
+            <a:ext cx="11564913" cy="3170099"/>
           </a:xfrm>
           <a:prstGeom prst="rect">
             <a:avLst/>
@@ -21095,7 +21628,7 @@
               <a:buChar char="•"/>
             </a:pPr>
             <a:r>
-              <a:rPr lang="en-US" sz="4800" dirty="0">
+              <a:rPr lang="en-US" sz="4000" dirty="0">
                 <a:latin typeface="Panton" panose="00000500000000000000" pitchFamily="50" charset="0"/>
               </a:rPr>
               <a:t>“Automatic Plan Tuning” is based on Query Store </a:t>
@@ -21106,7 +21639,7 @@
               <a:buFont typeface="Arial" panose="020B0604020202020204" pitchFamily="34" charset="0"/>
               <a:buChar char="•"/>
             </a:pPr>
-            <a:endParaRPr lang="en-US" sz="4800" dirty="0">
+            <a:endParaRPr lang="en-US" sz="4000" dirty="0">
               <a:latin typeface="Panton" panose="00000500000000000000" pitchFamily="50" charset="0"/>
             </a:endParaRPr>
           </a:p>
@@ -21116,7 +21649,7 @@
               <a:buChar char="•"/>
             </a:pPr>
             <a:r>
-              <a:rPr lang="en-US" sz="4800" dirty="0">
+              <a:rPr lang="en-US" sz="4000" dirty="0">
                 <a:latin typeface="Panton" panose="00000500000000000000" pitchFamily="50" charset="0"/>
               </a:rPr>
               <a:t>Available in Azure SQL and now in SQL 2017 to revert a query from a newer, slower plan to an older, faster plan.</a:t>
@@ -22752,7 +23285,7 @@
         <p:spPr>
           <a:xfrm>
             <a:off x="223900" y="1209267"/>
-            <a:ext cx="11564913" cy="4993931"/>
+            <a:ext cx="11564913" cy="4378378"/>
           </a:xfrm>
           <a:prstGeom prst="rect">
             <a:avLst/>
@@ -22784,7 +23317,7 @@
               <a:rPr lang="en-US" sz="4000" dirty="0">
                 <a:latin typeface="Panton" panose="00000500000000000000" pitchFamily="50" charset="0"/>
               </a:rPr>
-              <a:t>Once you turn-on this option, Database Engine will automatically </a:t>
+              <a:t>Database Engine will automatically </a:t>
             </a:r>
             <a:r>
               <a:rPr lang="en-US" sz="4000" b="1" dirty="0">
@@ -24793,50 +25326,46 @@
           <a:lstStyle/>
           <a:p>
             <a:r>
+              <a:rPr lang="en-US" sz="4000" b="0" dirty="0"/>
+              <a:t>Will still show tables without clustered indexes as </a:t>
+            </a:r>
+            <a:r>
+              <a:rPr lang="en-US" sz="4000" b="0" dirty="0" err="1"/>
+              <a:t>Index_id</a:t>
+            </a:r>
+            <a:r>
+              <a:rPr lang="en-US" sz="4000" b="0" dirty="0"/>
+              <a:t> = 0, this is a HEAP. Almost always, a heap is poor design or an oversight.</a:t>
+            </a:r>
+          </a:p>
+          <a:p>
+            <a:br>
+              <a:rPr lang="en-US" sz="4000" b="0" dirty="0"/>
+            </a:br>
+            <a:r>
+              <a:rPr lang="en-US" sz="4000" b="0" dirty="0"/>
+              <a:t>However, heap fragmentation isn’t meaningful.</a:t>
+            </a:r>
+          </a:p>
+          <a:p>
+            <a:pPr lvl="1"/>
+            <a:r>
+              <a:rPr lang="en-US" sz="3600" b="0" dirty="0" err="1"/>
+              <a:t>Index_ID</a:t>
+            </a:r>
+            <a:r>
               <a:rPr lang="en-US" sz="3600" b="0" dirty="0"/>
-              <a:t>Will still show tables without clustered indexes as </a:t>
-            </a:r>
+              <a:t> = 1 is the clustered index.  </a:t>
+            </a:r>
+          </a:p>
+          <a:p>
+            <a:pPr lvl="1"/>
             <a:r>
               <a:rPr lang="en-US" sz="3600" b="0" dirty="0" err="1"/>
-              <a:t>Index_id</a:t>
+              <a:t>Index_ID</a:t>
             </a:r>
             <a:r>
               <a:rPr lang="en-US" sz="3600" b="0" dirty="0"/>
-              <a:t> = 0, this is a HEAP. </a:t>
-            </a:r>
-          </a:p>
-          <a:p>
-            <a:r>
-              <a:rPr lang="en-US" sz="3600" b="0" dirty="0"/>
-              <a:t>Almost always, a heap is poor design or an oversight.</a:t>
-            </a:r>
-            <a:br>
-              <a:rPr lang="en-US" sz="3600" b="0" dirty="0"/>
-            </a:br>
-            <a:r>
-              <a:rPr lang="en-US" sz="3600" b="0" dirty="0"/>
-              <a:t>However, heap fragmentation isn’t really meaningful.</a:t>
-            </a:r>
-          </a:p>
-          <a:p>
-            <a:pPr lvl="1"/>
-            <a:r>
-              <a:rPr lang="en-US" sz="3200" b="0" dirty="0" err="1"/>
-              <a:t>Index_ID</a:t>
-            </a:r>
-            <a:r>
-              <a:rPr lang="en-US" sz="3200" b="0" dirty="0"/>
-              <a:t> = 1 is the clustered index.  </a:t>
-            </a:r>
-          </a:p>
-          <a:p>
-            <a:pPr lvl="1"/>
-            <a:r>
-              <a:rPr lang="en-US" sz="3200" b="0" dirty="0" err="1"/>
-              <a:t>Index_ID</a:t>
-            </a:r>
-            <a:r>
-              <a:rPr lang="en-US" sz="3200" b="0" dirty="0"/>
               <a:t> &gt;= 2 is every other index.</a:t>
             </a:r>
           </a:p>
@@ -24949,7 +25478,7 @@
         </p:spPr>
         <p:txBody>
           <a:bodyPr>
-            <a:normAutofit lnSpcReduction="10000"/>
+            <a:normAutofit fontScale="92500" lnSpcReduction="20000"/>
           </a:bodyPr>
           <a:lstStyle/>
           <a:p>
@@ -24977,61 +25506,82 @@
             <a:r>
               <a:rPr lang="en-US" sz="4000" dirty="0"/>
               <a:t>Don’t worry – slides and samples will be posted on my blog at </a:t>
-            </a:r>
-            <a:r>
-              <a:rPr lang="en-US" sz="4000" u="sng" dirty="0"/>
-              <a:t>SQLTact.com</a:t>
-            </a:r>
-          </a:p>
-          <a:p>
-            <a:endParaRPr lang="en-US" sz="4000" u="sng" dirty="0"/>
-          </a:p>
-          <a:p>
-            <a:r>
-              <a:rPr lang="en-US" sz="4000" dirty="0"/>
-              <a:t>Toolbox available for all Labs on </a:t>
-            </a:r>
-            <a:r>
-              <a:rPr lang="en-US" sz="4000" dirty="0" err="1"/>
-              <a:t>Github</a:t>
-            </a:r>
-            <a:r>
-              <a:rPr lang="en-US" sz="4000" dirty="0"/>
-              <a:t>:</a:t>
-            </a:r>
-          </a:p>
-          <a:p>
-            <a:r>
-              <a:rPr lang="en-US" sz="4000" dirty="0"/>
-              <a:t>	</a:t>
             </a:r>
             <a:r>
               <a:rPr lang="en-US" sz="4000" dirty="0">
                 <a:hlinkClick r:id="rId2"/>
               </a:rPr>
+              <a:t>SQLTact.com</a:t>
+            </a:r>
+            <a:endParaRPr lang="en-US" sz="4000" dirty="0"/>
+          </a:p>
+          <a:p>
+            <a:r>
+              <a:rPr lang="en-US" sz="4000" dirty="0"/>
+              <a:t>Some labs use Microsoft’s </a:t>
+            </a:r>
+            <a:r>
+              <a:rPr lang="en-US" sz="4000" dirty="0" err="1"/>
+              <a:t>WideWorldImporters</a:t>
+            </a:r>
+            <a:r>
+              <a:rPr lang="en-US" sz="4000" dirty="0"/>
+              <a:t> sample database: </a:t>
+            </a:r>
+            <a:r>
+              <a:rPr lang="en-US" sz="2600" dirty="0">
+                <a:hlinkClick r:id="rId3"/>
+              </a:rPr>
+              <a:t>https://github.com/Microsoft/sql-server-samples/releases/tag/widWideWorldImporters-Full.bake-world-importers-v1.0</a:t>
+            </a:r>
+            <a:endParaRPr lang="en-US" sz="4000" dirty="0"/>
+          </a:p>
+          <a:p>
+            <a:r>
+              <a:rPr lang="en-US" sz="4000" dirty="0"/>
+              <a:t>Toolbox for all Labs on </a:t>
+            </a:r>
+            <a:r>
+              <a:rPr lang="en-US" sz="4000" dirty="0" err="1"/>
+              <a:t>Github</a:t>
+            </a:r>
+            <a:r>
+              <a:rPr lang="en-US" sz="4000" dirty="0"/>
+              <a:t>:</a:t>
+            </a:r>
+          </a:p>
+          <a:p>
+            <a:r>
+              <a:rPr lang="en-US" sz="4000" dirty="0"/>
+              <a:t>	</a:t>
+            </a:r>
+            <a:r>
+              <a:rPr lang="en-US" sz="4000" dirty="0">
+                <a:hlinkClick r:id="rId4"/>
+              </a:rPr>
               <a:t>github.com/</a:t>
             </a:r>
             <a:r>
               <a:rPr lang="en-US" sz="4000" dirty="0" err="1">
-                <a:hlinkClick r:id="rId2"/>
+                <a:hlinkClick r:id="rId4"/>
               </a:rPr>
               <a:t>sparkhoundsql</a:t>
             </a:r>
             <a:r>
               <a:rPr lang="en-US" sz="4000" dirty="0">
-                <a:hlinkClick r:id="rId2"/>
+                <a:hlinkClick r:id="rId4"/>
               </a:rPr>
               <a:t>/</a:t>
             </a:r>
             <a:r>
               <a:rPr lang="en-US" sz="4000" dirty="0" err="1">
-                <a:hlinkClick r:id="rId2"/>
+                <a:hlinkClick r:id="rId4"/>
               </a:rPr>
               <a:t>sql</a:t>
             </a:r>
             <a:r>
               <a:rPr lang="en-US" sz="4000" dirty="0">
-                <a:hlinkClick r:id="rId2"/>
+                <a:hlinkClick r:id="rId4"/>
               </a:rPr>
               <a:t>-server-toolbox</a:t>
             </a:r>
@@ -25316,7 +25866,7 @@
                                         <p:tgtEl>
                                           <p:spTgt spid="2">
                                             <p:txEl>
-                                              <p:pRg st="6" end="6"/>
+                                              <p:pRg st="5" end="5"/>
                                             </p:txEl>
                                           </p:spTgt>
                                         </p:tgtEl>
@@ -25358,6 +25908,55 @@
                                     <p:set>
                                       <p:cBhvr>
                                         <p:cTn id="26" dur="1" fill="hold">
+                                          <p:stCondLst>
+                                            <p:cond delay="0"/>
+                                          </p:stCondLst>
+                                        </p:cTn>
+                                        <p:tgtEl>
+                                          <p:spTgt spid="2">
+                                            <p:txEl>
+                                              <p:pRg st="6" end="6"/>
+                                            </p:txEl>
+                                          </p:spTgt>
+                                        </p:tgtEl>
+                                        <p:attrNameLst>
+                                          <p:attrName>style.visibility</p:attrName>
+                                        </p:attrNameLst>
+                                      </p:cBhvr>
+                                      <p:to>
+                                        <p:strVal val="visible"/>
+                                      </p:to>
+                                    </p:set>
+                                  </p:childTnLst>
+                                </p:cTn>
+                              </p:par>
+                            </p:childTnLst>
+                          </p:cTn>
+                        </p:par>
+                      </p:childTnLst>
+                    </p:cTn>
+                  </p:par>
+                  <p:par>
+                    <p:cTn id="27" fill="hold">
+                      <p:stCondLst>
+                        <p:cond delay="indefinite"/>
+                      </p:stCondLst>
+                      <p:childTnLst>
+                        <p:par>
+                          <p:cTn id="28" fill="hold">
+                            <p:stCondLst>
+                              <p:cond delay="0"/>
+                            </p:stCondLst>
+                            <p:childTnLst>
+                              <p:par>
+                                <p:cTn id="29" presetID="1" presetClass="entr" presetSubtype="0" fill="hold" grpId="0" nodeType="clickEffect">
+                                  <p:stCondLst>
+                                    <p:cond delay="0"/>
+                                  </p:stCondLst>
+                                  <p:childTnLst>
+                                    <p:set>
+                                      <p:cBhvr>
+                                        <p:cTn id="30" dur="1" fill="hold">
                                           <p:stCondLst>
                                             <p:cond delay="0"/>
                                           </p:stCondLst>
@@ -25506,7 +26105,7 @@
             </a:r>
             <a:r>
               <a:rPr lang="en-US" sz="3200" b="0" dirty="0"/>
-              <a:t> &gt;30, but this may vary.</a:t>
+              <a:t> &gt; 10, but this may vary.</a:t>
             </a:r>
           </a:p>
           <a:p>
@@ -25516,7 +26115,7 @@
             </a:pPr>
             <a:r>
               <a:rPr lang="en-US" sz="3200" b="0" dirty="0"/>
-              <a:t>You may find meaningful performance protection with less aggressive maintenance &gt; 50.</a:t>
+              <a:t>You may find a better balance of meaningful performance protection and logged maintenance activity with less aggressive maintenance &gt; 50.</a:t>
             </a:r>
           </a:p>
           <a:p>
@@ -25836,12 +26435,6 @@
               <a:rPr lang="en-US" sz="4000" dirty="0"/>
               <a:t>When to use?</a:t>
             </a:r>
-          </a:p>
-          <a:p>
-            <a:pPr>
-              <a:buNone/>
-            </a:pPr>
-            <a:endParaRPr lang="en-US" sz="4000" dirty="0"/>
           </a:p>
           <a:p>
             <a:r>
@@ -26991,7 +27584,7 @@
 </file>
 
 <file path=ppt/slides/slide56.xml><?xml version="1.0" encoding="utf-8"?>
-<p:sld xmlns:a="http://schemas.openxmlformats.org/drawingml/2006/main" xmlns:r="http://schemas.openxmlformats.org/officeDocument/2006/relationships" xmlns:p="http://schemas.openxmlformats.org/presentationml/2006/main">
+<p:sld xmlns:a="http://schemas.openxmlformats.org/drawingml/2006/main" xmlns:r="http://schemas.openxmlformats.org/officeDocument/2006/relationships" xmlns:p="http://schemas.openxmlformats.org/presentationml/2006/main" show="0">
   <p:cSld>
     <p:spTree>
       <p:nvGrpSpPr>
@@ -29797,45 +30390,45 @@
           <a:lstStyle/>
           <a:p>
             <a:r>
-              <a:rPr lang="en-US" sz="3200" b="0" dirty="0"/>
+              <a:rPr lang="en-US" sz="4000" b="0" dirty="0"/>
               <a:t>You may find it necessary to REORGANIZE a Columnstore index multiple times before the </a:t>
             </a:r>
             <a:r>
-              <a:rPr lang="en-US" sz="3200" b="0" dirty="0" err="1"/>
+              <a:rPr lang="en-US" sz="4000" b="0" dirty="0" err="1"/>
               <a:t>rowgroups</a:t>
             </a:r>
             <a:r>
-              <a:rPr lang="en-US" sz="3200" b="0" dirty="0"/>
+              <a:rPr lang="en-US" sz="4000" b="0" dirty="0"/>
               <a:t> are compressed and the delta store </a:t>
             </a:r>
             <a:r>
-              <a:rPr lang="en-US" sz="3200" b="0" dirty="0" err="1"/>
+              <a:rPr lang="en-US" sz="4000" b="0" dirty="0" err="1"/>
               <a:t>rowgroups</a:t>
             </a:r>
             <a:r>
-              <a:rPr lang="en-US" sz="3200" b="0" dirty="0"/>
+              <a:rPr lang="en-US" sz="4000" b="0" dirty="0"/>
               <a:t> are moved to TOMBSTONE status.</a:t>
             </a:r>
           </a:p>
           <a:p>
-            <a:endParaRPr lang="en-US" sz="3200" b="0" dirty="0"/>
-          </a:p>
-          <a:p>
-            <a:r>
-              <a:rPr lang="en-US" sz="3200" dirty="0"/>
+            <a:endParaRPr lang="en-US" sz="4000" b="0" dirty="0"/>
+          </a:p>
+          <a:p>
+            <a:r>
+              <a:rPr lang="en-US" sz="4000" dirty="0"/>
               <a:t>Lab:</a:t>
             </a:r>
           </a:p>
           <a:p>
             <a:r>
-              <a:rPr lang="en-US" sz="3200" b="0" dirty="0"/>
+              <a:rPr lang="en-US" sz="4000" b="0" dirty="0"/>
               <a:t>Defrag </a:t>
             </a:r>
             <a:r>
-              <a:rPr lang="en-US" sz="3200" b="0" dirty="0" err="1"/>
+              <a:rPr lang="en-US" sz="4000" b="0" dirty="0" err="1"/>
               <a:t>Columnstore.sql</a:t>
             </a:r>
-            <a:endParaRPr lang="en-US" sz="3200" b="0" dirty="0"/>
+            <a:endParaRPr lang="en-US" sz="4000" b="0" dirty="0"/>
           </a:p>
         </p:txBody>
       </p:sp>
@@ -31248,7 +31841,15 @@
             </a:r>
             <a:r>
               <a:rPr lang="en-US" sz="3200" dirty="0"/>
-              <a:t> use this to create new indexes.</a:t>
+              <a:t> use this to create new indexes. Very few queries are important enough to deserve their </a:t>
+            </a:r>
+            <a:r>
+              <a:rPr lang="en-US" sz="3200" i="1" dirty="0"/>
+              <a:t>own indexes</a:t>
+            </a:r>
+            <a:r>
+              <a:rPr lang="en-US" sz="3200" dirty="0"/>
+              <a:t>.</a:t>
             </a:r>
           </a:p>
           <a:p>
@@ -31271,22 +31872,14 @@
             </a:r>
             <a:r>
               <a:rPr lang="en-US" sz="3200" dirty="0"/>
-              <a:t>, before creating any indexes.</a:t>
+              <a:t> before creating any indexes.</a:t>
             </a:r>
           </a:p>
           <a:p>
             <a:pPr lvl="1"/>
             <a:r>
               <a:rPr lang="en-US" sz="3200" dirty="0"/>
-              <a:t>Treat this as an alert that you </a:t>
-            </a:r>
-            <a:r>
-              <a:rPr lang="en-US" sz="3200" i="1" dirty="0"/>
-              <a:t>may</a:t>
-            </a:r>
-            <a:r>
-              <a:rPr lang="en-US" sz="3200" dirty="0"/>
-              <a:t> need to pay some attention to the missing indexes DMVs.</a:t>
+              <a:t>Treat this as an alert! </a:t>
             </a:r>
           </a:p>
         </p:txBody>
@@ -33028,27 +33621,27 @@
           <a:p>
             <a:pPr marL="57150" indent="0"/>
             <a:r>
-              <a:rPr lang="en-US" sz="2800" dirty="0"/>
+              <a:rPr lang="en-US" sz="4400" dirty="0"/>
               <a:t>Lab</a:t>
             </a:r>
           </a:p>
           <a:p>
             <a:r>
-              <a:rPr lang="en-US" sz="2800" b="0" dirty="0" err="1"/>
+              <a:rPr lang="en-US" sz="4400" b="0" dirty="0" err="1"/>
               <a:t>dm_os_performance_counters.sql</a:t>
             </a:r>
-            <a:endParaRPr lang="en-US" sz="2800" b="0" dirty="0"/>
-          </a:p>
-          <a:p>
-            <a:r>
-              <a:rPr lang="en-US" sz="2800" b="0" dirty="0"/>
+            <a:endParaRPr lang="en-US" sz="4400" b="0" dirty="0"/>
+          </a:p>
+          <a:p>
+            <a:r>
+              <a:rPr lang="en-US" sz="4400" b="0" dirty="0"/>
               <a:t>page life </a:t>
             </a:r>
             <a:r>
-              <a:rPr lang="en-US" sz="2800" b="0" dirty="0" err="1"/>
+              <a:rPr lang="en-US" sz="4400" b="0" dirty="0" err="1"/>
               <a:t>expectancy.sql</a:t>
             </a:r>
-            <a:endParaRPr lang="en-US" sz="2800" b="0" dirty="0"/>
+            <a:endParaRPr lang="en-US" sz="4400" b="0" dirty="0"/>
           </a:p>
         </p:txBody>
       </p:sp>
@@ -33763,7 +34356,7 @@
         </p:spPr>
         <p:txBody>
           <a:bodyPr>
-            <a:normAutofit lnSpcReduction="10000"/>
+            <a:normAutofit fontScale="92500"/>
           </a:bodyPr>
           <a:lstStyle/>
           <a:p>
@@ -33773,36 +34366,43 @@
             </a:r>
             <a:r>
               <a:rPr lang="en-US" sz="4000" dirty="0"/>
-              <a:t> SQL 2005.</a:t>
+              <a:t> SQL 2005 (90).</a:t>
             </a:r>
           </a:p>
           <a:p>
             <a:pPr lvl="1"/>
             <a:r>
-              <a:rPr lang="en-US" sz="3600" dirty="0"/>
-              <a:t>Individual databases must also be in SQL 2005 (90) </a:t>
-            </a:r>
-            <a:r>
-              <a:rPr lang="en-US" sz="3600" i="1" dirty="0"/>
+              <a:rPr lang="en-US" sz="3500" dirty="0"/>
+              <a:t>Some database-level DMV’s require the database to be in the needed </a:t>
+            </a:r>
+            <a:r>
+              <a:rPr lang="en-US" sz="3500" i="1" dirty="0"/>
               <a:t>compatibility mode</a:t>
             </a:r>
             <a:r>
-              <a:rPr lang="en-US" sz="3600" dirty="0"/>
+              <a:rPr lang="en-US" sz="3500" dirty="0"/>
               <a:t> or higher</a:t>
             </a:r>
           </a:p>
           <a:p>
             <a:pPr lvl="1"/>
             <a:r>
-              <a:rPr lang="en-US" sz="3600" dirty="0"/>
-              <a:t>Some towards the end of the presentation have been introduced more recently – will note, including those introduced in SQL 2019, often also included for older versions via Service Packs or Cumulative Updates.</a:t>
-            </a:r>
-            <a:endParaRPr lang="en-US" sz="4000" dirty="0"/>
-          </a:p>
-          <a:p>
-            <a:r>
-              <a:rPr lang="en-US" sz="4000" dirty="0"/>
-              <a:t>If you’re still administering SQL 2000 servers, ouch!</a:t>
+              <a:rPr lang="en-US" sz="3500" dirty="0"/>
+              <a:t>Some towards the end of the presentation have been introduced more recently, including some in SQL 2019</a:t>
+            </a:r>
+          </a:p>
+          <a:p>
+            <a:pPr lvl="1"/>
+            <a:r>
+              <a:rPr lang="en-US" sz="3500" dirty="0"/>
+              <a:t>Often, DMV changes are included for older versions via Service Packs or Cumulative Updates.</a:t>
+            </a:r>
+          </a:p>
+          <a:p>
+            <a:pPr lvl="1"/>
+            <a:r>
+              <a:rPr lang="en-US" sz="3500" dirty="0"/>
+              <a:t>Most of this content applies to SQL Server, Azure SQL, SQL on Linux, and Azure SQL Managed Instance.</a:t>
             </a:r>
           </a:p>
         </p:txBody>
@@ -34028,6 +34628,37 @@
                                           <p:spTgt spid="3">
                                             <p:txEl>
                                               <p:pRg st="3" end="3"/>
+                                            </p:txEl>
+                                          </p:spTgt>
+                                        </p:tgtEl>
+                                        <p:attrNameLst>
+                                          <p:attrName>style.visibility</p:attrName>
+                                        </p:attrNameLst>
+                                      </p:cBhvr>
+                                      <p:to>
+                                        <p:strVal val="visible"/>
+                                      </p:to>
+                                    </p:set>
+                                  </p:childTnLst>
+                                </p:cTn>
+                              </p:par>
+                              <p:par>
+                                <p:cTn id="19" presetID="1" presetClass="entr" presetSubtype="0" fill="hold" grpId="0" nodeType="withEffect">
+                                  <p:stCondLst>
+                                    <p:cond delay="0"/>
+                                  </p:stCondLst>
+                                  <p:childTnLst>
+                                    <p:set>
+                                      <p:cBhvr>
+                                        <p:cTn id="20" dur="1" fill="hold">
+                                          <p:stCondLst>
+                                            <p:cond delay="0"/>
+                                          </p:stCondLst>
+                                        </p:cTn>
+                                        <p:tgtEl>
+                                          <p:spTgt spid="3">
+                                            <p:txEl>
+                                              <p:pRg st="4" end="4"/>
                                             </p:txEl>
                                           </p:spTgt>
                                         </p:tgtEl>

--- a/SQLSat Pensacola 2019/DBA Best Practices with DMVs.pptx
+++ b/SQLSat Pensacola 2019/DBA Best Practices with DMVs.pptx
@@ -56,9 +56,9 @@
     <p:sldId id="336" r:id="rId44"/>
     <p:sldId id="335" r:id="rId45"/>
     <p:sldId id="273" r:id="rId46"/>
-    <p:sldId id="343" r:id="rId47"/>
-    <p:sldId id="374" r:id="rId48"/>
-    <p:sldId id="345" r:id="rId49"/>
+    <p:sldId id="345" r:id="rId47"/>
+    <p:sldId id="343" r:id="rId48"/>
+    <p:sldId id="374" r:id="rId49"/>
     <p:sldId id="387" r:id="rId50"/>
     <p:sldId id="263" r:id="rId51"/>
     <p:sldId id="289" r:id="rId52"/>
@@ -247,7 +247,7 @@
 <file path=ppt/revisionInfo.xml><?xml version="1.0" encoding="utf-8"?>
 <p1510:revInfo xmlns:a="http://schemas.openxmlformats.org/drawingml/2006/main" xmlns:r="http://schemas.openxmlformats.org/officeDocument/2006/relationships" xmlns:p1510="http://schemas.microsoft.com/office/powerpoint/2015/10/main">
   <p1510:revLst>
-    <p1510:client id="{E43EA3F4-5CFF-4A8A-9561-5E0414B33ACD}" v="996" dt="2019-06-29T03:38:10.258"/>
+    <p1510:client id="{E43EA3F4-5CFF-4A8A-9561-5E0414B33ACD}" v="1005" dt="2019-06-29T15:49:00.993"/>
   </p1510:revLst>
 </p1510:revInfo>
 </file>
@@ -257,7 +257,7 @@
   <pc:docChgLst>
     <pc:chgData name="william a" userId="c66c7249b60d4ab2" providerId="LiveId" clId="{E43EA3F4-5CFF-4A8A-9561-5E0414B33ACD}"/>
     <pc:docChg chg="undo custSel addSld delSld modSld sldOrd">
-      <pc:chgData name="william a" userId="c66c7249b60d4ab2" providerId="LiveId" clId="{E43EA3F4-5CFF-4A8A-9561-5E0414B33ACD}" dt="2019-06-29T03:38:26.350" v="4505" actId="27636"/>
+      <pc:chgData name="william a" userId="c66c7249b60d4ab2" providerId="LiveId" clId="{E43EA3F4-5CFF-4A8A-9561-5E0414B33ACD}" dt="2019-06-29T15:49:00.993" v="4550"/>
       <pc:docMkLst>
         <pc:docMk/>
       </pc:docMkLst>
@@ -275,6 +275,13 @@
             <ac:spMk id="5" creationId="{00000000-0000-0000-0000-000000000000}"/>
           </ac:spMkLst>
         </pc:spChg>
+      </pc:sldChg>
+      <pc:sldChg chg="modAnim">
+        <pc:chgData name="william a" userId="c66c7249b60d4ab2" providerId="LiveId" clId="{E43EA3F4-5CFF-4A8A-9561-5E0414B33ACD}" dt="2019-06-29T15:49:00.993" v="4550"/>
+        <pc:sldMkLst>
+          <pc:docMk/>
+          <pc:sldMk cId="0" sldId="263"/>
+        </pc:sldMkLst>
       </pc:sldChg>
       <pc:sldChg chg="modSp">
         <pc:chgData name="william a" userId="c66c7249b60d4ab2" providerId="LiveId" clId="{E43EA3F4-5CFF-4A8A-9561-5E0414B33ACD}" dt="2019-06-24T19:42:54.234" v="408" actId="20577"/>
@@ -769,13 +776,13 @@
         </pc:picChg>
       </pc:sldChg>
       <pc:sldChg chg="modSp">
-        <pc:chgData name="william a" userId="c66c7249b60d4ab2" providerId="LiveId" clId="{E43EA3F4-5CFF-4A8A-9561-5E0414B33ACD}" dt="2019-06-29T03:23:04.357" v="4141" actId="27636"/>
+        <pc:chgData name="william a" userId="c66c7249b60d4ab2" providerId="LiveId" clId="{E43EA3F4-5CFF-4A8A-9561-5E0414B33ACD}" dt="2019-06-29T15:45:18.693" v="4528" actId="1036"/>
         <pc:sldMkLst>
           <pc:docMk/>
           <pc:sldMk cId="2243704929" sldId="328"/>
         </pc:sldMkLst>
         <pc:spChg chg="mod">
-          <ac:chgData name="william a" userId="c66c7249b60d4ab2" providerId="LiveId" clId="{E43EA3F4-5CFF-4A8A-9561-5E0414B33ACD}" dt="2019-06-29T03:23:04.357" v="4141" actId="27636"/>
+          <ac:chgData name="william a" userId="c66c7249b60d4ab2" providerId="LiveId" clId="{E43EA3F4-5CFF-4A8A-9561-5E0414B33ACD}" dt="2019-06-29T15:45:18.693" v="4528" actId="1036"/>
           <ac:spMkLst>
             <pc:docMk/>
             <pc:sldMk cId="2243704929" sldId="328"/>
@@ -829,13 +836,13 @@
         </pc:spChg>
       </pc:sldChg>
       <pc:sldChg chg="modSp modAnim">
-        <pc:chgData name="william a" userId="c66c7249b60d4ab2" providerId="LiveId" clId="{E43EA3F4-5CFF-4A8A-9561-5E0414B33ACD}" dt="2019-06-29T03:36:01.821" v="4488" actId="20577"/>
+        <pc:chgData name="william a" userId="c66c7249b60d4ab2" providerId="LiveId" clId="{E43EA3F4-5CFF-4A8A-9561-5E0414B33ACD}" dt="2019-06-29T15:47:35.288" v="4545"/>
         <pc:sldMkLst>
           <pc:docMk/>
           <pc:sldMk cId="2254391894" sldId="338"/>
         </pc:sldMkLst>
         <pc:spChg chg="mod">
-          <ac:chgData name="william a" userId="c66c7249b60d4ab2" providerId="LiveId" clId="{E43EA3F4-5CFF-4A8A-9561-5E0414B33ACD}" dt="2019-06-29T03:36:01.821" v="4488" actId="20577"/>
+          <ac:chgData name="william a" userId="c66c7249b60d4ab2" providerId="LiveId" clId="{E43EA3F4-5CFF-4A8A-9561-5E0414B33ACD}" dt="2019-06-29T15:47:18.984" v="4544" actId="12"/>
           <ac:spMkLst>
             <pc:docMk/>
             <pc:sldMk cId="2254391894" sldId="338"/>
@@ -843,8 +850,8 @@
           </ac:spMkLst>
         </pc:spChg>
       </pc:sldChg>
-      <pc:sldChg chg="modSp">
-        <pc:chgData name="william a" userId="c66c7249b60d4ab2" providerId="LiveId" clId="{E43EA3F4-5CFF-4A8A-9561-5E0414B33ACD}" dt="2019-06-24T19:54:31.049" v="545" actId="27636"/>
+      <pc:sldChg chg="modSp ord">
+        <pc:chgData name="william a" userId="c66c7249b60d4ab2" providerId="LiveId" clId="{E43EA3F4-5CFF-4A8A-9561-5E0414B33ACD}" dt="2019-06-29T15:46:59.703" v="4543"/>
         <pc:sldMkLst>
           <pc:docMk/>
           <pc:sldMk cId="3917590187" sldId="343"/>
@@ -858,8 +865,8 @@
           </ac:spMkLst>
         </pc:spChg>
       </pc:sldChg>
-      <pc:sldChg chg="addSp delSp modSp">
-        <pc:chgData name="william a" userId="c66c7249b60d4ab2" providerId="LiveId" clId="{E43EA3F4-5CFF-4A8A-9561-5E0414B33ACD}" dt="2019-06-24T19:54:12.042" v="531" actId="478"/>
+      <pc:sldChg chg="addSp delSp modSp modAnim">
+        <pc:chgData name="william a" userId="c66c7249b60d4ab2" providerId="LiveId" clId="{E43EA3F4-5CFF-4A8A-9561-5E0414B33ACD}" dt="2019-06-29T15:48:48.780" v="4549"/>
         <pc:sldMkLst>
           <pc:docMk/>
           <pc:sldMk cId="871226382" sldId="345"/>
@@ -1010,14 +1017,14 @@
           </ac:spMkLst>
         </pc:spChg>
       </pc:sldChg>
-      <pc:sldChg chg="modSp">
-        <pc:chgData name="william a" userId="c66c7249b60d4ab2" providerId="LiveId" clId="{E43EA3F4-5CFF-4A8A-9561-5E0414B33ACD}" dt="2019-06-24T19:49:33.046" v="525" actId="20577"/>
+      <pc:sldChg chg="modSp ord">
+        <pc:chgData name="william a" userId="c66c7249b60d4ab2" providerId="LiveId" clId="{E43EA3F4-5CFF-4A8A-9561-5E0414B33ACD}" dt="2019-06-29T15:46:51.228" v="4542"/>
         <pc:sldMkLst>
           <pc:docMk/>
           <pc:sldMk cId="1000541029" sldId="374"/>
         </pc:sldMkLst>
         <pc:spChg chg="mod">
-          <ac:chgData name="william a" userId="c66c7249b60d4ab2" providerId="LiveId" clId="{E43EA3F4-5CFF-4A8A-9561-5E0414B33ACD}" dt="2019-06-24T19:49:33.046" v="525" actId="20577"/>
+          <ac:chgData name="william a" userId="c66c7249b60d4ab2" providerId="LiveId" clId="{E43EA3F4-5CFF-4A8A-9561-5E0414B33ACD}" dt="2019-06-29T15:46:36.397" v="4541" actId="20577"/>
           <ac:spMkLst>
             <pc:docMk/>
             <pc:sldMk cId="1000541029" sldId="374"/>
@@ -1071,13 +1078,13 @@
         </pc:spChg>
       </pc:sldChg>
       <pc:sldChg chg="modSp">
-        <pc:chgData name="william a" userId="c66c7249b60d4ab2" providerId="LiveId" clId="{E43EA3F4-5CFF-4A8A-9561-5E0414B33ACD}" dt="2019-06-29T03:14:44.476" v="3460" actId="20577"/>
+        <pc:chgData name="william a" userId="c66c7249b60d4ab2" providerId="LiveId" clId="{E43EA3F4-5CFF-4A8A-9561-5E0414B33ACD}" dt="2019-06-29T15:43:54.591" v="4509" actId="12"/>
         <pc:sldMkLst>
           <pc:docMk/>
           <pc:sldMk cId="2805776003" sldId="389"/>
         </pc:sldMkLst>
         <pc:spChg chg="mod">
-          <ac:chgData name="william a" userId="c66c7249b60d4ab2" providerId="LiveId" clId="{E43EA3F4-5CFF-4A8A-9561-5E0414B33ACD}" dt="2019-06-29T03:14:44.476" v="3460" actId="20577"/>
+          <ac:chgData name="william a" userId="c66c7249b60d4ab2" providerId="LiveId" clId="{E43EA3F4-5CFF-4A8A-9561-5E0414B33ACD}" dt="2019-06-29T15:43:54.591" v="4509" actId="12"/>
           <ac:spMkLst>
             <pc:docMk/>
             <pc:sldMk cId="2805776003" sldId="389"/>
@@ -1092,8 +1099,8 @@
           <pc:sldMk cId="2719412598" sldId="392"/>
         </pc:sldMkLst>
       </pc:sldChg>
-      <pc:sldChg chg="modSp">
-        <pc:chgData name="william a" userId="c66c7249b60d4ab2" providerId="LiveId" clId="{E43EA3F4-5CFF-4A8A-9561-5E0414B33ACD}" dt="2019-06-29T03:26:23.477" v="4197" actId="404"/>
+      <pc:sldChg chg="modSp modAnim">
+        <pc:chgData name="william a" userId="c66c7249b60d4ab2" providerId="LiveId" clId="{E43EA3F4-5CFF-4A8A-9561-5E0414B33ACD}" dt="2019-06-29T15:48:37.118" v="4547"/>
         <pc:sldMkLst>
           <pc:docMk/>
           <pc:sldMk cId="1686395800" sldId="395"/>
@@ -1103,6 +1110,21 @@
           <ac:spMkLst>
             <pc:docMk/>
             <pc:sldMk cId="1686395800" sldId="395"/>
+            <ac:spMk id="9" creationId="{D909863E-BC8D-42CC-B70A-1CA3DE56567F}"/>
+          </ac:spMkLst>
+        </pc:spChg>
+      </pc:sldChg>
+      <pc:sldChg chg="modSp">
+        <pc:chgData name="william a" userId="c66c7249b60d4ab2" providerId="LiveId" clId="{E43EA3F4-5CFF-4A8A-9561-5E0414B33ACD}" dt="2019-06-29T15:45:50.514" v="4531" actId="404"/>
+        <pc:sldMkLst>
+          <pc:docMk/>
+          <pc:sldMk cId="2193851596" sldId="396"/>
+        </pc:sldMkLst>
+        <pc:spChg chg="mod">
+          <ac:chgData name="william a" userId="c66c7249b60d4ab2" providerId="LiveId" clId="{E43EA3F4-5CFF-4A8A-9561-5E0414B33ACD}" dt="2019-06-29T15:45:50.514" v="4531" actId="404"/>
+          <ac:spMkLst>
+            <pc:docMk/>
+            <pc:sldMk cId="2193851596" sldId="396"/>
             <ac:spMk id="9" creationId="{D909863E-BC8D-42CC-B70A-1CA3DE56567F}"/>
           </ac:spMkLst>
         </pc:spChg>
@@ -1216,7 +1238,7 @@
         </pc:spChg>
       </pc:sldChg>
       <pc:sldChg chg="addSp modSp add modAnim">
-        <pc:chgData name="william a" userId="c66c7249b60d4ab2" providerId="LiveId" clId="{E43EA3F4-5CFF-4A8A-9561-5E0414B33ACD}" dt="2019-06-29T03:14:32.493" v="3457" actId="1076"/>
+        <pc:chgData name="william a" userId="c66c7249b60d4ab2" providerId="LiveId" clId="{E43EA3F4-5CFF-4A8A-9561-5E0414B33ACD}" dt="2019-06-29T15:48:12.014" v="4546"/>
         <pc:sldMkLst>
           <pc:docMk/>
           <pc:sldMk cId="1556883112" sldId="420"/>
@@ -2456,7 +2478,7 @@
           <a:p>
             <a:fld id="{7865AD6C-5B00-4F17-BE9F-19DCC670802B}" type="datetimeFigureOut">
               <a:rPr lang="en-US" smtClean="0"/>
-              <a:t>6/28/2019</a:t>
+              <a:t>6/29/2019</a:t>
             </a:fld>
             <a:endParaRPr lang="en-US"/>
           </a:p>
@@ -3548,7 +3570,7 @@
             <a:fld id="{18501692-B899-4C77-BF47-5D6E94D5293B}" type="datetimeFigureOut">
               <a:rPr lang="en-US" smtClean="0"/>
               <a:pPr/>
-              <a:t>6/28/2019</a:t>
+              <a:t>6/29/2019</a:t>
             </a:fld>
             <a:endParaRPr lang="en-US"/>
           </a:p>
@@ -6107,7 +6129,7 @@
           <a:p>
             <a:fld id="{3FAA6659-066F-4E7F-BD92-0981E5430CBE}" type="datetimeFigureOut">
               <a:rPr lang="en-US" smtClean="0"/>
-              <a:t>6/28/2019</a:t>
+              <a:t>6/29/2019</a:t>
             </a:fld>
             <a:endParaRPr lang="en-US"/>
           </a:p>
@@ -6471,7 +6493,7 @@
           <a:p>
             <a:fld id="{3FAA6659-066F-4E7F-BD92-0981E5430CBE}" type="datetimeFigureOut">
               <a:rPr lang="en-US" smtClean="0"/>
-              <a:t>6/28/2019</a:t>
+              <a:t>6/29/2019</a:t>
             </a:fld>
             <a:endParaRPr lang="en-US"/>
           </a:p>
@@ -6588,7 +6610,7 @@
           <a:p>
             <a:fld id="{3FAA6659-066F-4E7F-BD92-0981E5430CBE}" type="datetimeFigureOut">
               <a:rPr lang="en-US" smtClean="0"/>
-              <a:t>6/28/2019</a:t>
+              <a:t>6/29/2019</a:t>
             </a:fld>
             <a:endParaRPr lang="en-US"/>
           </a:p>
@@ -6683,7 +6705,7 @@
           <a:p>
             <a:fld id="{3FAA6659-066F-4E7F-BD92-0981E5430CBE}" type="datetimeFigureOut">
               <a:rPr lang="en-US" smtClean="0"/>
-              <a:t>6/28/2019</a:t>
+              <a:t>6/29/2019</a:t>
             </a:fld>
             <a:endParaRPr lang="en-US"/>
           </a:p>
@@ -6958,7 +6980,7 @@
           <a:p>
             <a:fld id="{3FAA6659-066F-4E7F-BD92-0981E5430CBE}" type="datetimeFigureOut">
               <a:rPr lang="en-US" smtClean="0"/>
-              <a:t>6/28/2019</a:t>
+              <a:t>6/29/2019</a:t>
             </a:fld>
             <a:endParaRPr lang="en-US"/>
           </a:p>
@@ -7210,7 +7232,7 @@
           <a:p>
             <a:fld id="{3FAA6659-066F-4E7F-BD92-0981E5430CBE}" type="datetimeFigureOut">
               <a:rPr lang="en-US" smtClean="0"/>
-              <a:t>6/28/2019</a:t>
+              <a:t>6/29/2019</a:t>
             </a:fld>
             <a:endParaRPr lang="en-US"/>
           </a:p>
@@ -7378,7 +7400,7 @@
           <a:p>
             <a:fld id="{3FAA6659-066F-4E7F-BD92-0981E5430CBE}" type="datetimeFigureOut">
               <a:rPr lang="en-US" smtClean="0"/>
-              <a:t>6/28/2019</a:t>
+              <a:t>6/29/2019</a:t>
             </a:fld>
             <a:endParaRPr lang="en-US"/>
           </a:p>
@@ -7556,7 +7578,7 @@
           <a:p>
             <a:fld id="{3FAA6659-066F-4E7F-BD92-0981E5430CBE}" type="datetimeFigureOut">
               <a:rPr lang="en-US" smtClean="0"/>
-              <a:t>6/28/2019</a:t>
+              <a:t>6/29/2019</a:t>
             </a:fld>
             <a:endParaRPr lang="en-US"/>
           </a:p>
@@ -7814,7 +7836,7 @@
           <a:p>
             <a:fld id="{DF1B7059-9994-452B-97D3-B9424BDCF679}" type="datetimeFigureOut">
               <a:rPr lang="en-US" smtClean="0"/>
-              <a:t>6/28/2019</a:t>
+              <a:t>6/29/2019</a:t>
             </a:fld>
             <a:endParaRPr lang="en-US" dirty="0"/>
           </a:p>
@@ -8128,7 +8150,7 @@
           <a:p>
             <a:fld id="{DF1B7059-9994-452B-97D3-B9424BDCF679}" type="datetimeFigureOut">
               <a:rPr lang="en-US" smtClean="0"/>
-              <a:t>6/28/2019</a:t>
+              <a:t>6/29/2019</a:t>
             </a:fld>
             <a:endParaRPr lang="en-US" dirty="0"/>
           </a:p>
@@ -8372,7 +8394,7 @@
           <a:p>
             <a:fld id="{DF1B7059-9994-452B-97D3-B9424BDCF679}" type="datetimeFigureOut">
               <a:rPr lang="en-US" smtClean="0"/>
-              <a:t>6/28/2019</a:t>
+              <a:t>6/29/2019</a:t>
             </a:fld>
             <a:endParaRPr lang="en-US" dirty="0"/>
           </a:p>
@@ -8604,7 +8626,7 @@
           <a:p>
             <a:fld id="{DF1B7059-9994-452B-97D3-B9424BDCF679}" type="datetimeFigureOut">
               <a:rPr lang="en-US" smtClean="0"/>
-              <a:t>6/28/2019</a:t>
+              <a:t>6/29/2019</a:t>
             </a:fld>
             <a:endParaRPr lang="en-US" dirty="0"/>
           </a:p>
@@ -8971,7 +8993,7 @@
           <a:p>
             <a:fld id="{DF1B7059-9994-452B-97D3-B9424BDCF679}" type="datetimeFigureOut">
               <a:rPr lang="en-US" smtClean="0"/>
-              <a:t>6/28/2019</a:t>
+              <a:t>6/29/2019</a:t>
             </a:fld>
             <a:endParaRPr lang="en-US" dirty="0"/>
           </a:p>
@@ -9089,7 +9111,7 @@
           <a:p>
             <a:fld id="{DF1B7059-9994-452B-97D3-B9424BDCF679}" type="datetimeFigureOut">
               <a:rPr lang="en-US" smtClean="0"/>
-              <a:t>6/28/2019</a:t>
+              <a:t>6/29/2019</a:t>
             </a:fld>
             <a:endParaRPr lang="en-US" dirty="0"/>
           </a:p>
@@ -9184,7 +9206,7 @@
           <a:p>
             <a:fld id="{DF1B7059-9994-452B-97D3-B9424BDCF679}" type="datetimeFigureOut">
               <a:rPr lang="en-US" smtClean="0"/>
-              <a:t>6/28/2019</a:t>
+              <a:t>6/29/2019</a:t>
             </a:fld>
             <a:endParaRPr lang="en-US" dirty="0"/>
           </a:p>
@@ -9461,7 +9483,7 @@
           <a:p>
             <a:fld id="{DF1B7059-9994-452B-97D3-B9424BDCF679}" type="datetimeFigureOut">
               <a:rPr lang="en-US" smtClean="0"/>
-              <a:t>6/28/2019</a:t>
+              <a:t>6/29/2019</a:t>
             </a:fld>
             <a:endParaRPr lang="en-US" dirty="0"/>
           </a:p>
@@ -9717,7 +9739,7 @@
           <a:p>
             <a:fld id="{DF1B7059-9994-452B-97D3-B9424BDCF679}" type="datetimeFigureOut">
               <a:rPr lang="en-US" smtClean="0"/>
-              <a:t>6/28/2019</a:t>
+              <a:t>6/29/2019</a:t>
             </a:fld>
             <a:endParaRPr lang="en-US" dirty="0"/>
           </a:p>
@@ -9887,7 +9909,7 @@
           <a:p>
             <a:fld id="{DF1B7059-9994-452B-97D3-B9424BDCF679}" type="datetimeFigureOut">
               <a:rPr lang="en-US" smtClean="0"/>
-              <a:t>6/28/2019</a:t>
+              <a:t>6/29/2019</a:t>
             </a:fld>
             <a:endParaRPr lang="en-US" dirty="0"/>
           </a:p>
@@ -10067,7 +10089,7 @@
           <a:p>
             <a:fld id="{DF1B7059-9994-452B-97D3-B9424BDCF679}" type="datetimeFigureOut">
               <a:rPr lang="en-US" smtClean="0"/>
-              <a:t>6/28/2019</a:t>
+              <a:t>6/29/2019</a:t>
             </a:fld>
             <a:endParaRPr lang="en-US" dirty="0"/>
           </a:p>
@@ -12448,7 +12470,7 @@
           <a:p>
             <a:fld id="{3FAA6659-066F-4E7F-BD92-0981E5430CBE}" type="datetimeFigureOut">
               <a:rPr lang="en-US" smtClean="0"/>
-              <a:t>6/28/2019</a:t>
+              <a:t>6/29/2019</a:t>
             </a:fld>
             <a:endParaRPr lang="en-US"/>
           </a:p>
@@ -12616,7 +12638,7 @@
           <a:p>
             <a:fld id="{3FAA6659-066F-4E7F-BD92-0981E5430CBE}" type="datetimeFigureOut">
               <a:rPr lang="en-US" smtClean="0"/>
-              <a:t>6/28/2019</a:t>
+              <a:t>6/29/2019</a:t>
             </a:fld>
             <a:endParaRPr lang="en-US"/>
           </a:p>
@@ -12861,7 +12883,7 @@
           <a:p>
             <a:fld id="{3FAA6659-066F-4E7F-BD92-0981E5430CBE}" type="datetimeFigureOut">
               <a:rPr lang="en-US" smtClean="0"/>
-              <a:t>6/28/2019</a:t>
+              <a:t>6/29/2019</a:t>
             </a:fld>
             <a:endParaRPr lang="en-US"/>
           </a:p>
@@ -13453,7 +13475,7 @@
           <a:p>
             <a:fld id="{3FAA6659-066F-4E7F-BD92-0981E5430CBE}" type="datetimeFigureOut">
               <a:rPr lang="en-US" smtClean="0"/>
-              <a:t>6/28/2019</a:t>
+              <a:t>6/29/2019</a:t>
             </a:fld>
             <a:endParaRPr lang="en-US"/>
           </a:p>
@@ -13994,7 +14016,7 @@
           <a:p>
             <a:fld id="{DF1B7059-9994-452B-97D3-B9424BDCF679}" type="datetimeFigureOut">
               <a:rPr lang="en-US" smtClean="0"/>
-              <a:t>6/28/2019</a:t>
+              <a:t>6/29/2019</a:t>
             </a:fld>
             <a:endParaRPr lang="en-US" dirty="0"/>
           </a:p>
@@ -16777,127 +16799,6 @@
   <p:clrMapOvr>
     <a:masterClrMapping/>
   </p:clrMapOvr>
-  <p:timing>
-    <p:tnLst>
-      <p:par>
-        <p:cTn id="1" dur="indefinite" restart="never" nodeType="tmRoot">
-          <p:childTnLst>
-            <p:seq concurrent="1" nextAc="seek">
-              <p:cTn id="2" dur="indefinite" nodeType="mainSeq">
-                <p:childTnLst>
-                  <p:par>
-                    <p:cTn id="3" fill="hold">
-                      <p:stCondLst>
-                        <p:cond delay="indefinite"/>
-                      </p:stCondLst>
-                      <p:childTnLst>
-                        <p:par>
-                          <p:cTn id="4" fill="hold">
-                            <p:stCondLst>
-                              <p:cond delay="0"/>
-                            </p:stCondLst>
-                            <p:childTnLst>
-                              <p:par>
-                                <p:cTn id="5" presetID="2" presetClass="entr" presetSubtype="4" fill="hold" nodeType="clickEffect">
-                                  <p:stCondLst>
-                                    <p:cond delay="0"/>
-                                  </p:stCondLst>
-                                  <p:childTnLst>
-                                    <p:set>
-                                      <p:cBhvr>
-                                        <p:cTn id="6" dur="1" fill="hold">
-                                          <p:stCondLst>
-                                            <p:cond delay="0"/>
-                                          </p:stCondLst>
-                                        </p:cTn>
-                                        <p:tgtEl>
-                                          <p:spTgt spid="5"/>
-                                        </p:tgtEl>
-                                        <p:attrNameLst>
-                                          <p:attrName>style.visibility</p:attrName>
-                                        </p:attrNameLst>
-                                      </p:cBhvr>
-                                      <p:to>
-                                        <p:strVal val="visible"/>
-                                      </p:to>
-                                    </p:set>
-                                    <p:anim calcmode="lin" valueType="num">
-                                      <p:cBhvr additive="base">
-                                        <p:cTn id="7" dur="500" fill="hold"/>
-                                        <p:tgtEl>
-                                          <p:spTgt spid="5"/>
-                                        </p:tgtEl>
-                                        <p:attrNameLst>
-                                          <p:attrName>ppt_x</p:attrName>
-                                        </p:attrNameLst>
-                                      </p:cBhvr>
-                                      <p:tavLst>
-                                        <p:tav tm="0">
-                                          <p:val>
-                                            <p:strVal val="#ppt_x"/>
-                                          </p:val>
-                                        </p:tav>
-                                        <p:tav tm="100000">
-                                          <p:val>
-                                            <p:strVal val="#ppt_x"/>
-                                          </p:val>
-                                        </p:tav>
-                                      </p:tavLst>
-                                    </p:anim>
-                                    <p:anim calcmode="lin" valueType="num">
-                                      <p:cBhvr additive="base">
-                                        <p:cTn id="8" dur="500" fill="hold"/>
-                                        <p:tgtEl>
-                                          <p:spTgt spid="5"/>
-                                        </p:tgtEl>
-                                        <p:attrNameLst>
-                                          <p:attrName>ppt_y</p:attrName>
-                                        </p:attrNameLst>
-                                      </p:cBhvr>
-                                      <p:tavLst>
-                                        <p:tav tm="0">
-                                          <p:val>
-                                            <p:strVal val="1+#ppt_h/2"/>
-                                          </p:val>
-                                        </p:tav>
-                                        <p:tav tm="100000">
-                                          <p:val>
-                                            <p:strVal val="#ppt_y"/>
-                                          </p:val>
-                                        </p:tav>
-                                      </p:tavLst>
-                                    </p:anim>
-                                  </p:childTnLst>
-                                </p:cTn>
-                              </p:par>
-                            </p:childTnLst>
-                          </p:cTn>
-                        </p:par>
-                      </p:childTnLst>
-                    </p:cTn>
-                  </p:par>
-                </p:childTnLst>
-              </p:cTn>
-              <p:prevCondLst>
-                <p:cond evt="onPrev" delay="0">
-                  <p:tgtEl>
-                    <p:sldTgt/>
-                  </p:tgtEl>
-                </p:cond>
-              </p:prevCondLst>
-              <p:nextCondLst>
-                <p:cond evt="onNext" delay="0">
-                  <p:tgtEl>
-                    <p:sldTgt/>
-                  </p:tgtEl>
-                </p:cond>
-              </p:nextCondLst>
-            </p:seq>
-          </p:childTnLst>
-        </p:cTn>
-      </p:par>
-    </p:tnLst>
-  </p:timing>
 </p:sld>
 </file>
 
@@ -17073,43 +16974,52 @@
         <p:spPr/>
         <p:txBody>
           <a:bodyPr>
-            <a:normAutofit/>
+            <a:normAutofit fontScale="92500" lnSpcReduction="10000"/>
           </a:bodyPr>
           <a:lstStyle/>
+          <a:p>
+            <a:pPr marL="571500" indent="-571500">
+              <a:buFont typeface="Arial" panose="020B0604020202020204" pitchFamily="34" charset="0"/>
+              <a:buChar char="•"/>
+            </a:pPr>
+            <a:r>
+              <a:rPr lang="en-US" sz="4000" dirty="0"/>
+              <a:t>This number is a forever-growing aggregate. </a:t>
+            </a:r>
+          </a:p>
+          <a:p>
+            <a:pPr marL="571500" indent="-571500">
+              <a:buFont typeface="Arial" panose="020B0604020202020204" pitchFamily="34" charset="0"/>
+              <a:buChar char="•"/>
+            </a:pPr>
+            <a:r>
+              <a:rPr lang="en-US" sz="4000" dirty="0"/>
+              <a:t>Which means over time, recent changes will not affect the large aggregate numbers well.</a:t>
+            </a:r>
+          </a:p>
+          <a:p>
+            <a:pPr marL="571500" indent="-571500">
+              <a:buFont typeface="Arial" panose="020B0604020202020204" pitchFamily="34" charset="0"/>
+              <a:buChar char="•"/>
+            </a:pPr>
+            <a:r>
+              <a:rPr lang="en-US" sz="4000" dirty="0"/>
+              <a:t>For your performance-sensitive servers, consider a regimen of collection and manual wiping the stats weekly or daily. </a:t>
+            </a:r>
+          </a:p>
           <a:p>
             <a:pPr>
               <a:buNone/>
             </a:pPr>
-            <a:r>
-              <a:rPr lang="en-US" sz="4000" dirty="0"/>
-              <a:t>This number is a forever-growing aggregate. </a:t>
-            </a:r>
+            <a:endParaRPr lang="en-US" sz="4000" dirty="0"/>
           </a:p>
           <a:p>
             <a:pPr>
               <a:buNone/>
             </a:pPr>
             <a:r>
-              <a:rPr lang="en-US" sz="4000" dirty="0"/>
-              <a:t>Which means over time, recent changes will not affect the large aggregate numbers well.</a:t>
-            </a:r>
-          </a:p>
-          <a:p>
-            <a:pPr>
-              <a:buNone/>
-            </a:pPr>
-            <a:r>
-              <a:rPr lang="en-US" sz="4000" dirty="0"/>
-              <a:t>For your performance-sensitive servers, consider a regimen of collection and manual wiping the stats weekly or daily. </a:t>
-            </a:r>
-          </a:p>
-          <a:p>
-            <a:pPr>
-              <a:buNone/>
-            </a:pPr>
-            <a:r>
               <a:rPr lang="en-US" sz="3600" dirty="0"/>
-              <a:t>Demo of this in Lab: </a:t>
+              <a:t>Lab: </a:t>
             </a:r>
             <a:r>
               <a:rPr lang="en-US" sz="3600" dirty="0" err="1"/>
@@ -18182,7 +18092,7 @@
         </p:nvSpPr>
         <p:spPr>
           <a:xfrm>
-            <a:off x="381000" y="1371600"/>
+            <a:off x="381000" y="1447800"/>
             <a:ext cx="10820400" cy="4572000"/>
           </a:xfrm>
         </p:spPr>
@@ -18198,7 +18108,7 @@
             </a:pPr>
             <a:r>
               <a:rPr lang="en-US" sz="4400" b="0" dirty="0"/>
-              <a:t>Used for in-depth performance tuning</a:t>
+              <a:t>Used for in-depth performance tuning.</a:t>
             </a:r>
           </a:p>
           <a:p>
@@ -18216,7 +18126,7 @@
             </a:r>
             <a:r>
               <a:rPr lang="en-US" sz="4400" b="0" dirty="0"/>
-              <a:t> (CPU), rows and duration</a:t>
+              <a:t> (CPU), rows affected, and duration.</a:t>
             </a:r>
           </a:p>
           <a:p>
@@ -21667,137 +21577,6 @@
   <p:clrMapOvr>
     <a:masterClrMapping/>
   </p:clrMapOvr>
-  <p:timing>
-    <p:tnLst>
-      <p:par>
-        <p:cTn id="1" dur="indefinite" restart="never" nodeType="tmRoot">
-          <p:childTnLst>
-            <p:seq concurrent="1" nextAc="seek">
-              <p:cTn id="2" dur="indefinite" nodeType="mainSeq">
-                <p:childTnLst>
-                  <p:par>
-                    <p:cTn id="3" fill="hold">
-                      <p:stCondLst>
-                        <p:cond delay="indefinite"/>
-                      </p:stCondLst>
-                      <p:childTnLst>
-                        <p:par>
-                          <p:cTn id="4" fill="hold">
-                            <p:stCondLst>
-                              <p:cond delay="0"/>
-                            </p:stCondLst>
-                            <p:childTnLst>
-                              <p:par>
-                                <p:cTn id="5" presetID="1" presetClass="entr" presetSubtype="0" fill="hold" grpId="0" nodeType="clickEffect">
-                                  <p:stCondLst>
-                                    <p:cond delay="0"/>
-                                  </p:stCondLst>
-                                  <p:childTnLst>
-                                    <p:set>
-                                      <p:cBhvr>
-                                        <p:cTn id="6" dur="1" fill="hold">
-                                          <p:stCondLst>
-                                            <p:cond delay="0"/>
-                                          </p:stCondLst>
-                                        </p:cTn>
-                                        <p:tgtEl>
-                                          <p:spTgt spid="9">
-                                            <p:txEl>
-                                              <p:pRg st="0" end="0"/>
-                                            </p:txEl>
-                                          </p:spTgt>
-                                        </p:tgtEl>
-                                        <p:attrNameLst>
-                                          <p:attrName>style.visibility</p:attrName>
-                                        </p:attrNameLst>
-                                      </p:cBhvr>
-                                      <p:to>
-                                        <p:strVal val="visible"/>
-                                      </p:to>
-                                    </p:set>
-                                  </p:childTnLst>
-                                </p:cTn>
-                              </p:par>
-                            </p:childTnLst>
-                          </p:cTn>
-                        </p:par>
-                      </p:childTnLst>
-                    </p:cTn>
-                  </p:par>
-                  <p:par>
-                    <p:cTn id="7" fill="hold">
-                      <p:stCondLst>
-                        <p:cond delay="indefinite"/>
-                      </p:stCondLst>
-                      <p:childTnLst>
-                        <p:par>
-                          <p:cTn id="8" fill="hold">
-                            <p:stCondLst>
-                              <p:cond delay="0"/>
-                            </p:stCondLst>
-                            <p:childTnLst>
-                              <p:par>
-                                <p:cTn id="9" presetID="1" presetClass="entr" presetSubtype="0" fill="hold" grpId="0" nodeType="clickEffect">
-                                  <p:stCondLst>
-                                    <p:cond delay="0"/>
-                                  </p:stCondLst>
-                                  <p:childTnLst>
-                                    <p:set>
-                                      <p:cBhvr>
-                                        <p:cTn id="10" dur="1" fill="hold">
-                                          <p:stCondLst>
-                                            <p:cond delay="0"/>
-                                          </p:stCondLst>
-                                        </p:cTn>
-                                        <p:tgtEl>
-                                          <p:spTgt spid="9">
-                                            <p:txEl>
-                                              <p:pRg st="2" end="2"/>
-                                            </p:txEl>
-                                          </p:spTgt>
-                                        </p:tgtEl>
-                                        <p:attrNameLst>
-                                          <p:attrName>style.visibility</p:attrName>
-                                        </p:attrNameLst>
-                                      </p:cBhvr>
-                                      <p:to>
-                                        <p:strVal val="visible"/>
-                                      </p:to>
-                                    </p:set>
-                                  </p:childTnLst>
-                                </p:cTn>
-                              </p:par>
-                            </p:childTnLst>
-                          </p:cTn>
-                        </p:par>
-                      </p:childTnLst>
-                    </p:cTn>
-                  </p:par>
-                </p:childTnLst>
-              </p:cTn>
-              <p:prevCondLst>
-                <p:cond evt="onPrev" delay="0">
-                  <p:tgtEl>
-                    <p:sldTgt/>
-                  </p:tgtEl>
-                </p:cond>
-              </p:prevCondLst>
-              <p:nextCondLst>
-                <p:cond evt="onNext" delay="0">
-                  <p:tgtEl>
-                    <p:sldTgt/>
-                  </p:tgtEl>
-                </p:cond>
-              </p:nextCondLst>
-            </p:seq>
-          </p:childTnLst>
-        </p:cTn>
-      </p:par>
-    </p:tnLst>
-    <p:bldLst>
-      <p:bldP spid="9" grpId="0" build="p"/>
-    </p:bldLst>
-  </p:timing>
 </p:sld>
 </file>
 
@@ -22009,7 +21788,7 @@
         <p:spPr>
           <a:xfrm>
             <a:off x="223900" y="1405714"/>
-            <a:ext cx="11564913" cy="5447645"/>
+            <a:ext cx="11564913" cy="4770537"/>
           </a:xfrm>
           <a:prstGeom prst="rect">
             <a:avLst/>
@@ -22053,19 +21832,19 @@
               <a:buChar char="•"/>
             </a:pPr>
             <a:r>
-              <a:rPr lang="en-US" sz="4000" dirty="0">
+              <a:rPr lang="en-US" sz="3600" dirty="0">
                 <a:latin typeface="Panton" panose="00000500000000000000" pitchFamily="50" charset="0"/>
               </a:rPr>
-              <a:t>Sample query: </a:t>
-            </a:r>
-            <a:r>
-              <a:rPr lang="en-US" sz="3600" dirty="0">
+              <a:t>Sample: </a:t>
+            </a:r>
+            <a:r>
+              <a:rPr lang="en-US" sz="3200" dirty="0">
                 <a:latin typeface="Panton" panose="00000500000000000000" pitchFamily="50" charset="0"/>
                 <a:hlinkClick r:id="rId6"/>
               </a:rPr>
               <a:t>https://docs.microsoft.com/en-us/sql/relational-databases/automatic-tuning/automatic-tuning</a:t>
             </a:r>
-            <a:endParaRPr lang="en-US" sz="3600" dirty="0">
+            <a:endParaRPr lang="en-US" sz="3200" dirty="0">
               <a:latin typeface="Panton" panose="00000500000000000000" pitchFamily="50" charset="0"/>
             </a:endParaRPr>
           </a:p>
@@ -23900,346 +23679,6 @@
           <a:chExt cx="0" cy="0"/>
         </a:xfrm>
       </p:grpSpPr>
-      <p:sp>
-        <p:nvSpPr>
-          <p:cNvPr id="2" name="Title 1"/>
-          <p:cNvSpPr>
-            <a:spLocks noGrp="1"/>
-          </p:cNvSpPr>
-          <p:nvPr>
-            <p:ph type="title"/>
-          </p:nvPr>
-        </p:nvSpPr>
-        <p:spPr/>
-        <p:txBody>
-          <a:bodyPr/>
-          <a:lstStyle/>
-          <a:p>
-            <a:r>
-              <a:rPr lang="en-US" b="1" dirty="0" err="1"/>
-              <a:t>sys.dm_exec_requests</a:t>
-            </a:r>
-            <a:endParaRPr lang="en-US" dirty="0"/>
-          </a:p>
-        </p:txBody>
-      </p:sp>
-      <p:sp>
-        <p:nvSpPr>
-          <p:cNvPr id="3" name="Content Placeholder 2"/>
-          <p:cNvSpPr>
-            <a:spLocks noGrp="1"/>
-          </p:cNvSpPr>
-          <p:nvPr>
-            <p:ph idx="1"/>
-          </p:nvPr>
-        </p:nvSpPr>
-        <p:spPr>
-          <a:xfrm>
-            <a:off x="609600" y="838201"/>
-            <a:ext cx="10972800" cy="5448300"/>
-          </a:xfrm>
-        </p:spPr>
-        <p:txBody>
-          <a:bodyPr>
-            <a:normAutofit fontScale="92500"/>
-          </a:bodyPr>
-          <a:lstStyle/>
-          <a:p>
-            <a:pPr marL="571500" indent="-571500">
-              <a:buFont typeface="Arial" panose="020B0604020202020204" pitchFamily="34" charset="0"/>
-              <a:buChar char="•"/>
-            </a:pPr>
-            <a:r>
-              <a:rPr lang="en-US" sz="4400" b="0" dirty="0"/>
-              <a:t>Use the helpful </a:t>
-            </a:r>
-            <a:r>
-              <a:rPr lang="en-US" sz="4400" b="0" dirty="0" err="1"/>
-              <a:t>percent_complete</a:t>
-            </a:r>
-            <a:r>
-              <a:rPr lang="en-US" sz="4400" b="0" dirty="0"/>
-              <a:t> column to check progress of BACKUP and RESTORE.  </a:t>
-            </a:r>
-          </a:p>
-          <a:p>
-            <a:pPr marL="571500" indent="-571500">
-              <a:buFont typeface="Arial" panose="020B0604020202020204" pitchFamily="34" charset="0"/>
-              <a:buChar char="•"/>
-            </a:pPr>
-            <a:r>
-              <a:rPr lang="en-US" sz="4400" b="0" dirty="0"/>
-              <a:t>Also applies to DBCC CHECKDB operations!</a:t>
-            </a:r>
-          </a:p>
-          <a:p>
-            <a:pPr marL="571500" indent="-571500">
-              <a:buFont typeface="Arial" panose="020B0604020202020204" pitchFamily="34" charset="0"/>
-              <a:buChar char="•"/>
-            </a:pPr>
-            <a:r>
-              <a:rPr lang="en-US" sz="4400" b="0" dirty="0"/>
-              <a:t>Combined with the </a:t>
-            </a:r>
-            <a:r>
-              <a:rPr lang="en-US" sz="4400" b="0" dirty="0" err="1"/>
-              <a:t>start_time</a:t>
-            </a:r>
-            <a:r>
-              <a:rPr lang="en-US" sz="4400" b="0" dirty="0"/>
-              <a:t> value, can estimate a completion </a:t>
-            </a:r>
-            <a:r>
-              <a:rPr lang="en-US" sz="4400" b="0" dirty="0" err="1"/>
-              <a:t>datetime</a:t>
-            </a:r>
-            <a:r>
-              <a:rPr lang="en-US" sz="4400" b="0" dirty="0"/>
-              <a:t> as well.</a:t>
-            </a:r>
-          </a:p>
-          <a:p>
-            <a:r>
-              <a:rPr lang="en-US" sz="4400" b="0" dirty="0"/>
-              <a:t>Lab:</a:t>
-            </a:r>
-          </a:p>
-          <a:p>
-            <a:pPr marL="0" indent="0"/>
-            <a:r>
-              <a:rPr lang="en-US" sz="4400" b="0" dirty="0"/>
-              <a:t>	</a:t>
-            </a:r>
-            <a:r>
-              <a:rPr lang="en-US" sz="4400" dirty="0"/>
-              <a:t>Backup restore </a:t>
-            </a:r>
-            <a:r>
-              <a:rPr lang="en-US" sz="4400" dirty="0" err="1"/>
-              <a:t>progress.sql</a:t>
-            </a:r>
-            <a:endParaRPr lang="en-US" sz="4400" dirty="0"/>
-          </a:p>
-          <a:p>
-            <a:endParaRPr lang="en-US" sz="4400" b="0" dirty="0"/>
-          </a:p>
-          <a:p>
-            <a:endParaRPr lang="en-US" sz="4400" b="0" dirty="0"/>
-          </a:p>
-        </p:txBody>
-      </p:sp>
-      <p:sp>
-        <p:nvSpPr>
-          <p:cNvPr id="4" name="Slide Number Placeholder 3"/>
-          <p:cNvSpPr>
-            <a:spLocks noGrp="1"/>
-          </p:cNvSpPr>
-          <p:nvPr>
-            <p:ph type="sldNum" sz="quarter" idx="4294967295"/>
-          </p:nvPr>
-        </p:nvSpPr>
-        <p:spPr>
-          <a:xfrm>
-            <a:off x="1524000" y="6286501"/>
-            <a:ext cx="527050" cy="365125"/>
-          </a:xfrm>
-          <a:prstGeom prst="rect">
-            <a:avLst/>
-          </a:prstGeom>
-        </p:spPr>
-        <p:txBody>
-          <a:bodyPr/>
-          <a:lstStyle/>
-          <a:p>
-            <a:fld id="{B33938D9-6682-4BB5-AE7E-A07F086A6D58}" type="slidenum">
-              <a:rPr lang="en-US" smtClean="0"/>
-              <a:pPr/>
-              <a:t>43</a:t>
-            </a:fld>
-            <a:endParaRPr lang="en-US"/>
-          </a:p>
-        </p:txBody>
-      </p:sp>
-    </p:spTree>
-    <p:extLst>
-      <p:ext uri="{BB962C8B-B14F-4D97-AF65-F5344CB8AC3E}">
-        <p14:creationId xmlns:p14="http://schemas.microsoft.com/office/powerpoint/2010/main" val="3917590187"/>
-      </p:ext>
-    </p:extLst>
-  </p:cSld>
-  <p:clrMapOvr>
-    <a:masterClrMapping/>
-  </p:clrMapOvr>
-</p:sld>
-</file>
-
-<file path=ppt/slides/slide44.xml><?xml version="1.0" encoding="utf-8"?>
-<p:sld xmlns:a="http://schemas.openxmlformats.org/drawingml/2006/main" xmlns:r="http://schemas.openxmlformats.org/officeDocument/2006/relationships" xmlns:p="http://schemas.openxmlformats.org/presentationml/2006/main">
-  <p:cSld>
-    <p:spTree>
-      <p:nvGrpSpPr>
-        <p:cNvPr id="1" name=""/>
-        <p:cNvGrpSpPr/>
-        <p:nvPr/>
-      </p:nvGrpSpPr>
-      <p:grpSpPr>
-        <a:xfrm>
-          <a:off x="0" y="0"/>
-          <a:ext cx="0" cy="0"/>
-          <a:chOff x="0" y="0"/>
-          <a:chExt cx="0" cy="0"/>
-        </a:xfrm>
-      </p:grpSpPr>
-      <p:sp>
-        <p:nvSpPr>
-          <p:cNvPr id="2" name="Title 1"/>
-          <p:cNvSpPr>
-            <a:spLocks noGrp="1"/>
-          </p:cNvSpPr>
-          <p:nvPr>
-            <p:ph type="title"/>
-          </p:nvPr>
-        </p:nvSpPr>
-        <p:spPr/>
-        <p:txBody>
-          <a:bodyPr>
-            <a:normAutofit/>
-          </a:bodyPr>
-          <a:lstStyle/>
-          <a:p>
-            <a:pPr lvl="0"/>
-            <a:r>
-              <a:rPr lang="en-US" dirty="0" err="1"/>
-              <a:t>sys.dm_exec_input_buffer</a:t>
-            </a:r>
-            <a:endParaRPr lang="en-US" dirty="0"/>
-          </a:p>
-        </p:txBody>
-      </p:sp>
-      <p:sp>
-        <p:nvSpPr>
-          <p:cNvPr id="3" name="Content Placeholder 2"/>
-          <p:cNvSpPr>
-            <a:spLocks noGrp="1"/>
-          </p:cNvSpPr>
-          <p:nvPr>
-            <p:ph idx="1"/>
-          </p:nvPr>
-        </p:nvSpPr>
-        <p:spPr>
-          <a:xfrm>
-            <a:off x="228600" y="838201"/>
-            <a:ext cx="11811000" cy="5333999"/>
-          </a:xfrm>
-        </p:spPr>
-        <p:txBody>
-          <a:bodyPr>
-            <a:normAutofit/>
-          </a:bodyPr>
-          <a:lstStyle/>
-          <a:p>
-            <a:pPr marL="685800" indent="-685800">
-              <a:buFont typeface="Arial" panose="020B0604020202020204" pitchFamily="34" charset="0"/>
-              <a:buChar char="•"/>
-            </a:pPr>
-            <a:r>
-              <a:rPr lang="en-US" sz="4000" b="0" dirty="0"/>
-              <a:t>DBCC INPUTBUFFER still not deprecated</a:t>
-            </a:r>
-          </a:p>
-          <a:p>
-            <a:pPr marL="685800" indent="-685800">
-              <a:buFont typeface="Arial" panose="020B0604020202020204" pitchFamily="34" charset="0"/>
-              <a:buChar char="•"/>
-            </a:pPr>
-            <a:r>
-              <a:rPr lang="en-US" sz="4000" b="0" dirty="0"/>
-              <a:t>But has been effectively replaced by a new DMF introduced in SQL 2014 SP2, </a:t>
-            </a:r>
-            <a:r>
-              <a:rPr lang="en-US" sz="4000" b="0" dirty="0" err="1">
-                <a:latin typeface="Consolas" panose="020B0609020204030204" pitchFamily="49" charset="0"/>
-              </a:rPr>
-              <a:t>sys.dm_exec_input_buffer</a:t>
-            </a:r>
-            <a:endParaRPr lang="en-US" sz="4000" b="0" dirty="0">
-              <a:latin typeface="Consolas" panose="020B0609020204030204" pitchFamily="49" charset="0"/>
-            </a:endParaRPr>
-          </a:p>
-          <a:p>
-            <a:pPr marL="685800" indent="-685800">
-              <a:buFont typeface="Arial" panose="020B0604020202020204" pitchFamily="34" charset="0"/>
-              <a:buChar char="•"/>
-            </a:pPr>
-            <a:r>
-              <a:rPr lang="en-US" sz="4000" b="0" dirty="0"/>
-              <a:t>This can display the last command issued from a session, even if there is no live request</a:t>
-            </a:r>
-          </a:p>
-        </p:txBody>
-      </p:sp>
-      <p:sp>
-        <p:nvSpPr>
-          <p:cNvPr id="4" name="Slide Number Placeholder 3"/>
-          <p:cNvSpPr>
-            <a:spLocks noGrp="1"/>
-          </p:cNvSpPr>
-          <p:nvPr>
-            <p:ph type="sldNum" sz="quarter" idx="4294967295"/>
-          </p:nvPr>
-        </p:nvSpPr>
-        <p:spPr>
-          <a:xfrm>
-            <a:off x="1524000" y="6286501"/>
-            <a:ext cx="527050" cy="365125"/>
-          </a:xfrm>
-          <a:prstGeom prst="rect">
-            <a:avLst/>
-          </a:prstGeom>
-        </p:spPr>
-        <p:txBody>
-          <a:bodyPr/>
-          <a:lstStyle/>
-          <a:p>
-            <a:fld id="{B33938D9-6682-4BB5-AE7E-A07F086A6D58}" type="slidenum">
-              <a:rPr lang="en-US" smtClean="0"/>
-              <a:pPr/>
-              <a:t>44</a:t>
-            </a:fld>
-            <a:endParaRPr lang="en-US"/>
-          </a:p>
-        </p:txBody>
-      </p:sp>
-    </p:spTree>
-    <p:extLst>
-      <p:ext uri="{BB962C8B-B14F-4D97-AF65-F5344CB8AC3E}">
-        <p14:creationId xmlns:p14="http://schemas.microsoft.com/office/powerpoint/2010/main" val="1000541029"/>
-      </p:ext>
-    </p:extLst>
-  </p:cSld>
-  <p:clrMapOvr>
-    <a:masterClrMapping/>
-  </p:clrMapOvr>
-</p:sld>
-</file>
-
-<file path=ppt/slides/slide45.xml><?xml version="1.0" encoding="utf-8"?>
-<p:sld xmlns:a="http://schemas.openxmlformats.org/drawingml/2006/main" xmlns:r="http://schemas.openxmlformats.org/officeDocument/2006/relationships" xmlns:p="http://schemas.openxmlformats.org/presentationml/2006/main">
-  <p:cSld>
-    <p:spTree>
-      <p:nvGrpSpPr>
-        <p:cNvPr id="1" name=""/>
-        <p:cNvGrpSpPr/>
-        <p:nvPr/>
-      </p:nvGrpSpPr>
-      <p:grpSpPr>
-        <a:xfrm>
-          <a:off x="0" y="0"/>
-          <a:ext cx="0" cy="0"/>
-          <a:chOff x="0" y="0"/>
-          <a:chExt cx="0" cy="0"/>
-        </a:xfrm>
-      </p:grpSpPr>
       <p:pic>
         <p:nvPicPr>
           <p:cNvPr id="8" name="Picture 7">
@@ -24445,124 +23884,346 @@
   <p:clrMapOvr>
     <a:masterClrMapping/>
   </p:clrMapOvr>
-  <p:timing>
-    <p:tnLst>
-      <p:par>
-        <p:cTn id="1" dur="indefinite" restart="never" nodeType="tmRoot">
-          <p:childTnLst>
-            <p:seq concurrent="1" nextAc="seek">
-              <p:cTn id="2" dur="indefinite" nodeType="mainSeq">
-                <p:childTnLst>
-                  <p:par>
-                    <p:cTn id="3" fill="hold">
-                      <p:stCondLst>
-                        <p:cond delay="indefinite"/>
-                        <p:cond evt="onBegin" delay="0">
-                          <p:tn val="2"/>
-                        </p:cond>
-                      </p:stCondLst>
-                      <p:childTnLst>
-                        <p:par>
-                          <p:cTn id="4" fill="hold">
-                            <p:stCondLst>
-                              <p:cond delay="0"/>
-                            </p:stCondLst>
-                            <p:childTnLst>
-                              <p:par>
-                                <p:cTn id="5" presetID="1" presetClass="entr" presetSubtype="0" fill="hold" grpId="0" nodeType="afterEffect">
-                                  <p:stCondLst>
-                                    <p:cond delay="400"/>
-                                  </p:stCondLst>
-                                  <p:childTnLst>
-                                    <p:set>
-                                      <p:cBhvr>
-                                        <p:cTn id="6" dur="1" fill="hold">
-                                          <p:stCondLst>
-                                            <p:cond delay="0"/>
-                                          </p:stCondLst>
-                                        </p:cTn>
-                                        <p:tgtEl>
-                                          <p:spTgt spid="7"/>
-                                        </p:tgtEl>
-                                        <p:attrNameLst>
-                                          <p:attrName>style.visibility</p:attrName>
-                                        </p:attrNameLst>
-                                      </p:cBhvr>
-                                      <p:to>
-                                        <p:strVal val="visible"/>
-                                      </p:to>
-                                    </p:set>
-                                  </p:childTnLst>
-                                </p:cTn>
-                              </p:par>
-                            </p:childTnLst>
-                          </p:cTn>
-                        </p:par>
-                        <p:par>
-                          <p:cTn id="7" fill="hold">
-                            <p:stCondLst>
-                              <p:cond delay="400"/>
-                            </p:stCondLst>
-                            <p:childTnLst>
-                              <p:par>
-                                <p:cTn id="8" presetID="1" presetClass="entr" presetSubtype="0" fill="hold" grpId="0" nodeType="afterEffect">
-                                  <p:stCondLst>
-                                    <p:cond delay="400"/>
-                                  </p:stCondLst>
-                                  <p:childTnLst>
-                                    <p:set>
-                                      <p:cBhvr>
-                                        <p:cTn id="9" dur="1" fill="hold">
-                                          <p:stCondLst>
-                                            <p:cond delay="0"/>
-                                          </p:stCondLst>
-                                        </p:cTn>
-                                        <p:tgtEl>
-                                          <p:spTgt spid="13"/>
-                                        </p:tgtEl>
-                                        <p:attrNameLst>
-                                          <p:attrName>style.visibility</p:attrName>
-                                        </p:attrNameLst>
-                                      </p:cBhvr>
-                                      <p:to>
-                                        <p:strVal val="visible"/>
-                                      </p:to>
-                                    </p:set>
-                                  </p:childTnLst>
-                                </p:cTn>
-                              </p:par>
-                            </p:childTnLst>
-                          </p:cTn>
-                        </p:par>
-                      </p:childTnLst>
-                    </p:cTn>
-                  </p:par>
-                </p:childTnLst>
-              </p:cTn>
-              <p:prevCondLst>
-                <p:cond evt="onPrev" delay="0">
-                  <p:tgtEl>
-                    <p:sldTgt/>
-                  </p:tgtEl>
-                </p:cond>
-              </p:prevCondLst>
-              <p:nextCondLst>
-                <p:cond evt="onNext" delay="0">
-                  <p:tgtEl>
-                    <p:sldTgt/>
-                  </p:tgtEl>
-                </p:cond>
-              </p:nextCondLst>
-            </p:seq>
-          </p:childTnLst>
-        </p:cTn>
-      </p:par>
-    </p:tnLst>
-    <p:bldLst>
-      <p:bldP spid="7" grpId="0" animBg="1"/>
-      <p:bldP spid="13" grpId="0" animBg="1"/>
-    </p:bldLst>
-  </p:timing>
+</p:sld>
+</file>
+
+<file path=ppt/slides/slide44.xml><?xml version="1.0" encoding="utf-8"?>
+<p:sld xmlns:a="http://schemas.openxmlformats.org/drawingml/2006/main" xmlns:r="http://schemas.openxmlformats.org/officeDocument/2006/relationships" xmlns:p="http://schemas.openxmlformats.org/presentationml/2006/main">
+  <p:cSld>
+    <p:spTree>
+      <p:nvGrpSpPr>
+        <p:cNvPr id="1" name=""/>
+        <p:cNvGrpSpPr/>
+        <p:nvPr/>
+      </p:nvGrpSpPr>
+      <p:grpSpPr>
+        <a:xfrm>
+          <a:off x="0" y="0"/>
+          <a:ext cx="0" cy="0"/>
+          <a:chOff x="0" y="0"/>
+          <a:chExt cx="0" cy="0"/>
+        </a:xfrm>
+      </p:grpSpPr>
+      <p:sp>
+        <p:nvSpPr>
+          <p:cNvPr id="2" name="Title 1"/>
+          <p:cNvSpPr>
+            <a:spLocks noGrp="1"/>
+          </p:cNvSpPr>
+          <p:nvPr>
+            <p:ph type="title"/>
+          </p:nvPr>
+        </p:nvSpPr>
+        <p:spPr/>
+        <p:txBody>
+          <a:bodyPr/>
+          <a:lstStyle/>
+          <a:p>
+            <a:r>
+              <a:rPr lang="en-US" b="1" dirty="0" err="1"/>
+              <a:t>sys.dm_exec_requests</a:t>
+            </a:r>
+            <a:endParaRPr lang="en-US" dirty="0"/>
+          </a:p>
+        </p:txBody>
+      </p:sp>
+      <p:sp>
+        <p:nvSpPr>
+          <p:cNvPr id="3" name="Content Placeholder 2"/>
+          <p:cNvSpPr>
+            <a:spLocks noGrp="1"/>
+          </p:cNvSpPr>
+          <p:nvPr>
+            <p:ph idx="1"/>
+          </p:nvPr>
+        </p:nvSpPr>
+        <p:spPr>
+          <a:xfrm>
+            <a:off x="609600" y="838201"/>
+            <a:ext cx="10972800" cy="5448300"/>
+          </a:xfrm>
+        </p:spPr>
+        <p:txBody>
+          <a:bodyPr>
+            <a:normAutofit fontScale="92500"/>
+          </a:bodyPr>
+          <a:lstStyle/>
+          <a:p>
+            <a:pPr marL="571500" indent="-571500">
+              <a:buFont typeface="Arial" panose="020B0604020202020204" pitchFamily="34" charset="0"/>
+              <a:buChar char="•"/>
+            </a:pPr>
+            <a:r>
+              <a:rPr lang="en-US" sz="4400" b="0" dirty="0"/>
+              <a:t>Use the helpful </a:t>
+            </a:r>
+            <a:r>
+              <a:rPr lang="en-US" sz="4400" b="0" dirty="0" err="1"/>
+              <a:t>percent_complete</a:t>
+            </a:r>
+            <a:r>
+              <a:rPr lang="en-US" sz="4400" b="0" dirty="0"/>
+              <a:t> column to check progress of BACKUP and RESTORE.  </a:t>
+            </a:r>
+          </a:p>
+          <a:p>
+            <a:pPr marL="571500" indent="-571500">
+              <a:buFont typeface="Arial" panose="020B0604020202020204" pitchFamily="34" charset="0"/>
+              <a:buChar char="•"/>
+            </a:pPr>
+            <a:r>
+              <a:rPr lang="en-US" sz="4400" b="0" dirty="0"/>
+              <a:t>Also applies to DBCC CHECKDB operations!</a:t>
+            </a:r>
+          </a:p>
+          <a:p>
+            <a:pPr marL="571500" indent="-571500">
+              <a:buFont typeface="Arial" panose="020B0604020202020204" pitchFamily="34" charset="0"/>
+              <a:buChar char="•"/>
+            </a:pPr>
+            <a:r>
+              <a:rPr lang="en-US" sz="4400" b="0" dirty="0"/>
+              <a:t>Combined with the </a:t>
+            </a:r>
+            <a:r>
+              <a:rPr lang="en-US" sz="4400" b="0" dirty="0" err="1"/>
+              <a:t>start_time</a:t>
+            </a:r>
+            <a:r>
+              <a:rPr lang="en-US" sz="4400" b="0" dirty="0"/>
+              <a:t> value, can estimate a completion </a:t>
+            </a:r>
+            <a:r>
+              <a:rPr lang="en-US" sz="4400" b="0" dirty="0" err="1"/>
+              <a:t>datetime</a:t>
+            </a:r>
+            <a:r>
+              <a:rPr lang="en-US" sz="4400" b="0" dirty="0"/>
+              <a:t> as well.</a:t>
+            </a:r>
+          </a:p>
+          <a:p>
+            <a:r>
+              <a:rPr lang="en-US" sz="4400" b="0" dirty="0"/>
+              <a:t>Lab:</a:t>
+            </a:r>
+          </a:p>
+          <a:p>
+            <a:pPr marL="0" indent="0"/>
+            <a:r>
+              <a:rPr lang="en-US" sz="4400" b="0" dirty="0"/>
+              <a:t>	</a:t>
+            </a:r>
+            <a:r>
+              <a:rPr lang="en-US" sz="4400" dirty="0"/>
+              <a:t>Backup restore </a:t>
+            </a:r>
+            <a:r>
+              <a:rPr lang="en-US" sz="4400" dirty="0" err="1"/>
+              <a:t>progress.sql</a:t>
+            </a:r>
+            <a:endParaRPr lang="en-US" sz="4400" dirty="0"/>
+          </a:p>
+          <a:p>
+            <a:endParaRPr lang="en-US" sz="4400" b="0" dirty="0"/>
+          </a:p>
+          <a:p>
+            <a:endParaRPr lang="en-US" sz="4400" b="0" dirty="0"/>
+          </a:p>
+        </p:txBody>
+      </p:sp>
+      <p:sp>
+        <p:nvSpPr>
+          <p:cNvPr id="4" name="Slide Number Placeholder 3"/>
+          <p:cNvSpPr>
+            <a:spLocks noGrp="1"/>
+          </p:cNvSpPr>
+          <p:nvPr>
+            <p:ph type="sldNum" sz="quarter" idx="4294967295"/>
+          </p:nvPr>
+        </p:nvSpPr>
+        <p:spPr>
+          <a:xfrm>
+            <a:off x="1524000" y="6286501"/>
+            <a:ext cx="527050" cy="365125"/>
+          </a:xfrm>
+          <a:prstGeom prst="rect">
+            <a:avLst/>
+          </a:prstGeom>
+        </p:spPr>
+        <p:txBody>
+          <a:bodyPr/>
+          <a:lstStyle/>
+          <a:p>
+            <a:fld id="{B33938D9-6682-4BB5-AE7E-A07F086A6D58}" type="slidenum">
+              <a:rPr lang="en-US" smtClean="0"/>
+              <a:pPr/>
+              <a:t>44</a:t>
+            </a:fld>
+            <a:endParaRPr lang="en-US"/>
+          </a:p>
+        </p:txBody>
+      </p:sp>
+    </p:spTree>
+    <p:extLst>
+      <p:ext uri="{BB962C8B-B14F-4D97-AF65-F5344CB8AC3E}">
+        <p14:creationId xmlns:p14="http://schemas.microsoft.com/office/powerpoint/2010/main" val="3917590187"/>
+      </p:ext>
+    </p:extLst>
+  </p:cSld>
+  <p:clrMapOvr>
+    <a:masterClrMapping/>
+  </p:clrMapOvr>
+</p:sld>
+</file>
+
+<file path=ppt/slides/slide45.xml><?xml version="1.0" encoding="utf-8"?>
+<p:sld xmlns:a="http://schemas.openxmlformats.org/drawingml/2006/main" xmlns:r="http://schemas.openxmlformats.org/officeDocument/2006/relationships" xmlns:p="http://schemas.openxmlformats.org/presentationml/2006/main">
+  <p:cSld>
+    <p:spTree>
+      <p:nvGrpSpPr>
+        <p:cNvPr id="1" name=""/>
+        <p:cNvGrpSpPr/>
+        <p:nvPr/>
+      </p:nvGrpSpPr>
+      <p:grpSpPr>
+        <a:xfrm>
+          <a:off x="0" y="0"/>
+          <a:ext cx="0" cy="0"/>
+          <a:chOff x="0" y="0"/>
+          <a:chExt cx="0" cy="0"/>
+        </a:xfrm>
+      </p:grpSpPr>
+      <p:sp>
+        <p:nvSpPr>
+          <p:cNvPr id="2" name="Title 1"/>
+          <p:cNvSpPr>
+            <a:spLocks noGrp="1"/>
+          </p:cNvSpPr>
+          <p:nvPr>
+            <p:ph type="title"/>
+          </p:nvPr>
+        </p:nvSpPr>
+        <p:spPr/>
+        <p:txBody>
+          <a:bodyPr>
+            <a:normAutofit/>
+          </a:bodyPr>
+          <a:lstStyle/>
+          <a:p>
+            <a:pPr lvl="0"/>
+            <a:r>
+              <a:rPr lang="en-US" dirty="0" err="1"/>
+              <a:t>sys.dm_exec_input_buffer</a:t>
+            </a:r>
+            <a:endParaRPr lang="en-US" dirty="0"/>
+          </a:p>
+        </p:txBody>
+      </p:sp>
+      <p:sp>
+        <p:nvSpPr>
+          <p:cNvPr id="3" name="Content Placeholder 2"/>
+          <p:cNvSpPr>
+            <a:spLocks noGrp="1"/>
+          </p:cNvSpPr>
+          <p:nvPr>
+            <p:ph idx="1"/>
+          </p:nvPr>
+        </p:nvSpPr>
+        <p:spPr>
+          <a:xfrm>
+            <a:off x="228600" y="838201"/>
+            <a:ext cx="11811000" cy="5333999"/>
+          </a:xfrm>
+        </p:spPr>
+        <p:txBody>
+          <a:bodyPr>
+            <a:normAutofit/>
+          </a:bodyPr>
+          <a:lstStyle/>
+          <a:p>
+            <a:pPr marL="685800" indent="-685800">
+              <a:buFont typeface="Arial" panose="020B0604020202020204" pitchFamily="34" charset="0"/>
+              <a:buChar char="•"/>
+            </a:pPr>
+            <a:r>
+              <a:rPr lang="en-US" sz="4000" b="0" dirty="0"/>
+              <a:t>DBCC INPUTBUFFER still not deprecated</a:t>
+            </a:r>
+          </a:p>
+          <a:p>
+            <a:pPr marL="685800" indent="-685800">
+              <a:buFont typeface="Arial" panose="020B0604020202020204" pitchFamily="34" charset="0"/>
+              <a:buChar char="•"/>
+            </a:pPr>
+            <a:r>
+              <a:rPr lang="en-US" sz="4000" b="0" dirty="0"/>
+              <a:t>But has been effectively replaced by a new DMF first introduced in SQL 2014 SP2: </a:t>
+            </a:r>
+            <a:r>
+              <a:rPr lang="en-US" sz="4000" b="0" dirty="0" err="1">
+                <a:latin typeface="Consolas" panose="020B0609020204030204" pitchFamily="49" charset="0"/>
+              </a:rPr>
+              <a:t>sys.dm_exec_input_buffer</a:t>
+            </a:r>
+            <a:endParaRPr lang="en-US" sz="4000" b="0" dirty="0">
+              <a:latin typeface="Consolas" panose="020B0609020204030204" pitchFamily="49" charset="0"/>
+            </a:endParaRPr>
+          </a:p>
+          <a:p>
+            <a:pPr marL="685800" indent="-685800">
+              <a:buFont typeface="Arial" panose="020B0604020202020204" pitchFamily="34" charset="0"/>
+              <a:buChar char="•"/>
+            </a:pPr>
+            <a:r>
+              <a:rPr lang="en-US" sz="4000" b="0" dirty="0"/>
+              <a:t>This can display the last command issued from a session, even if there is no live request</a:t>
+            </a:r>
+          </a:p>
+        </p:txBody>
+      </p:sp>
+      <p:sp>
+        <p:nvSpPr>
+          <p:cNvPr id="4" name="Slide Number Placeholder 3"/>
+          <p:cNvSpPr>
+            <a:spLocks noGrp="1"/>
+          </p:cNvSpPr>
+          <p:nvPr>
+            <p:ph type="sldNum" sz="quarter" idx="4294967295"/>
+          </p:nvPr>
+        </p:nvSpPr>
+        <p:spPr>
+          <a:xfrm>
+            <a:off x="1524000" y="6286501"/>
+            <a:ext cx="527050" cy="365125"/>
+          </a:xfrm>
+          <a:prstGeom prst="rect">
+            <a:avLst/>
+          </a:prstGeom>
+        </p:spPr>
+        <p:txBody>
+          <a:bodyPr/>
+          <a:lstStyle/>
+          <a:p>
+            <a:fld id="{B33938D9-6682-4BB5-AE7E-A07F086A6D58}" type="slidenum">
+              <a:rPr lang="en-US" smtClean="0"/>
+              <a:pPr/>
+              <a:t>45</a:t>
+            </a:fld>
+            <a:endParaRPr lang="en-US"/>
+          </a:p>
+        </p:txBody>
+      </p:sp>
+    </p:spTree>
+    <p:extLst>
+      <p:ext uri="{BB962C8B-B14F-4D97-AF65-F5344CB8AC3E}">
+        <p14:creationId xmlns:p14="http://schemas.microsoft.com/office/powerpoint/2010/main" val="1000541029"/>
+      </p:ext>
+    </p:extLst>
+  </p:cSld>
+  <p:clrMapOvr>
+    <a:masterClrMapping/>
+  </p:clrMapOvr>
 </p:sld>
 </file>
 
@@ -24893,85 +24554,6 @@
   <p:clrMapOvr>
     <a:masterClrMapping/>
   </p:clrMapOvr>
-  <p:timing>
-    <p:tnLst>
-      <p:par>
-        <p:cTn id="1" dur="indefinite" restart="never" nodeType="tmRoot">
-          <p:childTnLst>
-            <p:seq concurrent="1" nextAc="seek">
-              <p:cTn id="2" dur="indefinite" nodeType="mainSeq">
-                <p:childTnLst>
-                  <p:par>
-                    <p:cTn id="3" fill="hold">
-                      <p:stCondLst>
-                        <p:cond delay="indefinite"/>
-                      </p:stCondLst>
-                      <p:childTnLst>
-                        <p:par>
-                          <p:cTn id="4" fill="hold">
-                            <p:stCondLst>
-                              <p:cond delay="0"/>
-                            </p:stCondLst>
-                            <p:childTnLst>
-                              <p:par>
-                                <p:cTn id="5" presetID="1" presetClass="entr" presetSubtype="0" fill="hold" nodeType="clickEffect">
-                                  <p:stCondLst>
-                                    <p:cond delay="0"/>
-                                  </p:stCondLst>
-                                  <p:childTnLst>
-                                    <p:set>
-                                      <p:cBhvr>
-                                        <p:cTn id="6" dur="1" fill="hold">
-                                          <p:stCondLst>
-                                            <p:cond delay="0"/>
-                                          </p:stCondLst>
-                                        </p:cTn>
-                                        <p:tgtEl>
-                                          <p:spTgt spid="6">
-                                            <p:txEl>
-                                              <p:pRg st="5" end="5"/>
-                                            </p:txEl>
-                                          </p:spTgt>
-                                        </p:tgtEl>
-                                        <p:attrNameLst>
-                                          <p:attrName>style.visibility</p:attrName>
-                                        </p:attrNameLst>
-                                      </p:cBhvr>
-                                      <p:to>
-                                        <p:strVal val="visible"/>
-                                      </p:to>
-                                    </p:set>
-                                  </p:childTnLst>
-                                </p:cTn>
-                              </p:par>
-                            </p:childTnLst>
-                          </p:cTn>
-                        </p:par>
-                      </p:childTnLst>
-                    </p:cTn>
-                  </p:par>
-                </p:childTnLst>
-              </p:cTn>
-              <p:prevCondLst>
-                <p:cond evt="onPrev" delay="0">
-                  <p:tgtEl>
-                    <p:sldTgt/>
-                  </p:tgtEl>
-                </p:cond>
-              </p:prevCondLst>
-              <p:nextCondLst>
-                <p:cond evt="onNext" delay="0">
-                  <p:tgtEl>
-                    <p:sldTgt/>
-                  </p:tgtEl>
-                </p:cond>
-              </p:nextCondLst>
-            </p:seq>
-          </p:childTnLst>
-        </p:cTn>
-      </p:par>
-    </p:tnLst>
-  </p:timing>
 </p:sld>
 </file>
 
@@ -25503,6 +25085,10 @@
             <a:endParaRPr lang="en-US" sz="3200" dirty="0"/>
           </a:p>
           <a:p>
+            <a:pPr marL="571500" indent="-571500">
+              <a:buFont typeface="Arial" panose="020B0604020202020204" pitchFamily="34" charset="0"/>
+              <a:buChar char="•"/>
+            </a:pPr>
             <a:r>
               <a:rPr lang="en-US" sz="4000" dirty="0"/>
               <a:t>Don’t worry – slides and samples will be posted on my blog at </a:t>
@@ -25516,6 +25102,10 @@
             <a:endParaRPr lang="en-US" sz="4000" dirty="0"/>
           </a:p>
           <a:p>
+            <a:pPr marL="571500" indent="-571500">
+              <a:buFont typeface="Arial" panose="020B0604020202020204" pitchFamily="34" charset="0"/>
+              <a:buChar char="•"/>
+            </a:pPr>
             <a:r>
               <a:rPr lang="en-US" sz="4000" dirty="0"/>
               <a:t>Some labs use Microsoft’s </a:t>
@@ -25537,6 +25127,10 @@
             <a:endParaRPr lang="en-US" sz="4000" dirty="0"/>
           </a:p>
           <a:p>
+            <a:pPr marL="571500" indent="-571500">
+              <a:buFont typeface="Arial" panose="020B0604020202020204" pitchFamily="34" charset="0"/>
+              <a:buChar char="•"/>
+            </a:pPr>
             <a:r>
               <a:rPr lang="en-US" sz="4000" dirty="0"/>
               <a:t>Toolbox for all Labs on </a:t>
@@ -25551,6 +25145,10 @@
             </a:r>
           </a:p>
           <a:p>
+            <a:pPr marL="571500" indent="-571500">
+              <a:buFont typeface="Arial" panose="020B0604020202020204" pitchFamily="34" charset="0"/>
+              <a:buChar char="•"/>
+            </a:pPr>
             <a:r>
               <a:rPr lang="en-US" sz="4000" dirty="0"/>
               <a:t>	</a:t>
@@ -25930,33 +25528,15 @@
                                   </p:childTnLst>
                                 </p:cTn>
                               </p:par>
-                            </p:childTnLst>
-                          </p:cTn>
-                        </p:par>
-                      </p:childTnLst>
-                    </p:cTn>
-                  </p:par>
-                  <p:par>
-                    <p:cTn id="27" fill="hold">
-                      <p:stCondLst>
-                        <p:cond delay="indefinite"/>
-                      </p:stCondLst>
-                      <p:childTnLst>
-                        <p:par>
-                          <p:cTn id="28" fill="hold">
-                            <p:stCondLst>
-                              <p:cond delay="0"/>
-                            </p:stCondLst>
-                            <p:childTnLst>
                               <p:par>
-                                <p:cTn id="29" presetID="1" presetClass="entr" presetSubtype="0" fill="hold" grpId="0" nodeType="clickEffect">
+                                <p:cTn id="27" presetID="1" presetClass="entr" presetSubtype="0" fill="hold" grpId="0" nodeType="withEffect">
                                   <p:stCondLst>
                                     <p:cond delay="0"/>
                                   </p:stCondLst>
                                   <p:childTnLst>
                                     <p:set>
                                       <p:cBhvr>
-                                        <p:cTn id="30" dur="1" fill="hold">
+                                        <p:cTn id="28" dur="1" fill="hold">
                                           <p:stCondLst>
                                             <p:cond delay="0"/>
                                           </p:stCondLst>
@@ -26007,7 +25587,7 @@
       </p:par>
     </p:tnLst>
     <p:bldLst>
-      <p:bldP spid="2" grpId="0" build="p"/>
+      <p:bldP spid="2" grpId="0" uiExpand="1" build="p"/>
     </p:bldLst>
   </p:timing>
 </p:sld>
